--- a/回课/1 Floating Point.pptx
+++ b/回课/1 Floating Point.pptx
@@ -5,29 +5,29 @@
     <p:sldMasterId id="2147483648" r:id="rId1"/>
   </p:sldMasterIdLst>
   <p:sldIdLst>
-    <p:sldId id="256" r:id="rId3"/>
-    <p:sldId id="257" r:id="rId4"/>
-    <p:sldId id="258" r:id="rId5"/>
-    <p:sldId id="259" r:id="rId6"/>
-    <p:sldId id="294" r:id="rId7"/>
-    <p:sldId id="260" r:id="rId8"/>
-    <p:sldId id="274" r:id="rId9"/>
-    <p:sldId id="261" r:id="rId10"/>
-    <p:sldId id="284" r:id="rId11"/>
-    <p:sldId id="262" r:id="rId12"/>
-    <p:sldId id="268" r:id="rId13"/>
-    <p:sldId id="263" r:id="rId14"/>
-    <p:sldId id="264" r:id="rId15"/>
-    <p:sldId id="267" r:id="rId16"/>
-    <p:sldId id="285" r:id="rId17"/>
-    <p:sldId id="265" r:id="rId18"/>
-    <p:sldId id="266" r:id="rId19"/>
-    <p:sldId id="275" r:id="rId20"/>
+    <p:sldId id="256" r:id="rId2"/>
+    <p:sldId id="257" r:id="rId3"/>
+    <p:sldId id="258" r:id="rId4"/>
+    <p:sldId id="259" r:id="rId5"/>
+    <p:sldId id="294" r:id="rId6"/>
+    <p:sldId id="260" r:id="rId7"/>
+    <p:sldId id="274" r:id="rId8"/>
+    <p:sldId id="261" r:id="rId9"/>
+    <p:sldId id="284" r:id="rId10"/>
+    <p:sldId id="262" r:id="rId11"/>
+    <p:sldId id="268" r:id="rId12"/>
+    <p:sldId id="263" r:id="rId13"/>
+    <p:sldId id="264" r:id="rId14"/>
+    <p:sldId id="267" r:id="rId15"/>
+    <p:sldId id="285" r:id="rId16"/>
+    <p:sldId id="265" r:id="rId17"/>
+    <p:sldId id="266" r:id="rId18"/>
+    <p:sldId id="275" r:id="rId19"/>
   </p:sldIdLst>
   <p:sldSz cx="12192000" cy="6858000"/>
   <p:notesSz cx="6858000" cy="9144000"/>
   <p:custDataLst>
-    <p:tags r:id="rId24"/>
+    <p:tags r:id="rId20"/>
   </p:custDataLst>
   <p:defaultTextStyle>
     <a:defPPr>
@@ -124,6 +124,11 @@
       </a:defRPr>
     </a:lvl9pPr>
   </p:defaultTextStyle>
+  <p:extLst>
+    <p:ext uri="{EFAFB233-063F-42B5-8137-9DF3F51BA10A}">
+      <p15:sldGuideLst xmlns:p15="http://schemas.microsoft.com/office/powerpoint/2012/main"/>
+    </p:ext>
+  </p:extLst>
 </p:presentation>
 </file>
 
@@ -172,7 +177,6 @@
               <a:rPr lang="zh-CN" altLang="en-US"/>
               <a:t>单击此处编辑母版标题样式</a:t>
             </a:r>
-            <a:endParaRPr lang="zh-CN" altLang="en-US"/>
           </a:p>
         </p:txBody>
       </p:sp>
@@ -237,7 +241,6 @@
               <a:rPr lang="zh-CN" altLang="en-US"/>
               <a:t>单击此处编辑母版副标题样式</a:t>
             </a:r>
-            <a:endParaRPr lang="zh-CN" altLang="en-US"/>
           </a:p>
         </p:txBody>
       </p:sp>
@@ -258,6 +261,7 @@
           <a:p>
             <a:fld id="{D997B5FA-0921-464F-AAE1-844C04324D75}" type="datetimeFigureOut">
               <a:rPr lang="zh-CN" altLang="en-US" smtClean="0"/>
+              <a:t>2024/1/3</a:t>
             </a:fld>
             <a:endParaRPr lang="zh-CN" altLang="en-US"/>
           </a:p>
@@ -299,6 +303,7 @@
           <a:p>
             <a:fld id="{565CE74E-AB26-4998-AD42-012C4C1AD076}" type="slidenum">
               <a:rPr lang="zh-CN" altLang="en-US" smtClean="0"/>
+              <a:t>‹#›</a:t>
             </a:fld>
             <a:endParaRPr lang="zh-CN" altLang="en-US"/>
           </a:p>
@@ -310,7 +315,7 @@
           <p:cNvCxnSpPr/>
           <p:nvPr userDrawn="1">
             <p:custDataLst>
-              <p:tags r:id="rId2"/>
+              <p:tags r:id="rId1"/>
             </p:custDataLst>
           </p:nvPr>
         </p:nvCxnSpPr>
@@ -387,7 +392,6 @@
               <a:rPr lang="zh-CN" altLang="en-US"/>
               <a:t>单击此处编辑母版标题样式</a:t>
             </a:r>
-            <a:endParaRPr lang="zh-CN" altLang="en-US"/>
           </a:p>
         </p:txBody>
       </p:sp>
@@ -411,7 +415,6 @@
               <a:rPr lang="zh-CN" altLang="en-US"/>
               <a:t>单击此处编辑母版文本样式</a:t>
             </a:r>
-            <a:endParaRPr lang="zh-CN" altLang="en-US"/>
           </a:p>
           <a:p>
             <a:pPr lvl="1"/>
@@ -419,7 +422,6 @@
               <a:rPr lang="zh-CN" altLang="en-US"/>
               <a:t>第二级</a:t>
             </a:r>
-            <a:endParaRPr lang="zh-CN" altLang="en-US"/>
           </a:p>
           <a:p>
             <a:pPr lvl="2"/>
@@ -427,7 +429,6 @@
               <a:rPr lang="zh-CN" altLang="en-US"/>
               <a:t>第三级</a:t>
             </a:r>
-            <a:endParaRPr lang="zh-CN" altLang="en-US"/>
           </a:p>
           <a:p>
             <a:pPr lvl="3"/>
@@ -435,7 +436,6 @@
               <a:rPr lang="zh-CN" altLang="en-US"/>
               <a:t>第四级</a:t>
             </a:r>
-            <a:endParaRPr lang="zh-CN" altLang="en-US"/>
           </a:p>
           <a:p>
             <a:pPr lvl="4"/>
@@ -443,7 +443,6 @@
               <a:rPr lang="zh-CN" altLang="en-US"/>
               <a:t>第五级</a:t>
             </a:r>
-            <a:endParaRPr lang="zh-CN" altLang="en-US"/>
           </a:p>
         </p:txBody>
       </p:sp>
@@ -464,6 +463,7 @@
           <a:p>
             <a:fld id="{D997B5FA-0921-464F-AAE1-844C04324D75}" type="datetimeFigureOut">
               <a:rPr lang="zh-CN" altLang="en-US" smtClean="0"/>
+              <a:t>2024/1/3</a:t>
             </a:fld>
             <a:endParaRPr lang="zh-CN" altLang="en-US"/>
           </a:p>
@@ -505,6 +505,7 @@
           <a:p>
             <a:fld id="{565CE74E-AB26-4998-AD42-012C4C1AD076}" type="slidenum">
               <a:rPr lang="zh-CN" altLang="en-US" smtClean="0"/>
+              <a:t>‹#›</a:t>
             </a:fld>
             <a:endParaRPr lang="zh-CN" altLang="en-US"/>
           </a:p>
@@ -559,7 +560,6 @@
               <a:rPr lang="zh-CN" altLang="en-US"/>
               <a:t>单击此处编辑母版标题样式</a:t>
             </a:r>
-            <a:endParaRPr lang="zh-CN" altLang="en-US"/>
           </a:p>
         </p:txBody>
       </p:sp>
@@ -588,7 +588,6 @@
               <a:rPr lang="zh-CN" altLang="en-US"/>
               <a:t>单击此处编辑母版文本样式</a:t>
             </a:r>
-            <a:endParaRPr lang="zh-CN" altLang="en-US"/>
           </a:p>
           <a:p>
             <a:pPr lvl="1"/>
@@ -596,7 +595,6 @@
               <a:rPr lang="zh-CN" altLang="en-US"/>
               <a:t>第二级</a:t>
             </a:r>
-            <a:endParaRPr lang="zh-CN" altLang="en-US"/>
           </a:p>
           <a:p>
             <a:pPr lvl="2"/>
@@ -604,7 +602,6 @@
               <a:rPr lang="zh-CN" altLang="en-US"/>
               <a:t>第三级</a:t>
             </a:r>
-            <a:endParaRPr lang="zh-CN" altLang="en-US"/>
           </a:p>
           <a:p>
             <a:pPr lvl="3"/>
@@ -612,7 +609,6 @@
               <a:rPr lang="zh-CN" altLang="en-US"/>
               <a:t>第四级</a:t>
             </a:r>
-            <a:endParaRPr lang="zh-CN" altLang="en-US"/>
           </a:p>
           <a:p>
             <a:pPr lvl="4"/>
@@ -620,7 +616,6 @@
               <a:rPr lang="zh-CN" altLang="en-US"/>
               <a:t>第五级</a:t>
             </a:r>
-            <a:endParaRPr lang="zh-CN" altLang="en-US"/>
           </a:p>
         </p:txBody>
       </p:sp>
@@ -641,6 +636,7 @@
           <a:p>
             <a:fld id="{D997B5FA-0921-464F-AAE1-844C04324D75}" type="datetimeFigureOut">
               <a:rPr lang="zh-CN" altLang="en-US" smtClean="0"/>
+              <a:t>2024/1/3</a:t>
             </a:fld>
             <a:endParaRPr lang="zh-CN" altLang="en-US"/>
           </a:p>
@@ -682,6 +678,7 @@
           <a:p>
             <a:fld id="{565CE74E-AB26-4998-AD42-012C4C1AD076}" type="slidenum">
               <a:rPr lang="zh-CN" altLang="en-US" smtClean="0"/>
+              <a:t>‹#›</a:t>
             </a:fld>
             <a:endParaRPr lang="zh-CN" altLang="en-US"/>
           </a:p>
@@ -731,7 +728,6 @@
               <a:rPr lang="zh-CN" altLang="en-US"/>
               <a:t>单击此处编辑母版标题样式</a:t>
             </a:r>
-            <a:endParaRPr lang="zh-CN" altLang="en-US"/>
           </a:p>
         </p:txBody>
       </p:sp>
@@ -755,7 +751,6 @@
               <a:rPr lang="zh-CN" altLang="en-US"/>
               <a:t>单击此处编辑母版文本样式</a:t>
             </a:r>
-            <a:endParaRPr lang="zh-CN" altLang="en-US"/>
           </a:p>
           <a:p>
             <a:pPr lvl="1"/>
@@ -763,7 +758,6 @@
               <a:rPr lang="zh-CN" altLang="en-US"/>
               <a:t>第二级</a:t>
             </a:r>
-            <a:endParaRPr lang="zh-CN" altLang="en-US"/>
           </a:p>
           <a:p>
             <a:pPr lvl="2"/>
@@ -771,7 +765,6 @@
               <a:rPr lang="zh-CN" altLang="en-US"/>
               <a:t>第三级</a:t>
             </a:r>
-            <a:endParaRPr lang="zh-CN" altLang="en-US"/>
           </a:p>
           <a:p>
             <a:pPr lvl="3"/>
@@ -779,7 +772,6 @@
               <a:rPr lang="zh-CN" altLang="en-US"/>
               <a:t>第四级</a:t>
             </a:r>
-            <a:endParaRPr lang="zh-CN" altLang="en-US"/>
           </a:p>
           <a:p>
             <a:pPr lvl="4"/>
@@ -787,7 +779,6 @@
               <a:rPr lang="zh-CN" altLang="en-US"/>
               <a:t>第五级</a:t>
             </a:r>
-            <a:endParaRPr lang="zh-CN" altLang="en-US"/>
           </a:p>
         </p:txBody>
       </p:sp>
@@ -808,6 +799,7 @@
           <a:p>
             <a:fld id="{D997B5FA-0921-464F-AAE1-844C04324D75}" type="datetimeFigureOut">
               <a:rPr lang="zh-CN" altLang="en-US" smtClean="0"/>
+              <a:t>2024/1/3</a:t>
             </a:fld>
             <a:endParaRPr lang="zh-CN" altLang="en-US"/>
           </a:p>
@@ -849,6 +841,7 @@
           <a:p>
             <a:fld id="{565CE74E-AB26-4998-AD42-012C4C1AD076}" type="slidenum">
               <a:rPr lang="zh-CN" altLang="en-US" smtClean="0"/>
+              <a:t>‹#›</a:t>
             </a:fld>
             <a:endParaRPr lang="zh-CN" altLang="en-US"/>
           </a:p>
@@ -907,7 +900,6 @@
               <a:rPr lang="zh-CN" altLang="en-US"/>
               <a:t>单击此处编辑母版标题样式</a:t>
             </a:r>
-            <a:endParaRPr lang="zh-CN" altLang="en-US"/>
           </a:p>
         </p:txBody>
       </p:sp>
@@ -1027,7 +1019,6 @@
               <a:rPr lang="zh-CN" altLang="en-US"/>
               <a:t>单击此处编辑母版文本样式</a:t>
             </a:r>
-            <a:endParaRPr lang="zh-CN" altLang="en-US"/>
           </a:p>
         </p:txBody>
       </p:sp>
@@ -1048,6 +1039,7 @@
           <a:p>
             <a:fld id="{D997B5FA-0921-464F-AAE1-844C04324D75}" type="datetimeFigureOut">
               <a:rPr lang="zh-CN" altLang="en-US" smtClean="0"/>
+              <a:t>2024/1/3</a:t>
             </a:fld>
             <a:endParaRPr lang="zh-CN" altLang="en-US"/>
           </a:p>
@@ -1089,6 +1081,7 @@
           <a:p>
             <a:fld id="{565CE74E-AB26-4998-AD42-012C4C1AD076}" type="slidenum">
               <a:rPr lang="zh-CN" altLang="en-US" smtClean="0"/>
+              <a:t>‹#›</a:t>
             </a:fld>
             <a:endParaRPr lang="zh-CN" altLang="en-US"/>
           </a:p>
@@ -1138,7 +1131,6 @@
               <a:rPr lang="zh-CN" altLang="en-US"/>
               <a:t>单击此处编辑母版标题样式</a:t>
             </a:r>
-            <a:endParaRPr lang="zh-CN" altLang="en-US"/>
           </a:p>
         </p:txBody>
       </p:sp>
@@ -1167,7 +1159,6 @@
               <a:rPr lang="zh-CN" altLang="en-US"/>
               <a:t>单击此处编辑母版文本样式</a:t>
             </a:r>
-            <a:endParaRPr lang="zh-CN" altLang="en-US"/>
           </a:p>
           <a:p>
             <a:pPr lvl="1"/>
@@ -1175,7 +1166,6 @@
               <a:rPr lang="zh-CN" altLang="en-US"/>
               <a:t>第二级</a:t>
             </a:r>
-            <a:endParaRPr lang="zh-CN" altLang="en-US"/>
           </a:p>
           <a:p>
             <a:pPr lvl="2"/>
@@ -1183,7 +1173,6 @@
               <a:rPr lang="zh-CN" altLang="en-US"/>
               <a:t>第三级</a:t>
             </a:r>
-            <a:endParaRPr lang="zh-CN" altLang="en-US"/>
           </a:p>
           <a:p>
             <a:pPr lvl="3"/>
@@ -1191,7 +1180,6 @@
               <a:rPr lang="zh-CN" altLang="en-US"/>
               <a:t>第四级</a:t>
             </a:r>
-            <a:endParaRPr lang="zh-CN" altLang="en-US"/>
           </a:p>
           <a:p>
             <a:pPr lvl="4"/>
@@ -1199,7 +1187,6 @@
               <a:rPr lang="zh-CN" altLang="en-US"/>
               <a:t>第五级</a:t>
             </a:r>
-            <a:endParaRPr lang="zh-CN" altLang="en-US"/>
           </a:p>
         </p:txBody>
       </p:sp>
@@ -1228,7 +1215,6 @@
               <a:rPr lang="zh-CN" altLang="en-US"/>
               <a:t>单击此处编辑母版文本样式</a:t>
             </a:r>
-            <a:endParaRPr lang="zh-CN" altLang="en-US"/>
           </a:p>
           <a:p>
             <a:pPr lvl="1"/>
@@ -1236,7 +1222,6 @@
               <a:rPr lang="zh-CN" altLang="en-US"/>
               <a:t>第二级</a:t>
             </a:r>
-            <a:endParaRPr lang="zh-CN" altLang="en-US"/>
           </a:p>
           <a:p>
             <a:pPr lvl="2"/>
@@ -1244,7 +1229,6 @@
               <a:rPr lang="zh-CN" altLang="en-US"/>
               <a:t>第三级</a:t>
             </a:r>
-            <a:endParaRPr lang="zh-CN" altLang="en-US"/>
           </a:p>
           <a:p>
             <a:pPr lvl="3"/>
@@ -1252,7 +1236,6 @@
               <a:rPr lang="zh-CN" altLang="en-US"/>
               <a:t>第四级</a:t>
             </a:r>
-            <a:endParaRPr lang="zh-CN" altLang="en-US"/>
           </a:p>
           <a:p>
             <a:pPr lvl="4"/>
@@ -1260,7 +1243,6 @@
               <a:rPr lang="zh-CN" altLang="en-US"/>
               <a:t>第五级</a:t>
             </a:r>
-            <a:endParaRPr lang="zh-CN" altLang="en-US"/>
           </a:p>
         </p:txBody>
       </p:sp>
@@ -1281,6 +1263,7 @@
           <a:p>
             <a:fld id="{D997B5FA-0921-464F-AAE1-844C04324D75}" type="datetimeFigureOut">
               <a:rPr lang="zh-CN" altLang="en-US" smtClean="0"/>
+              <a:t>2024/1/3</a:t>
             </a:fld>
             <a:endParaRPr lang="zh-CN" altLang="en-US"/>
           </a:p>
@@ -1322,6 +1305,7 @@
           <a:p>
             <a:fld id="{565CE74E-AB26-4998-AD42-012C4C1AD076}" type="slidenum">
               <a:rPr lang="zh-CN" altLang="en-US" smtClean="0"/>
+              <a:t>‹#›</a:t>
             </a:fld>
             <a:endParaRPr lang="zh-CN" altLang="en-US"/>
           </a:p>
@@ -1376,7 +1360,6 @@
               <a:rPr lang="zh-CN" altLang="en-US"/>
               <a:t>单击此处编辑母版标题样式</a:t>
             </a:r>
-            <a:endParaRPr lang="zh-CN" altLang="en-US"/>
           </a:p>
         </p:txBody>
       </p:sp>
@@ -1442,7 +1425,6 @@
               <a:rPr lang="zh-CN" altLang="en-US"/>
               <a:t>单击此处编辑母版文本样式</a:t>
             </a:r>
-            <a:endParaRPr lang="zh-CN" altLang="en-US"/>
           </a:p>
         </p:txBody>
       </p:sp>
@@ -1471,7 +1453,6 @@
               <a:rPr lang="zh-CN" altLang="en-US"/>
               <a:t>单击此处编辑母版文本样式</a:t>
             </a:r>
-            <a:endParaRPr lang="zh-CN" altLang="en-US"/>
           </a:p>
           <a:p>
             <a:pPr lvl="1"/>
@@ -1479,7 +1460,6 @@
               <a:rPr lang="zh-CN" altLang="en-US"/>
               <a:t>第二级</a:t>
             </a:r>
-            <a:endParaRPr lang="zh-CN" altLang="en-US"/>
           </a:p>
           <a:p>
             <a:pPr lvl="2"/>
@@ -1487,7 +1467,6 @@
               <a:rPr lang="zh-CN" altLang="en-US"/>
               <a:t>第三级</a:t>
             </a:r>
-            <a:endParaRPr lang="zh-CN" altLang="en-US"/>
           </a:p>
           <a:p>
             <a:pPr lvl="3"/>
@@ -1495,7 +1474,6 @@
               <a:rPr lang="zh-CN" altLang="en-US"/>
               <a:t>第四级</a:t>
             </a:r>
-            <a:endParaRPr lang="zh-CN" altLang="en-US"/>
           </a:p>
           <a:p>
             <a:pPr lvl="4"/>
@@ -1503,7 +1481,6 @@
               <a:rPr lang="zh-CN" altLang="en-US"/>
               <a:t>第五级</a:t>
             </a:r>
-            <a:endParaRPr lang="zh-CN" altLang="en-US"/>
           </a:p>
         </p:txBody>
       </p:sp>
@@ -1569,7 +1546,6 @@
               <a:rPr lang="zh-CN" altLang="en-US"/>
               <a:t>单击此处编辑母版文本样式</a:t>
             </a:r>
-            <a:endParaRPr lang="zh-CN" altLang="en-US"/>
           </a:p>
         </p:txBody>
       </p:sp>
@@ -1598,7 +1574,6 @@
               <a:rPr lang="zh-CN" altLang="en-US"/>
               <a:t>单击此处编辑母版文本样式</a:t>
             </a:r>
-            <a:endParaRPr lang="zh-CN" altLang="en-US"/>
           </a:p>
           <a:p>
             <a:pPr lvl="1"/>
@@ -1606,7 +1581,6 @@
               <a:rPr lang="zh-CN" altLang="en-US"/>
               <a:t>第二级</a:t>
             </a:r>
-            <a:endParaRPr lang="zh-CN" altLang="en-US"/>
           </a:p>
           <a:p>
             <a:pPr lvl="2"/>
@@ -1614,7 +1588,6 @@
               <a:rPr lang="zh-CN" altLang="en-US"/>
               <a:t>第三级</a:t>
             </a:r>
-            <a:endParaRPr lang="zh-CN" altLang="en-US"/>
           </a:p>
           <a:p>
             <a:pPr lvl="3"/>
@@ -1622,7 +1595,6 @@
               <a:rPr lang="zh-CN" altLang="en-US"/>
               <a:t>第四级</a:t>
             </a:r>
-            <a:endParaRPr lang="zh-CN" altLang="en-US"/>
           </a:p>
           <a:p>
             <a:pPr lvl="4"/>
@@ -1630,7 +1602,6 @@
               <a:rPr lang="zh-CN" altLang="en-US"/>
               <a:t>第五级</a:t>
             </a:r>
-            <a:endParaRPr lang="zh-CN" altLang="en-US"/>
           </a:p>
         </p:txBody>
       </p:sp>
@@ -1651,6 +1622,7 @@
           <a:p>
             <a:fld id="{D997B5FA-0921-464F-AAE1-844C04324D75}" type="datetimeFigureOut">
               <a:rPr lang="zh-CN" altLang="en-US" smtClean="0"/>
+              <a:t>2024/1/3</a:t>
             </a:fld>
             <a:endParaRPr lang="zh-CN" altLang="en-US"/>
           </a:p>
@@ -1692,6 +1664,7 @@
           <a:p>
             <a:fld id="{565CE74E-AB26-4998-AD42-012C4C1AD076}" type="slidenum">
               <a:rPr lang="zh-CN" altLang="en-US" smtClean="0"/>
+              <a:t>‹#›</a:t>
             </a:fld>
             <a:endParaRPr lang="zh-CN" altLang="en-US"/>
           </a:p>
@@ -1755,7 +1728,6 @@
               <a:rPr lang="zh-CN" altLang="en-US" dirty="0"/>
               <a:t>单击此处编辑母版标题样式</a:t>
             </a:r>
-            <a:endParaRPr lang="zh-CN" altLang="en-US" dirty="0"/>
           </a:p>
         </p:txBody>
       </p:sp>
@@ -1776,6 +1748,7 @@
           <a:p>
             <a:fld id="{D997B5FA-0921-464F-AAE1-844C04324D75}" type="datetimeFigureOut">
               <a:rPr lang="zh-CN" altLang="en-US" smtClean="0"/>
+              <a:t>2024/1/3</a:t>
             </a:fld>
             <a:endParaRPr lang="zh-CN" altLang="en-US"/>
           </a:p>
@@ -1822,6 +1795,7 @@
           <a:p>
             <a:fld id="{565CE74E-AB26-4998-AD42-012C4C1AD076}" type="slidenum">
               <a:rPr lang="zh-CN" altLang="en-US" smtClean="0"/>
+              <a:t>‹#›</a:t>
             </a:fld>
             <a:endParaRPr lang="zh-CN" altLang="en-US"/>
           </a:p>
@@ -1833,7 +1807,7 @@
           <p:cNvCxnSpPr/>
           <p:nvPr userDrawn="1">
             <p:custDataLst>
-              <p:tags r:id="rId2"/>
+              <p:tags r:id="rId1"/>
             </p:custDataLst>
           </p:nvPr>
         </p:nvCxnSpPr>
@@ -1908,6 +1882,7 @@
           <a:p>
             <a:fld id="{D997B5FA-0921-464F-AAE1-844C04324D75}" type="datetimeFigureOut">
               <a:rPr lang="zh-CN" altLang="en-US" smtClean="0"/>
+              <a:t>2024/1/3</a:t>
             </a:fld>
             <a:endParaRPr lang="zh-CN" altLang="en-US"/>
           </a:p>
@@ -1954,6 +1929,7 @@
           <a:p>
             <a:fld id="{565CE74E-AB26-4998-AD42-012C4C1AD076}" type="slidenum">
               <a:rPr lang="zh-CN" altLang="en-US" smtClean="0"/>
+              <a:t>‹#›</a:t>
             </a:fld>
             <a:endParaRPr lang="zh-CN" altLang="en-US"/>
           </a:p>
@@ -1965,7 +1941,7 @@
           <p:cNvCxnSpPr/>
           <p:nvPr userDrawn="1">
             <p:custDataLst>
-              <p:tags r:id="rId2"/>
+              <p:tags r:id="rId1"/>
             </p:custDataLst>
           </p:nvPr>
         </p:nvCxnSpPr>
@@ -2051,7 +2027,6 @@
               <a:rPr lang="zh-CN" altLang="en-US"/>
               <a:t>单击此处编辑母版标题样式</a:t>
             </a:r>
-            <a:endParaRPr lang="zh-CN" altLang="en-US"/>
           </a:p>
         </p:txBody>
       </p:sp>
@@ -2108,7 +2083,6 @@
               <a:rPr lang="zh-CN" altLang="en-US"/>
               <a:t>单击此处编辑母版文本样式</a:t>
             </a:r>
-            <a:endParaRPr lang="zh-CN" altLang="en-US"/>
           </a:p>
           <a:p>
             <a:pPr lvl="1"/>
@@ -2116,7 +2090,6 @@
               <a:rPr lang="zh-CN" altLang="en-US"/>
               <a:t>第二级</a:t>
             </a:r>
-            <a:endParaRPr lang="zh-CN" altLang="en-US"/>
           </a:p>
           <a:p>
             <a:pPr lvl="2"/>
@@ -2124,7 +2097,6 @@
               <a:rPr lang="zh-CN" altLang="en-US"/>
               <a:t>第三级</a:t>
             </a:r>
-            <a:endParaRPr lang="zh-CN" altLang="en-US"/>
           </a:p>
           <a:p>
             <a:pPr lvl="3"/>
@@ -2132,7 +2104,6 @@
               <a:rPr lang="zh-CN" altLang="en-US"/>
               <a:t>第四级</a:t>
             </a:r>
-            <a:endParaRPr lang="zh-CN" altLang="en-US"/>
           </a:p>
           <a:p>
             <a:pPr lvl="4"/>
@@ -2140,7 +2111,6 @@
               <a:rPr lang="zh-CN" altLang="en-US"/>
               <a:t>第五级</a:t>
             </a:r>
-            <a:endParaRPr lang="zh-CN" altLang="en-US"/>
           </a:p>
         </p:txBody>
       </p:sp>
@@ -2206,7 +2176,6 @@
               <a:rPr lang="zh-CN" altLang="en-US"/>
               <a:t>单击此处编辑母版文本样式</a:t>
             </a:r>
-            <a:endParaRPr lang="zh-CN" altLang="en-US"/>
           </a:p>
         </p:txBody>
       </p:sp>
@@ -2227,6 +2196,7 @@
           <a:p>
             <a:fld id="{D997B5FA-0921-464F-AAE1-844C04324D75}" type="datetimeFigureOut">
               <a:rPr lang="zh-CN" altLang="en-US" smtClean="0"/>
+              <a:t>2024/1/3</a:t>
             </a:fld>
             <a:endParaRPr lang="zh-CN" altLang="en-US"/>
           </a:p>
@@ -2268,6 +2238,7 @@
           <a:p>
             <a:fld id="{565CE74E-AB26-4998-AD42-012C4C1AD076}" type="slidenum">
               <a:rPr lang="zh-CN" altLang="en-US" smtClean="0"/>
+              <a:t>‹#›</a:t>
             </a:fld>
             <a:endParaRPr lang="zh-CN" altLang="en-US"/>
           </a:p>
@@ -2326,7 +2297,6 @@
               <a:rPr lang="zh-CN" altLang="en-US"/>
               <a:t>单击此处编辑母版标题样式</a:t>
             </a:r>
-            <a:endParaRPr lang="zh-CN" altLang="en-US"/>
           </a:p>
         </p:txBody>
       </p:sp>
@@ -2453,7 +2423,6 @@
               <a:rPr lang="zh-CN" altLang="en-US"/>
               <a:t>单击此处编辑母版文本样式</a:t>
             </a:r>
-            <a:endParaRPr lang="zh-CN" altLang="en-US"/>
           </a:p>
         </p:txBody>
       </p:sp>
@@ -2474,6 +2443,7 @@
           <a:p>
             <a:fld id="{D997B5FA-0921-464F-AAE1-844C04324D75}" type="datetimeFigureOut">
               <a:rPr lang="zh-CN" altLang="en-US" smtClean="0"/>
+              <a:t>2024/1/3</a:t>
             </a:fld>
             <a:endParaRPr lang="zh-CN" altLang="en-US"/>
           </a:p>
@@ -2515,6 +2485,7 @@
           <a:p>
             <a:fld id="{565CE74E-AB26-4998-AD42-012C4C1AD076}" type="slidenum">
               <a:rPr lang="zh-CN" altLang="en-US" smtClean="0"/>
+              <a:t>‹#›</a:t>
             </a:fld>
             <a:endParaRPr lang="zh-CN" altLang="en-US"/>
           </a:p>
@@ -2579,7 +2550,6 @@
               <a:rPr lang="zh-CN" altLang="en-US"/>
               <a:t>单击此处编辑母版标题样式</a:t>
             </a:r>
-            <a:endParaRPr lang="zh-CN" altLang="en-US"/>
           </a:p>
         </p:txBody>
       </p:sp>
@@ -2613,7 +2583,6 @@
               <a:rPr lang="zh-CN" altLang="en-US"/>
               <a:t>单击此处编辑母版文本样式</a:t>
             </a:r>
-            <a:endParaRPr lang="zh-CN" altLang="en-US"/>
           </a:p>
           <a:p>
             <a:pPr lvl="1"/>
@@ -2621,7 +2590,6 @@
               <a:rPr lang="zh-CN" altLang="en-US"/>
               <a:t>第二级</a:t>
             </a:r>
-            <a:endParaRPr lang="zh-CN" altLang="en-US"/>
           </a:p>
           <a:p>
             <a:pPr lvl="2"/>
@@ -2629,7 +2597,6 @@
               <a:rPr lang="zh-CN" altLang="en-US"/>
               <a:t>第三级</a:t>
             </a:r>
-            <a:endParaRPr lang="zh-CN" altLang="en-US"/>
           </a:p>
           <a:p>
             <a:pPr lvl="3"/>
@@ -2637,7 +2604,6 @@
               <a:rPr lang="zh-CN" altLang="en-US"/>
               <a:t>第四级</a:t>
             </a:r>
-            <a:endParaRPr lang="zh-CN" altLang="en-US"/>
           </a:p>
           <a:p>
             <a:pPr lvl="4"/>
@@ -2645,7 +2611,6 @@
               <a:rPr lang="zh-CN" altLang="en-US"/>
               <a:t>第五级</a:t>
             </a:r>
-            <a:endParaRPr lang="zh-CN" altLang="en-US"/>
           </a:p>
         </p:txBody>
       </p:sp>
@@ -2684,6 +2649,7 @@
           <a:p>
             <a:fld id="{D997B5FA-0921-464F-AAE1-844C04324D75}" type="datetimeFigureOut">
               <a:rPr lang="zh-CN" altLang="en-US" smtClean="0"/>
+              <a:t>2024/1/3</a:t>
             </a:fld>
             <a:endParaRPr lang="zh-CN" altLang="en-US"/>
           </a:p>
@@ -2761,6 +2727,7 @@
           <a:p>
             <a:fld id="{565CE74E-AB26-4998-AD42-012C4C1AD076}" type="slidenum">
               <a:rPr lang="zh-CN" altLang="en-US" smtClean="0"/>
+              <a:t>‹#›</a:t>
             </a:fld>
             <a:endParaRPr lang="zh-CN" altLang="en-US"/>
           </a:p>
@@ -3101,7 +3068,6 @@
               <a:rPr lang="en-US" altLang="zh-CN"/>
               <a:t>Floating Point</a:t>
             </a:r>
-            <a:endParaRPr lang="en-US" altLang="zh-CN"/>
           </a:p>
         </p:txBody>
       </p:sp>
@@ -3132,10 +3098,6 @@
               </a:rPr>
               <a:t>汪之立</a:t>
             </a:r>
-            <a:endParaRPr lang="zh-CN" altLang="en-US" sz="3200" b="1">
-              <a:latin typeface="华文楷体" panose="02010600040101010101" charset="-122"/>
-              <a:ea typeface="华文楷体" panose="02010600040101010101" charset="-122"/>
-            </a:endParaRPr>
           </a:p>
         </p:txBody>
       </p:sp>
@@ -3187,7 +3149,6 @@
               <a:rPr lang="zh-CN" altLang="en-US" dirty="0"/>
               <a:t>浮点标准  何为“逐渐溢出”</a:t>
             </a:r>
-            <a:endParaRPr lang="zh-CN" altLang="en-US" dirty="0"/>
           </a:p>
         </p:txBody>
       </p:sp>
@@ -3204,7 +3165,7 @@
           </p:nvPr>
         </p:nvPicPr>
         <p:blipFill>
-          <a:blip r:embed="rId2"/>
+          <a:blip r:embed="rId3"/>
           <a:stretch>
             <a:fillRect/>
           </a:stretch>
@@ -3219,8 +3180,8 @@
           </a:prstGeom>
         </p:spPr>
       </p:pic>
-      <mc:AlternateContent xmlns:mc="http://schemas.openxmlformats.org/markup-compatibility/2006">
-        <mc:Choice xmlns:a14="http://schemas.microsoft.com/office/drawing/2010/main" Requires="a14">
+      <mc:AlternateContent xmlns:mc="http://schemas.openxmlformats.org/markup-compatibility/2006" xmlns:a14="http://schemas.microsoft.com/office/drawing/2010/main">
+        <mc:Choice Requires="a14">
           <p:sp>
             <p:nvSpPr>
               <p:cNvPr id="4" name="文本框 3"/>
@@ -3241,12 +3202,12 @@
               <a:bodyPr wrap="square" rtlCol="0">
                 <a:spAutoFit/>
               </a:bodyPr>
+              <a:lstStyle/>
               <a:p>
                 <a:r>
                   <a:rPr lang="zh-CN" altLang="en-US" sz="2400"/>
                   <a:t>规格化的值两端疏，中间密</a:t>
                 </a:r>
-                <a:endParaRPr lang="zh-CN" altLang="en-US" sz="2400"/>
               </a:p>
               <a:p>
                 <a:r>
@@ -3287,14 +3248,7 @@
                             <a:latin typeface="Cambria Math" panose="02040503050406030204" pitchFamily="18" charset="0"/>
                             <a:cs typeface="Cambria Math" panose="02040503050406030204" pitchFamily="18" charset="0"/>
                           </a:rPr>
-                          <m:t>2</m:t>
-                        </m:r>
-                        <m:r>
-                          <a:rPr lang="en-US" altLang="zh-CN" sz="2400" i="1">
-                            <a:latin typeface="Cambria Math" panose="02040503050406030204" pitchFamily="18" charset="0"/>
-                            <a:cs typeface="Cambria Math" panose="02040503050406030204" pitchFamily="18" charset="0"/>
-                          </a:rPr>
-                          <m:t>−</m:t>
+                          <m:t>2−</m:t>
                         </m:r>
                         <m:sSup>
                           <m:sSupPr>
@@ -3327,14 +3281,7 @@
                                 <a:latin typeface="Cambria Math" panose="02040503050406030204" pitchFamily="18" charset="0"/>
                                 <a:cs typeface="Cambria Math" panose="02040503050406030204" pitchFamily="18" charset="0"/>
                               </a:rPr>
-                              <m:t>−</m:t>
-                            </m:r>
-                            <m:r>
-                              <a:rPr lang="en-US" altLang="zh-CN" sz="2400" i="1">
-                                <a:latin typeface="Cambria Math" panose="02040503050406030204" pitchFamily="18" charset="0"/>
-                                <a:cs typeface="Cambria Math" panose="02040503050406030204" pitchFamily="18" charset="0"/>
-                              </a:rPr>
-                              <m:t>1</m:t>
+                              <m:t>−1</m:t>
                             </m:r>
                           </m:sup>
                         </m:sSup>
@@ -3389,7 +3336,7 @@
             </p:txBody>
           </p:sp>
         </mc:Choice>
-        <mc:Fallback>
+        <mc:Fallback xmlns="">
           <p:sp>
             <p:nvSpPr>
               <p:cNvPr id="4" name="文本框 3"/>
@@ -3407,7 +3354,7 @@
                 <a:avLst/>
               </a:prstGeom>
               <a:blipFill rotWithShape="1">
-                <a:blip r:embed="rId3"/>
+                <a:blip r:embed="rId4"/>
                 <a:stretch>
                   <a:fillRect/>
                 </a:stretch>
@@ -3448,21 +3395,17 @@
           <a:bodyPr wrap="square" rtlCol="0">
             <a:spAutoFit/>
           </a:bodyPr>
+          <a:lstStyle/>
           <a:p>
             <a:r>
               <a:rPr lang="zh-CN" altLang="en-US" sz="2400"/>
-              <a:t>非规格化绝对值最大值到规格化绝对值最小值之间的差值为</a:t>
-            </a:r>
-            <a:r>
-              <a:rPr lang="zh-CN" altLang="en-US" sz="2400"/>
-              <a:t>公差</a:t>
-            </a:r>
-            <a:endParaRPr lang="zh-CN" altLang="en-US" sz="2400"/>
+              <a:t>非规格化绝对值最大值到规格化绝对值最小值之间的差值为公差</a:t>
+            </a:r>
           </a:p>
         </p:txBody>
       </p:sp>
-      <mc:AlternateContent xmlns:mc="http://schemas.openxmlformats.org/markup-compatibility/2006">
-        <mc:Choice xmlns:a14="http://schemas.microsoft.com/office/drawing/2010/main" Requires="a14">
+      <mc:AlternateContent xmlns:mc="http://schemas.openxmlformats.org/markup-compatibility/2006" xmlns:a14="http://schemas.microsoft.com/office/drawing/2010/main">
+        <mc:Choice Requires="a14">
           <p:sp>
             <p:nvSpPr>
               <p:cNvPr id="6" name="文本框 5"/>
@@ -3483,7 +3426,9 @@
               <a:bodyPr wrap="square" rtlCol="0" anchor="t">
                 <a:spAutoFit/>
               </a:bodyPr>
+              <a:lstStyle/>
               <a:p>
+                <a:pPr/>
                 <a14:m>
                   <m:oMathPara xmlns:m="http://schemas.openxmlformats.org/officeDocument/2006/math">
                     <m:oMathParaPr>
@@ -3514,14 +3459,7 @@
                               <a:latin typeface="Cambria Math" panose="02040503050406030204" pitchFamily="18" charset="0"/>
                               <a:cs typeface="Cambria Math" panose="02040503050406030204" pitchFamily="18" charset="0"/>
                             </a:rPr>
-                            <m:t>2</m:t>
-                          </m:r>
-                          <m:r>
-                            <a:rPr lang="en-US" altLang="zh-CN" sz="2800" i="1">
-                              <a:latin typeface="Cambria Math" panose="02040503050406030204" pitchFamily="18" charset="0"/>
-                              <a:cs typeface="Cambria Math" panose="02040503050406030204" pitchFamily="18" charset="0"/>
-                            </a:rPr>
-                            <m:t>−</m:t>
+                            <m:t>2−</m:t>
                           </m:r>
                           <m:sSup>
                             <m:sSupPr>
@@ -3554,14 +3492,7 @@
                                   <a:latin typeface="Cambria Math" panose="02040503050406030204" pitchFamily="18" charset="0"/>
                                   <a:cs typeface="Cambria Math" panose="02040503050406030204" pitchFamily="18" charset="0"/>
                                 </a:rPr>
-                                <m:t>−</m:t>
-                              </m:r>
-                              <m:r>
-                                <a:rPr lang="en-US" altLang="zh-CN" sz="2800" i="1">
-                                  <a:latin typeface="Cambria Math" panose="02040503050406030204" pitchFamily="18" charset="0"/>
-                                  <a:cs typeface="Cambria Math" panose="02040503050406030204" pitchFamily="18" charset="0"/>
-                                </a:rPr>
-                                <m:t>1</m:t>
+                                <m:t>−1</m:t>
                               </m:r>
                             </m:sup>
                           </m:sSup>
@@ -3572,21 +3503,7 @@
                           <a:latin typeface="Cambria Math" panose="02040503050406030204" pitchFamily="18" charset="0"/>
                           <a:cs typeface="Cambria Math" panose="02040503050406030204" pitchFamily="18" charset="0"/>
                         </a:rPr>
-                        <m:t>∗（</m:t>
-                      </m:r>
-                      <m:r>
-                        <a:rPr lang="en-US" altLang="zh-CN" sz="2800" i="1">
-                          <a:latin typeface="Cambria Math" panose="02040503050406030204" pitchFamily="18" charset="0"/>
-                          <a:cs typeface="Cambria Math" panose="02040503050406030204" pitchFamily="18" charset="0"/>
-                        </a:rPr>
-                        <m:t>1</m:t>
-                      </m:r>
-                      <m:r>
-                        <a:rPr lang="en-US" altLang="zh-CN" sz="2800" i="1">
-                          <a:latin typeface="Cambria Math" panose="02040503050406030204" pitchFamily="18" charset="0"/>
-                          <a:cs typeface="Cambria Math" panose="02040503050406030204" pitchFamily="18" charset="0"/>
-                        </a:rPr>
-                        <m:t>−</m:t>
+                        <m:t>∗（1−</m:t>
                       </m:r>
                       <m:sSup>
                         <m:sSupPr>
@@ -3628,28 +3545,7 @@
                           <a:latin typeface="Cambria Math" panose="02040503050406030204" pitchFamily="18" charset="0"/>
                           <a:cs typeface="Cambria Math" panose="02040503050406030204" pitchFamily="18" charset="0"/>
                         </a:rPr>
-                        <m:t>）&lt;</m:t>
-                      </m:r>
-                      <m:r>
-                        <a:rPr lang="en-US" altLang="zh-CN" sz="2800" i="1">
-                          <a:latin typeface="Cambria Math" panose="02040503050406030204" pitchFamily="18" charset="0"/>
-                          <a:cs typeface="Cambria Math" panose="02040503050406030204" pitchFamily="18" charset="0"/>
-                        </a:rPr>
-                        <m:t>−</m:t>
-                      </m:r>
-                      <m:r>
-                        <a:rPr lang="en-US" altLang="zh-CN" sz="2800" i="1">
-                          <a:latin typeface="Cambria Math" panose="02040503050406030204" pitchFamily="18" charset="0"/>
-                          <a:cs typeface="Cambria Math" panose="02040503050406030204" pitchFamily="18" charset="0"/>
-                        </a:rPr>
-                        <m:t>&gt;</m:t>
-                      </m:r>
-                      <m:r>
-                        <a:rPr lang="en-US" altLang="zh-CN" sz="2800" i="1">
-                          <a:latin typeface="Cambria Math" panose="02040503050406030204" pitchFamily="18" charset="0"/>
-                          <a:cs typeface="Cambria Math" panose="02040503050406030204" pitchFamily="18" charset="0"/>
-                        </a:rPr>
-                        <m:t>    </m:t>
+                        <m:t>）&lt;−&gt;    </m:t>
                       </m:r>
                       <m:sSup>
                         <m:sSupPr>
@@ -3675,14 +3571,7 @@
                               <a:latin typeface="Cambria Math" panose="02040503050406030204" pitchFamily="18" charset="0"/>
                               <a:cs typeface="Cambria Math" panose="02040503050406030204" pitchFamily="18" charset="0"/>
                             </a:rPr>
-                            <m:t>2</m:t>
-                          </m:r>
-                          <m:r>
-                            <a:rPr lang="en-US" altLang="zh-CN" sz="2800" i="1">
-                              <a:latin typeface="Cambria Math" panose="02040503050406030204" pitchFamily="18" charset="0"/>
-                              <a:cs typeface="Cambria Math" panose="02040503050406030204" pitchFamily="18" charset="0"/>
-                            </a:rPr>
-                            <m:t>−</m:t>
+                            <m:t>2−</m:t>
                           </m:r>
                           <m:sSup>
                             <m:sSupPr>
@@ -3715,14 +3604,7 @@
                                   <a:latin typeface="Cambria Math" panose="02040503050406030204" pitchFamily="18" charset="0"/>
                                   <a:cs typeface="Cambria Math" panose="02040503050406030204" pitchFamily="18" charset="0"/>
                                 </a:rPr>
-                                <m:t>−</m:t>
-                              </m:r>
-                              <m:r>
-                                <a:rPr lang="en-US" altLang="zh-CN" sz="2800" i="1">
-                                  <a:latin typeface="Cambria Math" panose="02040503050406030204" pitchFamily="18" charset="0"/>
-                                  <a:cs typeface="Cambria Math" panose="02040503050406030204" pitchFamily="18" charset="0"/>
-                                </a:rPr>
-                                <m:t>1</m:t>
+                                <m:t>−1</m:t>
                               </m:r>
                             </m:sup>
                           </m:sSup>
@@ -3733,14 +3615,7 @@
                           <a:latin typeface="Cambria Math" panose="02040503050406030204" pitchFamily="18" charset="0"/>
                           <a:cs typeface="Cambria Math" panose="02040503050406030204" pitchFamily="18" charset="0"/>
                         </a:rPr>
-                        <m:t>∗</m:t>
-                      </m:r>
-                      <m:r>
-                        <a:rPr lang="en-US" altLang="zh-CN" sz="2800" i="1">
-                          <a:latin typeface="Cambria Math" panose="02040503050406030204" pitchFamily="18" charset="0"/>
-                          <a:cs typeface="Cambria Math" panose="02040503050406030204" pitchFamily="18" charset="0"/>
-                        </a:rPr>
-                        <m:t>1</m:t>
+                        <m:t>∗1</m:t>
                       </m:r>
                     </m:oMath>
                   </m:oMathPara>
@@ -3753,7 +3628,7 @@
             </p:txBody>
           </p:sp>
         </mc:Choice>
-        <mc:Fallback>
+        <mc:Fallback xmlns="">
           <p:sp>
             <p:nvSpPr>
               <p:cNvPr id="6" name="文本框 5"/>
@@ -3771,7 +3646,7 @@
                 <a:avLst/>
               </a:prstGeom>
               <a:blipFill rotWithShape="1">
-                <a:blip r:embed="rId4"/>
+                <a:blip r:embed="rId5"/>
                 <a:stretch>
                   <a:fillRect/>
                 </a:stretch>
@@ -3797,13 +3672,13 @@
   <p:clrMapOvr>
     <a:masterClrMapping/>
   </p:clrMapOvr>
-  <mc:AlternateContent xmlns:mc="http://schemas.openxmlformats.org/markup-compatibility/2006">
-    <mc:Choice xmlns:p14="http://schemas.microsoft.com/office/powerpoint/2010/main" Requires="p14">
-      <p:transition spd="slow" p14:dur="1000">
+  <mc:AlternateContent xmlns:mc="http://schemas.openxmlformats.org/markup-compatibility/2006" xmlns:p14="http://schemas.microsoft.com/office/powerpoint/2010/main">
+    <mc:Choice Requires="p14">
+      <p:transition spd="slow">
         <p:wipe dir="r"/>
       </p:transition>
     </mc:Choice>
-    <mc:Fallback>
+    <mc:Fallback xmlns="">
       <p:transition spd="slow">
         <p:wipe dir="r"/>
       </p:transition>
@@ -3963,7 +3838,6 @@
               <a:rPr lang="zh-CN" altLang="en-US" dirty="0"/>
               <a:t>浮点标准  浮点数比较</a:t>
             </a:r>
-            <a:endParaRPr lang="zh-CN" altLang="en-US" dirty="0"/>
           </a:p>
         </p:txBody>
       </p:sp>
@@ -3980,7 +3854,7 @@
           </p:nvPr>
         </p:nvPicPr>
         <p:blipFill>
-          <a:blip r:embed="rId2"/>
+          <a:blip r:embed="rId4"/>
           <a:stretch>
             <a:fillRect/>
           </a:stretch>
@@ -4035,7 +3909,7 @@
           <p:cNvCxnSpPr/>
           <p:nvPr>
             <p:custDataLst>
-              <p:tags r:id="rId3"/>
+              <p:tags r:id="rId2"/>
             </p:custDataLst>
           </p:nvPr>
         </p:nvCxnSpPr>
@@ -4087,12 +3961,12 @@
           <a:bodyPr wrap="square" rtlCol="0">
             <a:spAutoFit/>
           </a:bodyPr>
+          <a:lstStyle/>
           <a:p>
             <a:r>
               <a:rPr lang="zh-CN" altLang="en-US" sz="2800"/>
               <a:t>按同位的整数来排序</a:t>
             </a:r>
-            <a:endParaRPr lang="zh-CN" altLang="en-US" sz="2800"/>
           </a:p>
           <a:p>
             <a:r>
@@ -4103,7 +3977,6 @@
               <a:rPr lang="zh-CN" altLang="en-US" sz="2800"/>
               <a:t>整数原码</a:t>
             </a:r>
-            <a:endParaRPr lang="zh-CN" altLang="en-US" sz="2800"/>
           </a:p>
           <a:p>
             <a:endParaRPr lang="zh-CN" altLang="en-US" sz="2800"/>
@@ -4117,11 +3990,6 @@
               </a:rPr>
               <a:t>正数升序，负数降序</a:t>
             </a:r>
-            <a:endParaRPr lang="zh-CN" altLang="en-US" sz="2800">
-              <a:solidFill>
-                <a:srgbClr val="FF0000"/>
-              </a:solidFill>
-            </a:endParaRPr>
           </a:p>
         </p:txBody>
       </p:sp>
@@ -4130,13 +3998,13 @@
   <p:clrMapOvr>
     <a:masterClrMapping/>
   </p:clrMapOvr>
-  <mc:AlternateContent xmlns:mc="http://schemas.openxmlformats.org/markup-compatibility/2006">
-    <mc:Choice xmlns:p14="http://schemas.microsoft.com/office/powerpoint/2010/main" Requires="p14">
-      <p:transition spd="slow" p14:dur="1000">
+  <mc:AlternateContent xmlns:mc="http://schemas.openxmlformats.org/markup-compatibility/2006" xmlns:p14="http://schemas.microsoft.com/office/powerpoint/2010/main">
+    <mc:Choice Requires="p14">
+      <p:transition spd="slow">
         <p:wipe dir="r"/>
       </p:transition>
     </mc:Choice>
-    <mc:Fallback>
+    <mc:Fallback xmlns="">
       <p:transition spd="slow">
         <p:wipe dir="r"/>
       </p:transition>
@@ -4314,7 +4182,6 @@
               <a:rPr lang="zh-CN" altLang="en-US" dirty="0"/>
               <a:t>浮点运算运算性质</a:t>
             </a:r>
-            <a:endParaRPr lang="zh-CN" altLang="en-US" dirty="0"/>
           </a:p>
         </p:txBody>
       </p:sp>
@@ -4520,18 +4387,7 @@
                 <a:cs typeface="MV Boli" panose="02000500030200090000" pitchFamily="2" charset="0"/>
                 <a:sym typeface="+mn-ea"/>
               </a:rPr>
-              <a:t>▶▶▶正常运算性质的产生都要求参与是数</a:t>
-            </a:r>
-            <a:r>
-              <a:rPr lang="zh-CN" altLang="en-US" sz="2400" dirty="0">
-                <a:solidFill>
-                  <a:srgbClr val="3333B3"/>
-                </a:solidFill>
-                <a:effectLst/>
-                <a:cs typeface="MV Boli" panose="02000500030200090000" pitchFamily="2" charset="0"/>
-                <a:sym typeface="+mn-ea"/>
-              </a:rPr>
-              <a:t>而不是</a:t>
+              <a:t>▶▶▶正常运算性质的产生都要求参与是数而不是</a:t>
             </a:r>
             <a:r>
               <a:rPr lang="en-US" altLang="zh-CN" sz="2400" dirty="0">
@@ -4573,10 +4429,6 @@
               </a:rPr>
               <a:t>加法</a:t>
             </a:r>
-            <a:endParaRPr lang="zh-CN" altLang="en-US" sz="2400" b="0" i="0" dirty="0">
-              <a:effectLst/>
-              <a:cs typeface="MV Boli" panose="02000500030200090000" pitchFamily="2" charset="0"/>
-            </a:endParaRPr>
           </a:p>
           <a:p>
             <a:pPr marL="800100" lvl="1" indent="-342900"/>
@@ -4602,11 +4454,6 @@
               </a:rPr>
               <a:t>√	x + y == y + x</a:t>
             </a:r>
-            <a:endParaRPr lang="en-US" altLang="zh-CN" sz="2400" b="0" i="0" dirty="0">
-              <a:effectLst/>
-              <a:latin typeface="Arial" panose="020B0604020202020204" pitchFamily="34" charset="0"/>
-              <a:cs typeface="Arial" panose="020B0604020202020204" pitchFamily="34" charset="0"/>
-            </a:endParaRPr>
           </a:p>
           <a:p>
             <a:pPr marL="800100" lvl="1" indent="-342900"/>
@@ -4615,7 +4462,13 @@
                 <a:effectLst/>
                 <a:cs typeface="MV Boli" panose="02000500030200090000" pitchFamily="2" charset="0"/>
               </a:rPr>
-              <a:t>结合率</a:t>
+              <a:t>结合</a:t>
+            </a:r>
+            <a:r>
+              <a:rPr lang="zh-CN" altLang="en-US" dirty="0">
+                <a:cs typeface="MV Boli" panose="02000500030200090000" pitchFamily="2" charset="0"/>
+              </a:rPr>
+              <a:t>律</a:t>
             </a:r>
             <a:r>
               <a:rPr lang="en-US" altLang="zh-CN" sz="2400" b="0" i="0" dirty="0">
@@ -4696,14 +4549,6 @@
           </a:p>
           <a:p>
             <a:pPr marL="800100" lvl="1" indent="-342900"/>
-            <a:r>
-              <a:rPr lang="en-US" altLang="zh-CN" sz="2400" b="0" i="0" dirty="0">
-                <a:effectLst/>
-                <a:latin typeface="Arial" panose="020B0604020202020204" pitchFamily="34" charset="0"/>
-                <a:cs typeface="MV Boli" panose="02000500030200090000" pitchFamily="2" charset="0"/>
-              </a:rPr>
-              <a:t> </a:t>
-            </a:r>
             <a:r>
               <a:rPr lang="zh-CN" altLang="en-US" sz="2400" b="0" i="0" dirty="0">
                 <a:effectLst/>
@@ -4797,11 +4642,6 @@
               </a:rPr>
               <a:t> a + x &gt;= b + x</a:t>
             </a:r>
-            <a:endParaRPr lang="en-US" altLang="zh-CN" dirty="0">
-              <a:effectLst/>
-              <a:cs typeface="MV Boli" panose="02000500030200090000" pitchFamily="2" charset="0"/>
-              <a:sym typeface="+mn-ea"/>
-            </a:endParaRPr>
           </a:p>
           <a:p>
             <a:pPr marL="800100" lvl="1" indent="-342900"/>
@@ -4880,7 +4720,7 @@
                 <a:cs typeface="MV Boli" panose="02000500030200090000" pitchFamily="2" charset="0"/>
                 <a:sym typeface="+mn-ea"/>
               </a:rPr>
-              <a:t>结合率</a:t>
+              <a:t>结合律</a:t>
             </a:r>
             <a:r>
               <a:rPr lang="en-US" altLang="zh-CN" sz="2400" dirty="0">
@@ -4944,12 +4784,6 @@
               </a:rPr>
               <a:t>溢出</a:t>
             </a:r>
-            <a:endParaRPr lang="zh-CN" altLang="en-US" sz="2400" dirty="0">
-              <a:effectLst/>
-              <a:latin typeface="Arial" panose="020B0604020202020204" pitchFamily="34" charset="0"/>
-              <a:cs typeface="MV Boli" panose="02000500030200090000" pitchFamily="2" charset="0"/>
-              <a:sym typeface="+mn-ea"/>
-            </a:endParaRPr>
           </a:p>
           <a:p>
             <a:pPr marL="800100" lvl="1" indent="-342900"/>
@@ -4959,7 +4793,7 @@
                 <a:latin typeface="Arial" panose="020B0604020202020204" pitchFamily="34" charset="0"/>
                 <a:cs typeface="MV Boli" panose="02000500030200090000" pitchFamily="2" charset="0"/>
               </a:rPr>
-              <a:t>分配</a:t>
+              <a:t>分配律</a:t>
             </a:r>
             <a:r>
               <a:rPr lang="en-US" altLang="zh-CN" sz="2400" b="0" i="0" dirty="0">
@@ -4967,13 +4801,8 @@
                 <a:latin typeface="Arial" panose="020B0604020202020204" pitchFamily="34" charset="0"/>
                 <a:cs typeface="MV Boli" panose="02000500030200090000" pitchFamily="2" charset="0"/>
               </a:rPr>
-              <a:t>率  ×	x * (y + z) ？ x * y + x * z 	反例：溢出</a:t>
-            </a:r>
-            <a:endParaRPr lang="en-US" altLang="zh-CN" sz="2400" b="0" i="0" dirty="0">
-              <a:effectLst/>
-              <a:latin typeface="Arial" panose="020B0604020202020204" pitchFamily="34" charset="0"/>
-              <a:cs typeface="MV Boli" panose="02000500030200090000" pitchFamily="2" charset="0"/>
-            </a:endParaRPr>
+              <a:t>  ×	x * (y + z) ？ x * y + x * z 	反例：溢出</a:t>
+            </a:r>
           </a:p>
           <a:p>
             <a:pPr marL="800100" lvl="1" indent="-342900"/>
@@ -5088,11 +4917,6 @@
               </a:rPr>
               <a:t> a * x &gt;= b * x</a:t>
             </a:r>
-            <a:endParaRPr lang="en-US" altLang="zh-CN" sz="2400" dirty="0">
-              <a:effectLst/>
-              <a:cs typeface="MV Boli" panose="02000500030200090000" pitchFamily="2" charset="0"/>
-              <a:sym typeface="+mn-ea"/>
-            </a:endParaRPr>
           </a:p>
           <a:p>
             <a:pPr marL="0" lvl="1" indent="0">
@@ -5223,11 +5047,6 @@
               </a:rPr>
               <a:t>	</a:t>
             </a:r>
-            <a:endParaRPr lang="en-US" altLang="zh-CN" sz="2400" dirty="0">
-              <a:effectLst/>
-              <a:cs typeface="MV Boli" panose="02000500030200090000" pitchFamily="2" charset="0"/>
-              <a:sym typeface="+mn-ea"/>
-            </a:endParaRPr>
           </a:p>
           <a:p>
             <a:pPr marL="800100" lvl="1" indent="-342900"/>
@@ -5281,9 +5100,6 @@
               </a:rPr>
               <a:t>	</a:t>
             </a:r>
-            <a:endParaRPr lang="en-US" altLang="zh-CN" sz="2400" dirty="0">
-              <a:cs typeface="MV Boli" panose="02000500030200090000" pitchFamily="2" charset="0"/>
-            </a:endParaRPr>
           </a:p>
         </p:txBody>
       </p:sp>
@@ -5292,13 +5108,13 @@
   <p:clrMapOvr>
     <a:masterClrMapping/>
   </p:clrMapOvr>
-  <mc:AlternateContent xmlns:mc="http://schemas.openxmlformats.org/markup-compatibility/2006">
-    <mc:Choice xmlns:p14="http://schemas.microsoft.com/office/powerpoint/2010/main" Requires="p14">
-      <p:transition spd="slow" p14:dur="1000">
+  <mc:AlternateContent xmlns:mc="http://schemas.openxmlformats.org/markup-compatibility/2006" xmlns:p14="http://schemas.microsoft.com/office/powerpoint/2010/main">
+    <mc:Choice Requires="p14">
+      <p:transition spd="slow">
         <p:wipe dir="r"/>
       </p:transition>
     </mc:Choice>
-    <mc:Fallback>
+    <mc:Fallback xmlns="">
       <p:transition spd="slow">
         <p:wipe dir="r"/>
       </p:transition>
@@ -5343,12 +5159,11 @@
               <a:rPr lang="zh-CN" altLang="en-US" dirty="0"/>
               <a:t>浮点运算运算性质  特殊值处理</a:t>
             </a:r>
-            <a:endParaRPr lang="zh-CN" altLang="en-US" dirty="0"/>
           </a:p>
         </p:txBody>
       </p:sp>
-      <mc:AlternateContent xmlns:mc="http://schemas.openxmlformats.org/markup-compatibility/2006">
-        <mc:Choice xmlns:a14="http://schemas.microsoft.com/office/drawing/2010/main" Requires="a14">
+      <mc:AlternateContent xmlns:mc="http://schemas.openxmlformats.org/markup-compatibility/2006" xmlns:a14="http://schemas.microsoft.com/office/drawing/2010/main">
+        <mc:Choice Requires="a14">
           <p:sp>
             <p:nvSpPr>
               <p:cNvPr id="3" name="内容占位符 2"/>
@@ -5601,10 +5416,6 @@
                   </a:rPr>
                   <a:t>NaN + x = NaN</a:t>
                 </a:r>
-                <a:endParaRPr lang="en-US" altLang="zh-CN" sz="2400" b="0" i="0" dirty="0">
-                  <a:effectLst/>
-                  <a:cs typeface="MV Boli" panose="02000500030200090000" pitchFamily="2" charset="0"/>
-                </a:endParaRPr>
               </a:p>
               <a:p>
                 <a:pPr marL="800100" lvl="1" indent="-342900"/>
@@ -5623,15 +5434,7 @@
                         <a:latin typeface="Cambria Math" panose="02040503050406030204" pitchFamily="18" charset="0"/>
                         <a:cs typeface="Cambria Math" panose="02040503050406030204" pitchFamily="18" charset="0"/>
                       </a:rPr>
-                      <m:t>+</m:t>
-                    </m:r>
-                    <m:r>
-                      <a:rPr lang="en-US" altLang="zh-CN" b="0" i="1" dirty="0">
-                        <a:effectLst/>
-                        <a:latin typeface="Cambria Math" panose="02040503050406030204" pitchFamily="18" charset="0"/>
-                        <a:cs typeface="Cambria Math" panose="02040503050406030204" pitchFamily="18" charset="0"/>
-                      </a:rPr>
-                      <m:t>∞</m:t>
+                      <m:t>+∞</m:t>
                     </m:r>
                   </m:oMath>
                 </a14:m>
@@ -5640,14 +5443,7 @@
                     <a:effectLst/>
                     <a:cs typeface="MV Boli" panose="02000500030200090000" pitchFamily="2" charset="0"/>
                   </a:rPr>
-                  <a:t>)</a:t>
-                </a:r>
-                <a:r>
-                  <a:rPr lang="en-US" altLang="zh-CN" sz="2400" b="0" i="0" dirty="0">
-                    <a:effectLst/>
-                    <a:cs typeface="MV Boli" panose="02000500030200090000" pitchFamily="2" charset="0"/>
-                  </a:rPr>
-                  <a:t> + (</a:t>
+                  <a:t>) + (</a:t>
                 </a:r>
                 <a14:m>
                   <m:oMath xmlns:m="http://schemas.openxmlformats.org/officeDocument/2006/math">
@@ -5657,15 +5453,7 @@
                         <a:latin typeface="Cambria Math" panose="02040503050406030204" pitchFamily="18" charset="0"/>
                         <a:cs typeface="Cambria Math" panose="02040503050406030204" pitchFamily="18" charset="0"/>
                       </a:rPr>
-                      <m:t>−</m:t>
-                    </m:r>
-                    <m:r>
-                      <a:rPr lang="en-US" altLang="zh-CN" b="0" i="1" dirty="0">
-                        <a:effectLst/>
-                        <a:latin typeface="Cambria Math" panose="02040503050406030204" pitchFamily="18" charset="0"/>
-                        <a:cs typeface="Cambria Math" panose="02040503050406030204" pitchFamily="18" charset="0"/>
-                      </a:rPr>
-                      <m:t>∞</m:t>
+                      <m:t>−∞</m:t>
                     </m:r>
                   </m:oMath>
                 </a14:m>
@@ -5676,10 +5464,6 @@
                   </a:rPr>
                   <a:t>) = NaN</a:t>
                 </a:r>
-                <a:endParaRPr lang="en-US" altLang="zh-CN" sz="2400" b="0" i="0" dirty="0">
-                  <a:effectLst/>
-                  <a:cs typeface="MV Boli" panose="02000500030200090000" pitchFamily="2" charset="0"/>
-                </a:endParaRPr>
               </a:p>
               <a:p>
                 <a:pPr marL="800100" lvl="1" indent="-342900"/>
@@ -5704,15 +5488,7 @@
                             <a:latin typeface="Cambria Math" panose="02040503050406030204" pitchFamily="18" charset="0"/>
                             <a:cs typeface="Cambria Math" panose="02040503050406030204" pitchFamily="18" charset="0"/>
                           </a:rPr>
-                          <m:t>−</m:t>
-                        </m:r>
-                        <m:r>
-                          <a:rPr lang="en-US" altLang="zh-CN" sz="2400" b="0" i="1" dirty="0">
-                            <a:effectLst/>
-                            <a:latin typeface="Cambria Math" panose="02040503050406030204" pitchFamily="18" charset="0"/>
-                            <a:cs typeface="Cambria Math" panose="02040503050406030204" pitchFamily="18" charset="0"/>
-                          </a:rPr>
-                          <m:t>1</m:t>
+                          <m:t>−1</m:t>
                         </m:r>
                       </m:e>
                     </m:rad>
@@ -5725,10 +5501,6 @@
                   </a:rPr>
                   <a:t>  =  NaN</a:t>
                 </a:r>
-                <a:endParaRPr lang="en-US" altLang="zh-CN" sz="2400" b="0" i="0" dirty="0">
-                  <a:effectLst/>
-                  <a:cs typeface="MV Boli" panose="02000500030200090000" pitchFamily="2" charset="0"/>
-                </a:endParaRPr>
               </a:p>
               <a:p>
                 <a:pPr marL="800100" lvl="1" indent="-342900"/>
@@ -5740,31 +5512,7 @@
                         <a:latin typeface="Cambria Math" panose="02040503050406030204" pitchFamily="18" charset="0"/>
                         <a:cs typeface="Cambria Math" panose="02040503050406030204" pitchFamily="18" charset="0"/>
                       </a:rPr>
-                      <m:t>∞</m:t>
-                    </m:r>
-                    <m:r>
-                      <a:rPr lang="en-US" altLang="zh-CN" b="0" i="1" dirty="0">
-                        <a:effectLst/>
-                        <a:latin typeface="Cambria Math" panose="02040503050406030204" pitchFamily="18" charset="0"/>
-                        <a:cs typeface="Cambria Math" panose="02040503050406030204" pitchFamily="18" charset="0"/>
-                      </a:rPr>
-                      <m:t>∗</m:t>
-                    </m:r>
-                    <m:r>
-                      <a:rPr lang="en-US" altLang="zh-CN" b="0" i="1" dirty="0">
-                        <a:effectLst/>
-                        <a:latin typeface="Cambria Math" panose="02040503050406030204" pitchFamily="18" charset="0"/>
-                        <a:cs typeface="Cambria Math" panose="02040503050406030204" pitchFamily="18" charset="0"/>
-                      </a:rPr>
-                      <m:t> </m:t>
-                    </m:r>
-                    <m:r>
-                      <a:rPr lang="en-US" altLang="zh-CN" b="0" i="1" dirty="0">
-                        <a:effectLst/>
-                        <a:latin typeface="Cambria Math" panose="02040503050406030204" pitchFamily="18" charset="0"/>
-                        <a:cs typeface="Cambria Math" panose="02040503050406030204" pitchFamily="18" charset="0"/>
-                      </a:rPr>
-                      <m:t>0</m:t>
+                      <m:t>∞∗ 0</m:t>
                     </m:r>
                   </m:oMath>
                 </a14:m>
@@ -5773,19 +5521,8 @@
                     <a:effectLst/>
                     <a:cs typeface="MV Boli" panose="02000500030200090000" pitchFamily="2" charset="0"/>
                   </a:rPr>
-                  <a:t> = </a:t>
+                  <a:t> = NaN</a:t>
                 </a:r>
-                <a:r>
-                  <a:rPr lang="en-US" altLang="zh-CN" sz="2400" b="0" i="0" dirty="0">
-                    <a:effectLst/>
-                    <a:cs typeface="MV Boli" panose="02000500030200090000" pitchFamily="2" charset="0"/>
-                  </a:rPr>
-                  <a:t>NaN</a:t>
-                </a:r>
-                <a:endParaRPr lang="en-US" altLang="zh-CN" sz="2400" b="0" i="0" dirty="0">
-                  <a:effectLst/>
-                  <a:cs typeface="MV Boli" panose="02000500030200090000" pitchFamily="2" charset="0"/>
-                </a:endParaRPr>
               </a:p>
               <a:p>
                 <a:pPr marL="800100" lvl="1" indent="-342900"/>
@@ -5817,10 +5554,6 @@
                   </a:rPr>
                   <a:t>0.0/0.0 —&gt; NaN</a:t>
                 </a:r>
-                <a:endParaRPr lang="en-US" altLang="zh-CN" sz="2400" b="0" i="0" dirty="0">
-                  <a:effectLst/>
-                  <a:cs typeface="MV Boli" panose="02000500030200090000" pitchFamily="2" charset="0"/>
-                </a:endParaRPr>
               </a:p>
               <a:p>
                 <a:pPr marL="800100" lvl="1" indent="-342900"/>
@@ -5874,15 +5607,7 @@
                         <a:latin typeface="Cambria Math" panose="02040503050406030204" pitchFamily="18" charset="0"/>
                         <a:cs typeface="Cambria Math" panose="02040503050406030204" pitchFamily="18" charset="0"/>
                       </a:rPr>
-                      <m:t>−</m:t>
-                    </m:r>
-                    <m:r>
-                      <a:rPr lang="en-US" altLang="zh-CN" b="0" i="1" dirty="0">
-                        <a:effectLst/>
-                        <a:latin typeface="Cambria Math" panose="02040503050406030204" pitchFamily="18" charset="0"/>
-                        <a:cs typeface="Cambria Math" panose="02040503050406030204" pitchFamily="18" charset="0"/>
-                      </a:rPr>
-                      <m:t>∞</m:t>
+                      <m:t>−∞</m:t>
                     </m:r>
                   </m:oMath>
                 </a14:m>
@@ -5901,15 +5626,7 @@
                         <a:latin typeface="Cambria Math" panose="02040503050406030204" pitchFamily="18" charset="0"/>
                         <a:cs typeface="Cambria Math" panose="02040503050406030204" pitchFamily="18" charset="0"/>
                       </a:rPr>
-                      <m:t>+</m:t>
-                    </m:r>
-                    <m:r>
-                      <a:rPr lang="en-US" altLang="zh-CN" b="0" i="1" dirty="0">
-                        <a:effectLst/>
-                        <a:latin typeface="Cambria Math" panose="02040503050406030204" pitchFamily="18" charset="0"/>
-                        <a:cs typeface="Cambria Math" panose="02040503050406030204" pitchFamily="18" charset="0"/>
-                      </a:rPr>
-                      <m:t>∞</m:t>
+                      <m:t>+∞</m:t>
                     </m:r>
                   </m:oMath>
                 </a14:m>
@@ -5951,14 +5668,11 @@
                   </a:rPr>
                   <a:t>	</a:t>
                 </a:r>
-                <a:endParaRPr lang="en-US" altLang="zh-CN" sz="2400" dirty="0">
-                  <a:cs typeface="MV Boli" panose="02000500030200090000" pitchFamily="2" charset="0"/>
-                </a:endParaRPr>
               </a:p>
             </p:txBody>
           </p:sp>
         </mc:Choice>
-        <mc:Fallback>
+        <mc:Fallback xmlns="">
           <p:sp>
             <p:nvSpPr>
               <p:cNvPr id="3" name="内容占位符 2"/>
@@ -5967,7 +5681,7 @@
               </p:cNvSpPr>
               <p:nvPr>
                 <p:custDataLst>
-                  <p:tags r:id="rId2"/>
+                  <p:tags r:id="rId3"/>
                 </p:custDataLst>
               </p:nvPr>
             </p:nvSpPr>
@@ -5980,7 +5694,7 @@
                 <a:avLst/>
               </a:prstGeom>
               <a:blipFill rotWithShape="1">
-                <a:blip r:embed="rId3"/>
+                <a:blip r:embed="rId4"/>
                 <a:stretch>
                   <a:fillRect b="-36012"/>
                 </a:stretch>
@@ -6006,13 +5720,13 @@
   <p:clrMapOvr>
     <a:masterClrMapping/>
   </p:clrMapOvr>
-  <mc:AlternateContent xmlns:mc="http://schemas.openxmlformats.org/markup-compatibility/2006">
-    <mc:Choice xmlns:p14="http://schemas.microsoft.com/office/powerpoint/2010/main" Requires="p14">
-      <p:transition spd="slow" p14:dur="1000">
+  <mc:AlternateContent xmlns:mc="http://schemas.openxmlformats.org/markup-compatibility/2006" xmlns:p14="http://schemas.microsoft.com/office/powerpoint/2010/main">
+    <mc:Choice Requires="p14">
+      <p:transition spd="slow">
         <p:wipe dir="r"/>
       </p:transition>
     </mc:Choice>
-    <mc:Fallback>
+    <mc:Fallback xmlns="">
       <p:transition spd="slow">
         <p:wipe dir="r"/>
       </p:transition>
@@ -6059,7 +5773,6 @@
               <a:rPr lang="zh-CN" altLang="en-US" dirty="0"/>
               <a:t>浮点运算运算性质  牛刀小试</a:t>
             </a:r>
-            <a:endParaRPr lang="zh-CN" altLang="en-US" dirty="0"/>
           </a:p>
         </p:txBody>
       </p:sp>
@@ -6072,7 +5785,7 @@
           <p:nvPr/>
         </p:nvPicPr>
         <p:blipFill>
-          <a:blip r:embed="rId1"/>
+          <a:blip r:embed="rId2"/>
           <a:stretch>
             <a:fillRect/>
           </a:stretch>
@@ -6131,14 +5844,6 @@
               </a:rPr>
               <a:t>D</a:t>
             </a:r>
-            <a:endParaRPr lang="en-US" altLang="zh-CN" sz="3200" b="0" i="0" dirty="0">
-              <a:solidFill>
-                <a:srgbClr val="FF0000"/>
-              </a:solidFill>
-              <a:effectLst/>
-              <a:latin typeface="宋体" panose="02010600030101010101" pitchFamily="2" charset="-122"/>
-              <a:ea typeface="宋体" panose="02010600030101010101" pitchFamily="2" charset="-122"/>
-            </a:endParaRPr>
           </a:p>
         </p:txBody>
       </p:sp>
@@ -6147,13 +5852,13 @@
   <p:clrMapOvr>
     <a:masterClrMapping/>
   </p:clrMapOvr>
-  <mc:AlternateContent xmlns:mc="http://schemas.openxmlformats.org/markup-compatibility/2006">
-    <mc:Choice xmlns:p14="http://schemas.microsoft.com/office/powerpoint/2010/main" Requires="p14">
-      <p:transition spd="slow" p14:dur="1000">
+  <mc:AlternateContent xmlns:mc="http://schemas.openxmlformats.org/markup-compatibility/2006" xmlns:p14="http://schemas.microsoft.com/office/powerpoint/2010/main">
+    <mc:Choice Requires="p14">
+      <p:transition spd="slow">
         <p:wipe dir="r"/>
       </p:transition>
     </mc:Choice>
-    <mc:Fallback>
+    <mc:Fallback xmlns="">
       <p:transition spd="slow">
         <p:wipe dir="r"/>
       </p:transition>
@@ -6323,7 +6028,6 @@
               <a:rPr lang="zh-CN" altLang="en-US" dirty="0"/>
               <a:t>向偶舍入中的误差</a:t>
             </a:r>
-            <a:endParaRPr lang="zh-CN" altLang="en-US" dirty="0"/>
           </a:p>
         </p:txBody>
       </p:sp>
@@ -6359,18 +6063,13 @@
             </a:r>
             <a:r>
               <a:rPr lang="zh-CN" altLang="en-US" sz="3200" dirty="0"/>
-              <a:t>精确表示的</a:t>
-            </a:r>
-            <a:r>
-              <a:rPr lang="zh-CN" altLang="en-US" sz="3200" dirty="0"/>
-              <a:t>整数值？</a:t>
-            </a:r>
-            <a:endParaRPr lang="zh-CN" altLang="en-US" sz="3200" dirty="0"/>
+              <a:t>精确表示的整数值？</a:t>
+            </a:r>
           </a:p>
         </p:txBody>
       </p:sp>
-      <mc:AlternateContent xmlns:mc="http://schemas.openxmlformats.org/markup-compatibility/2006">
-        <mc:Choice xmlns:a14="http://schemas.microsoft.com/office/drawing/2010/main" Requires="a14">
+      <mc:AlternateContent xmlns:mc="http://schemas.openxmlformats.org/markup-compatibility/2006" xmlns:a14="http://schemas.microsoft.com/office/drawing/2010/main">
+        <mc:Choice Requires="a14">
           <p:sp>
             <p:nvSpPr>
               <p:cNvPr id="4" name="文本框 3"/>
@@ -6391,6 +6090,7 @@
               <a:bodyPr wrap="square" rtlCol="0">
                 <a:spAutoFit/>
               </a:bodyPr>
+              <a:lstStyle/>
               <a:p>
                 <a:r>
                   <a:rPr lang="en-US" altLang="zh-CN" sz="3200" dirty="0">
@@ -6431,6 +6131,7 @@
                 </a:endParaRPr>
               </a:p>
               <a:p>
+                <a:pPr/>
                 <a14:m>
                   <m:oMathPara xmlns:m="http://schemas.openxmlformats.org/officeDocument/2006/math">
                     <m:oMathParaPr>
@@ -6442,98 +6143,7 @@
                           <a:latin typeface="Cambria Math" panose="02040503050406030204" pitchFamily="18" charset="0"/>
                           <a:cs typeface="Cambria Math" panose="02040503050406030204" pitchFamily="18" charset="0"/>
                         </a:rPr>
-                        <m:t>1</m:t>
-                      </m:r>
-                      <m:r>
-                        <a:rPr lang="en-US" altLang="zh-CN" sz="3200" i="1" dirty="0">
-                          <a:latin typeface="Cambria Math" panose="02040503050406030204" pitchFamily="18" charset="0"/>
-                          <a:cs typeface="Cambria Math" panose="02040503050406030204" pitchFamily="18" charset="0"/>
-                        </a:rPr>
-                        <m:t>.</m:t>
-                      </m:r>
-                      <m:r>
-                        <a:rPr lang="en-US" altLang="zh-CN" sz="3200" i="1" dirty="0">
-                          <a:latin typeface="Cambria Math" panose="02040503050406030204" pitchFamily="18" charset="0"/>
-                          <a:cs typeface="Cambria Math" panose="02040503050406030204" pitchFamily="18" charset="0"/>
-                        </a:rPr>
-                        <m:t>0000</m:t>
-                      </m:r>
-                      <m:r>
-                        <a:rPr lang="en-US" altLang="zh-CN" sz="3200" i="1" dirty="0">
-                          <a:latin typeface="Cambria Math" panose="02040503050406030204" pitchFamily="18" charset="0"/>
-                          <a:cs typeface="Cambria Math" panose="02040503050406030204" pitchFamily="18" charset="0"/>
-                        </a:rPr>
-                        <m:t> </m:t>
-                      </m:r>
-                      <m:r>
-                        <a:rPr lang="en-US" altLang="zh-CN" sz="3200" i="1" dirty="0">
-                          <a:latin typeface="Cambria Math" panose="02040503050406030204" pitchFamily="18" charset="0"/>
-                          <a:cs typeface="Cambria Math" panose="02040503050406030204" pitchFamily="18" charset="0"/>
-                        </a:rPr>
-                        <m:t>0000</m:t>
-                      </m:r>
-                      <m:r>
-                        <a:rPr lang="en-US" altLang="zh-CN" sz="3200" i="1" dirty="0">
-                          <a:latin typeface="Cambria Math" panose="02040503050406030204" pitchFamily="18" charset="0"/>
-                          <a:cs typeface="Cambria Math" panose="02040503050406030204" pitchFamily="18" charset="0"/>
-                        </a:rPr>
-                        <m:t> </m:t>
-                      </m:r>
-                      <m:r>
-                        <a:rPr lang="en-US" altLang="zh-CN" sz="3200" i="1" dirty="0">
-                          <a:latin typeface="Cambria Math" panose="02040503050406030204" pitchFamily="18" charset="0"/>
-                          <a:cs typeface="Cambria Math" panose="02040503050406030204" pitchFamily="18" charset="0"/>
-                        </a:rPr>
-                        <m:t>0000</m:t>
-                      </m:r>
-                      <m:r>
-                        <a:rPr lang="en-US" altLang="zh-CN" sz="3200" i="1" dirty="0">
-                          <a:latin typeface="Cambria Math" panose="02040503050406030204" pitchFamily="18" charset="0"/>
-                          <a:cs typeface="Cambria Math" panose="02040503050406030204" pitchFamily="18" charset="0"/>
-                        </a:rPr>
-                        <m:t> </m:t>
-                      </m:r>
-                      <m:r>
-                        <a:rPr lang="en-US" altLang="zh-CN" sz="3200" i="1" dirty="0">
-                          <a:latin typeface="Cambria Math" panose="02040503050406030204" pitchFamily="18" charset="0"/>
-                          <a:cs typeface="Cambria Math" panose="02040503050406030204" pitchFamily="18" charset="0"/>
-                        </a:rPr>
-                        <m:t>0000</m:t>
-                      </m:r>
-                      <m:r>
-                        <a:rPr lang="en-US" altLang="zh-CN" sz="3200" i="1" dirty="0">
-                          <a:latin typeface="Cambria Math" panose="02040503050406030204" pitchFamily="18" charset="0"/>
-                          <a:cs typeface="Cambria Math" panose="02040503050406030204" pitchFamily="18" charset="0"/>
-                        </a:rPr>
-                        <m:t> </m:t>
-                      </m:r>
-                      <m:r>
-                        <a:rPr lang="en-US" altLang="zh-CN" sz="3200" i="1" dirty="0">
-                          <a:latin typeface="Cambria Math" panose="02040503050406030204" pitchFamily="18" charset="0"/>
-                          <a:cs typeface="Cambria Math" panose="02040503050406030204" pitchFamily="18" charset="0"/>
-                        </a:rPr>
-                        <m:t>0000</m:t>
-                      </m:r>
-                      <m:r>
-                        <a:rPr lang="en-US" altLang="zh-CN" sz="3200" i="1" dirty="0">
-                          <a:latin typeface="Cambria Math" panose="02040503050406030204" pitchFamily="18" charset="0"/>
-                          <a:cs typeface="Cambria Math" panose="02040503050406030204" pitchFamily="18" charset="0"/>
-                        </a:rPr>
-                        <m:t> </m:t>
-                      </m:r>
-                      <m:r>
-                        <a:rPr lang="en-US" altLang="zh-CN" sz="3200" i="1" dirty="0">
-                          <a:latin typeface="Cambria Math" panose="02040503050406030204" pitchFamily="18" charset="0"/>
-                          <a:cs typeface="Cambria Math" panose="02040503050406030204" pitchFamily="18" charset="0"/>
-                        </a:rPr>
-                        <m:t>0001</m:t>
-                      </m:r>
-                      <m:r>
-                        <a:rPr lang="en-US" altLang="zh-CN" sz="3200" i="1" dirty="0">
-                          <a:latin typeface="Cambria Math" panose="02040503050406030204" pitchFamily="18" charset="0"/>
-                          <a:cs typeface="Cambria Math" panose="02040503050406030204" pitchFamily="18" charset="0"/>
-                        </a:rPr>
-                        <m:t>∗</m:t>
+                        <m:t>1.0000 0000 0000 0000 0000 0001∗</m:t>
                       </m:r>
                       <m:sSup>
                         <m:sSupPr>
@@ -6574,7 +6184,7 @@
             </p:txBody>
           </p:sp>
         </mc:Choice>
-        <mc:Fallback>
+        <mc:Fallback xmlns="">
           <p:sp>
             <p:nvSpPr>
               <p:cNvPr id="4" name="文本框 3"/>
@@ -6592,7 +6202,7 @@
                 <a:avLst/>
               </a:prstGeom>
               <a:blipFill rotWithShape="1">
-                <a:blip r:embed="rId1"/>
+                <a:blip r:embed="rId3"/>
                 <a:stretch>
                   <a:fillRect/>
                 </a:stretch>
@@ -6633,6 +6243,7 @@
           <a:bodyPr wrap="square">
             <a:spAutoFit/>
           </a:bodyPr>
+          <a:lstStyle/>
           <a:p>
             <a:r>
               <a:rPr lang="zh-CN" altLang="en-US" sz="3200" dirty="0"/>
@@ -6654,19 +6265,18 @@
               <a:rPr lang="zh-CN" altLang="en-US" sz="3200" dirty="0"/>
               <a:t>？</a:t>
             </a:r>
-            <a:endParaRPr lang="zh-CN" altLang="en-US" sz="3200" dirty="0"/>
           </a:p>
         </p:txBody>
       </p:sp>
-      <mc:AlternateContent xmlns:mc="http://schemas.openxmlformats.org/markup-compatibility/2006">
-        <mc:Choice xmlns:a14="http://schemas.microsoft.com/office/drawing/2010/main" Requires="a14">
+      <mc:AlternateContent xmlns:mc="http://schemas.openxmlformats.org/markup-compatibility/2006" xmlns:a14="http://schemas.microsoft.com/office/drawing/2010/main">
+        <mc:Choice Requires="a14">
           <p:sp>
             <p:nvSpPr>
               <p:cNvPr id="7" name="文本框 6"/>
               <p:cNvSpPr txBox="1"/>
               <p:nvPr>
                 <p:custDataLst>
-                  <p:tags r:id="rId2"/>
+                  <p:tags r:id="rId1"/>
                 </p:custDataLst>
               </p:nvPr>
             </p:nvSpPr>
@@ -6684,6 +6294,7 @@
               <a:bodyPr wrap="square" rtlCol="0">
                 <a:spAutoFit/>
               </a:bodyPr>
+              <a:lstStyle/>
               <a:p>
                 <a:r>
                   <a:rPr lang="en-US" altLang="zh-CN" sz="3200" dirty="0">
@@ -6707,17 +6318,8 @@
                   <a:rPr lang="zh-CN" altLang="en-US" sz="3200" dirty="0">
                     <a:sym typeface="+mn-ea"/>
                   </a:rPr>
-                  <a:t>来说太小了，被</a:t>
+                  <a:t>来说太小了，被忽略</a:t>
                 </a:r>
-                <a:r>
-                  <a:rPr lang="zh-CN" altLang="en-US" sz="3200" dirty="0">
-                    <a:sym typeface="+mn-ea"/>
-                  </a:rPr>
-                  <a:t>忽略</a:t>
-                </a:r>
-                <a:endParaRPr lang="zh-CN" altLang="en-US" sz="3200" dirty="0">
-                  <a:sym typeface="+mn-ea"/>
-                </a:endParaRPr>
               </a:p>
               <a:p>
                 <a:pPr indent="457200"/>
@@ -6734,14 +6336,7 @@
                         <a:latin typeface="Cambria Math" panose="02040503050406030204" pitchFamily="18" charset="0"/>
                         <a:sym typeface="+mn-ea"/>
                       </a:rPr>
-                      <m:t>2</m:t>
-                    </m:r>
-                    <m:r>
-                      <a:rPr lang="en-US" altLang="zh-CN" sz="3200" dirty="0">
-                        <a:latin typeface="Cambria Math" panose="02040503050406030204" pitchFamily="18" charset="0"/>
-                        <a:sym typeface="+mn-ea"/>
-                      </a:rPr>
-                      <m:t>∗</m:t>
+                      <m:t>2∗</m:t>
                     </m:r>
                     <m:sSup>
                       <m:sSupPr>
@@ -6767,14 +6362,7 @@
                             <a:latin typeface="Cambria Math" panose="02040503050406030204" pitchFamily="18" charset="0"/>
                             <a:cs typeface="Cambria Math" panose="02040503050406030204" pitchFamily="18" charset="0"/>
                           </a:rPr>
-                          <m:t>2</m:t>
-                        </m:r>
-                        <m:r>
-                          <a:rPr lang="en-US" altLang="zh-CN" sz="3200" i="1">
-                            <a:latin typeface="Cambria Math" panose="02040503050406030204" pitchFamily="18" charset="0"/>
-                            <a:cs typeface="Cambria Math" panose="02040503050406030204" pitchFamily="18" charset="0"/>
-                          </a:rPr>
-                          <m:t>−</m:t>
+                          <m:t>2−</m:t>
                         </m:r>
                         <m:sSup>
                           <m:sSupPr>
@@ -6807,14 +6395,7 @@
                                 <a:latin typeface="Cambria Math" panose="02040503050406030204" pitchFamily="18" charset="0"/>
                                 <a:cs typeface="Cambria Math" panose="02040503050406030204" pitchFamily="18" charset="0"/>
                               </a:rPr>
-                              <m:t>−</m:t>
-                            </m:r>
-                            <m:r>
-                              <a:rPr lang="en-US" altLang="zh-CN" sz="3200" i="1">
-                                <a:latin typeface="Cambria Math" panose="02040503050406030204" pitchFamily="18" charset="0"/>
-                                <a:cs typeface="Cambria Math" panose="02040503050406030204" pitchFamily="18" charset="0"/>
-                              </a:rPr>
-                              <m:t>1</m:t>
+                              <m:t>−1</m:t>
                             </m:r>
                           </m:sup>
                         </m:sSup>
@@ -6871,7 +6452,7 @@
             </p:txBody>
           </p:sp>
         </mc:Choice>
-        <mc:Fallback>
+        <mc:Fallback xmlns="">
           <p:sp>
             <p:nvSpPr>
               <p:cNvPr id="7" name="文本框 6"/>
@@ -6880,7 +6461,7 @@
               </p:cNvSpPr>
               <p:nvPr>
                 <p:custDataLst>
-                  <p:tags r:id="rId3"/>
+                  <p:tags r:id="rId4"/>
                 </p:custDataLst>
               </p:nvPr>
             </p:nvSpPr>
@@ -6893,7 +6474,7 @@
                 <a:avLst/>
               </a:prstGeom>
               <a:blipFill rotWithShape="1">
-                <a:blip r:embed="rId4"/>
+                <a:blip r:embed="rId5"/>
                 <a:stretch>
                   <a:fillRect/>
                 </a:stretch>
@@ -6919,13 +6500,13 @@
   <p:clrMapOvr>
     <a:masterClrMapping/>
   </p:clrMapOvr>
-  <mc:AlternateContent xmlns:mc="http://schemas.openxmlformats.org/markup-compatibility/2006">
-    <mc:Choice xmlns:p14="http://schemas.microsoft.com/office/powerpoint/2010/main" Requires="p14">
-      <p:transition spd="slow" p14:dur="1000">
+  <mc:AlternateContent xmlns:mc="http://schemas.openxmlformats.org/markup-compatibility/2006" xmlns:p14="http://schemas.microsoft.com/office/powerpoint/2010/main">
+    <mc:Choice Requires="p14">
+      <p:transition spd="slow">
         <p:wipe dir="r"/>
       </p:transition>
     </mc:Choice>
-    <mc:Fallback>
+    <mc:Fallback xmlns="">
       <p:transition spd="slow">
         <p:wipe dir="r"/>
       </p:transition>
@@ -7305,12 +6886,11 @@
               <a:rPr lang="zh-CN" altLang="en-US" dirty="0"/>
               <a:t>向偶舍入中的误差</a:t>
             </a:r>
-            <a:endParaRPr lang="zh-CN" altLang="en-US" dirty="0"/>
           </a:p>
         </p:txBody>
       </p:sp>
-      <mc:AlternateContent xmlns:mc="http://schemas.openxmlformats.org/markup-compatibility/2006">
-        <mc:Choice xmlns:a14="http://schemas.microsoft.com/office/drawing/2010/main" Requires="a14">
+      <mc:AlternateContent xmlns:mc="http://schemas.openxmlformats.org/markup-compatibility/2006" xmlns:a14="http://schemas.microsoft.com/office/drawing/2010/main">
+        <mc:Choice Requires="a14">
           <p:sp>
             <p:nvSpPr>
               <p:cNvPr id="6" name="文本框 5"/>
@@ -7431,14 +7011,6 @@
                   </a:rPr>
                   <a:t>的情况， 该绝对误差的最大值为</a:t>
                 </a:r>
-                <a:endParaRPr lang="zh-CN" altLang="en-US" sz="3200" b="0" i="0" dirty="0">
-                  <a:solidFill>
-                    <a:srgbClr val="000000"/>
-                  </a:solidFill>
-                  <a:effectLst/>
-                  <a:latin typeface="宋体" panose="02010600030101010101" pitchFamily="2" charset="-122"/>
-                  <a:ea typeface="宋体" panose="02010600030101010101" pitchFamily="2" charset="-122"/>
-                </a:endParaRPr>
               </a:p>
               <a:p>
                 <a:r>
@@ -7723,7 +7295,7 @@
             </p:txBody>
           </p:sp>
         </mc:Choice>
-        <mc:Fallback>
+        <mc:Fallback xmlns="">
           <p:sp>
             <p:nvSpPr>
               <p:cNvPr id="6" name="文本框 5"/>
@@ -7741,7 +7313,7 @@
                 <a:avLst/>
               </a:prstGeom>
               <a:blipFill rotWithShape="1">
-                <a:blip r:embed="rId1"/>
+                <a:blip r:embed="rId2"/>
                 <a:stretch>
                   <a:fillRect t="-10" b="19"/>
                 </a:stretch>
@@ -7811,11 +7383,11 @@
   <p:clrMapOvr>
     <a:masterClrMapping/>
   </p:clrMapOvr>
-  <mc:AlternateContent xmlns:mc="http://schemas.openxmlformats.org/markup-compatibility/2006">
-    <mc:Choice xmlns:p14="http://schemas.microsoft.com/office/powerpoint/2010/main" Requires="p14">
-      <p:transition spd="slow" p14:dur="1000"/>
+  <mc:AlternateContent xmlns:mc="http://schemas.openxmlformats.org/markup-compatibility/2006" xmlns:p14="http://schemas.microsoft.com/office/powerpoint/2010/main">
+    <mc:Choice Requires="p14">
+      <p:transition spd="slow"/>
     </mc:Choice>
-    <mc:Fallback>
+    <mc:Fallback xmlns="">
       <p:transition spd="slow"/>
     </mc:Fallback>
   </mc:AlternateContent>
@@ -7987,7 +7559,6 @@
               <a:rPr lang="zh-CN" altLang="en-US" dirty="0"/>
               <a:t>中浮点数转换</a:t>
             </a:r>
-            <a:endParaRPr lang="zh-CN" altLang="en-US" dirty="0"/>
           </a:p>
         </p:txBody>
       </p:sp>
@@ -8224,19 +7795,8 @@
                 <a:effectLst/>
                 <a:cs typeface="MV Boli" panose="02000500030200090000" pitchFamily="2" charset="0"/>
               </a:rPr>
-              <a:t>可能</a:t>
-            </a:r>
-            <a:r>
-              <a:rPr lang="zh-CN" altLang="en-US" sz="2400" b="0" i="0" dirty="0" err="1">
-                <a:effectLst/>
-                <a:cs typeface="MV Boli" panose="02000500030200090000" pitchFamily="2" charset="0"/>
-              </a:rPr>
-              <a:t>需要进行舍入操作</a:t>
-            </a:r>
-            <a:endParaRPr lang="zh-CN" altLang="en-US" sz="2400" b="0" i="0" dirty="0" err="1">
-              <a:effectLst/>
-              <a:cs typeface="MV Boli" panose="02000500030200090000" pitchFamily="2" charset="0"/>
-            </a:endParaRPr>
+              <a:t>可能需要进行舍入操作</a:t>
+            </a:r>
           </a:p>
           <a:p>
             <a:pPr marL="2286000" lvl="5" indent="457200">
@@ -8268,11 +7828,11 @@
               <a:buNone/>
             </a:pPr>
             <a:r>
-              <a:rPr lang="en-US" altLang="zh-CN" sz="2400" b="0" i="0" dirty="0" err="1">
+              <a:rPr lang="en-US" altLang="zh-CN" sz="2400" b="0" i="0" dirty="0">
                 <a:effectLst/>
                 <a:cs typeface="MV Boli" panose="02000500030200090000" pitchFamily="2" charset="0"/>
               </a:rPr>
-              <a:t>floar</a:t>
+              <a:t>float</a:t>
             </a:r>
             <a:r>
               <a:rPr lang="en-US" altLang="zh-CN" sz="2400" dirty="0">
@@ -8356,9 +7916,6 @@
               </a:rPr>
               <a:t>undefined behavior </a:t>
             </a:r>
-            <a:endParaRPr lang="en-US" altLang="zh-CN" sz="2400" dirty="0">
-              <a:cs typeface="MV Boli" panose="02000500030200090000" pitchFamily="2" charset="0"/>
-            </a:endParaRPr>
           </a:p>
         </p:txBody>
       </p:sp>
@@ -8367,13 +7924,13 @@
   <p:clrMapOvr>
     <a:masterClrMapping/>
   </p:clrMapOvr>
-  <mc:AlternateContent xmlns:mc="http://schemas.openxmlformats.org/markup-compatibility/2006">
-    <mc:Choice xmlns:p14="http://schemas.microsoft.com/office/powerpoint/2010/main" Requires="p14">
-      <p:transition spd="slow" p14:dur="1000">
+  <mc:AlternateContent xmlns:mc="http://schemas.openxmlformats.org/markup-compatibility/2006" xmlns:p14="http://schemas.microsoft.com/office/powerpoint/2010/main">
+    <mc:Choice Requires="p14">
+      <p:transition spd="slow">
         <p:wipe dir="r"/>
       </p:transition>
     </mc:Choice>
-    <mc:Fallback>
+    <mc:Fallback xmlns="">
       <p:transition spd="slow">
         <p:wipe dir="r"/>
       </p:transition>
@@ -8416,13 +7973,8 @@
           <a:p>
             <a:r>
               <a:rPr lang="en-US" altLang="zh-CN"/>
-              <a:t>Thank</a:t>
-            </a:r>
-            <a:r>
-              <a:rPr lang="en-US" altLang="zh-CN"/>
-              <a:t>s</a:t>
-            </a:r>
-            <a:endParaRPr lang="en-US" altLang="zh-CN"/>
+              <a:t>Thanks</a:t>
+            </a:r>
           </a:p>
         </p:txBody>
       </p:sp>
@@ -8453,10 +8005,6 @@
               </a:rPr>
               <a:t>Litchi-w</a:t>
             </a:r>
-            <a:endParaRPr lang="en-US" altLang="zh-CN" sz="3200" b="1">
-              <a:latin typeface="华文楷体" panose="02010600040101010101" charset="-122"/>
-              <a:ea typeface="华文楷体" panose="02010600040101010101" charset="-122"/>
-            </a:endParaRPr>
           </a:p>
         </p:txBody>
       </p:sp>
@@ -8467,11 +8015,11 @@
   </p:clrMapOvr>
   <mc:AlternateContent xmlns:mc="http://schemas.openxmlformats.org/markup-compatibility/2006" xmlns:p159="http://schemas.microsoft.com/office/powerpoint/2015/09/main">
     <mc:Choice Requires="p159">
-      <p:transition xmlns:p14="http://schemas.microsoft.com/office/powerpoint/2010/main" spd="slow" p14:dur="1000">
+      <p:transition spd="slow">
         <p159:morph option="byObject"/>
       </p:transition>
     </mc:Choice>
-    <mc:Fallback>
+    <mc:Fallback xmlns="">
       <p:transition spd="slow">
         <p:fade/>
       </p:transition>
@@ -8521,10 +8069,6 @@
               </a:rPr>
               <a:t>课本章节</a:t>
             </a:r>
-            <a:endParaRPr lang="zh-CN" altLang="en-US" sz="4800" b="1" dirty="0">
-              <a:latin typeface="楷体" panose="02010609060101010101" pitchFamily="49" charset="-122"/>
-              <a:ea typeface="楷体" panose="02010609060101010101" pitchFamily="49" charset="-122"/>
-            </a:endParaRPr>
           </a:p>
         </p:txBody>
       </p:sp>
@@ -9044,9 +8588,6 @@
               </a:rPr>
               <a:t>特殊值的运算细节</a:t>
             </a:r>
-            <a:endParaRPr lang="zh-CN" altLang="en-US" sz="2400" dirty="0">
-              <a:cs typeface="MV Boli" panose="02000500030200090000" pitchFamily="2" charset="0"/>
-            </a:endParaRPr>
           </a:p>
           <a:p>
             <a:pPr marL="457200" lvl="1" indent="457200">
@@ -9128,9 +8669,6 @@
               </a:rPr>
               <a:t>	</a:t>
             </a:r>
-            <a:endParaRPr lang="en-US" altLang="zh-CN" sz="2400" dirty="0">
-              <a:cs typeface="MV Boli" panose="02000500030200090000" pitchFamily="2" charset="0"/>
-            </a:endParaRPr>
           </a:p>
         </p:txBody>
       </p:sp>
@@ -9141,11 +8679,11 @@
   </p:clrMapOvr>
   <mc:AlternateContent xmlns:mc="http://schemas.openxmlformats.org/markup-compatibility/2006" xmlns:p159="http://schemas.microsoft.com/office/powerpoint/2015/09/main">
     <mc:Choice Requires="p159">
-      <p:transition xmlns:p14="http://schemas.microsoft.com/office/powerpoint/2010/main" spd="slow" p14:dur="1000">
+      <p:transition spd="slow">
         <p159:morph option="byObject"/>
       </p:transition>
     </mc:Choice>
-    <mc:Fallback>
+    <mc:Fallback xmlns="">
       <p:transition spd="slow">
         <p:fade/>
       </p:transition>
@@ -9292,7 +8830,6 @@
               <a:rPr lang="zh-CN" altLang="en-US" dirty="0"/>
               <a:t>目录</a:t>
             </a:r>
-            <a:endParaRPr lang="zh-CN" altLang="en-US" dirty="0"/>
           </a:p>
         </p:txBody>
       </p:sp>
@@ -9512,10 +9049,6 @@
               </a:rPr>
               <a:t>浮点标准</a:t>
             </a:r>
-            <a:endParaRPr lang="zh-CN" altLang="en-US" sz="2400" b="0" i="0" dirty="0">
-              <a:effectLst/>
-              <a:cs typeface="MV Boli" panose="02000500030200090000" pitchFamily="2" charset="0"/>
-            </a:endParaRPr>
           </a:p>
           <a:p>
             <a:pPr marL="800100" lvl="1" indent="-342900" fontAlgn="auto">
@@ -9530,10 +9063,6 @@
               </a:rPr>
               <a:t>举例</a:t>
             </a:r>
-            <a:endParaRPr lang="zh-CN" altLang="en-US" sz="2400" b="0" i="0" dirty="0">
-              <a:effectLst/>
-              <a:cs typeface="MV Boli" panose="02000500030200090000" pitchFamily="2" charset="0"/>
-            </a:endParaRPr>
           </a:p>
           <a:p>
             <a:pPr marL="800100" lvl="1" indent="-342900" fontAlgn="auto">
@@ -9548,10 +9077,6 @@
               </a:rPr>
               <a:t>标准</a:t>
             </a:r>
-            <a:endParaRPr lang="zh-CN" altLang="en-US" sz="2400" b="0" i="0" dirty="0">
-              <a:effectLst/>
-              <a:cs typeface="MV Boli" panose="02000500030200090000" pitchFamily="2" charset="0"/>
-            </a:endParaRPr>
           </a:p>
           <a:p>
             <a:pPr marL="800100" lvl="1" indent="-342900" fontAlgn="auto">
@@ -9566,10 +9091,6 @@
               </a:rPr>
               <a:t>极限值</a:t>
             </a:r>
-            <a:endParaRPr lang="zh-CN" altLang="en-US" sz="2400" b="0" i="0" dirty="0">
-              <a:effectLst/>
-              <a:cs typeface="MV Boli" panose="02000500030200090000" pitchFamily="2" charset="0"/>
-            </a:endParaRPr>
           </a:p>
           <a:p>
             <a:pPr marL="800100" lvl="1" indent="-342900" fontAlgn="auto">
@@ -9626,9 +9147,6 @@
               </a:rPr>
               <a:t>运算性质</a:t>
             </a:r>
-            <a:endParaRPr lang="zh-CN" altLang="en-US" sz="2400" dirty="0">
-              <a:cs typeface="MV Boli" panose="02000500030200090000" pitchFamily="2" charset="0"/>
-            </a:endParaRPr>
           </a:p>
           <a:p>
             <a:pPr marL="800100" lvl="1" indent="-342900" fontAlgn="auto">
@@ -9642,9 +9160,6 @@
               </a:rPr>
               <a:t>运算律</a:t>
             </a:r>
-            <a:endParaRPr lang="zh-CN" altLang="en-US" sz="2400" dirty="0">
-              <a:cs typeface="MV Boli" panose="02000500030200090000" pitchFamily="2" charset="0"/>
-            </a:endParaRPr>
           </a:p>
           <a:p>
             <a:pPr marL="800100" lvl="1" indent="-342900" fontAlgn="auto">
@@ -9715,28 +9230,18 @@
   <p:clrMapOvr>
     <a:masterClrMapping/>
   </p:clrMapOvr>
-  <mc:AlternateContent xmlns:mc="http://schemas.openxmlformats.org/markup-compatibility/2006">
-    <mc:Choice xmlns:p14="http://schemas.microsoft.com/office/powerpoint/2010/main" Requires="p14">
-      <p:transition spd="slow" p14:dur="1000">
+  <mc:AlternateContent xmlns:mc="http://schemas.openxmlformats.org/markup-compatibility/2006" xmlns:p14="http://schemas.microsoft.com/office/powerpoint/2010/main">
+    <mc:Choice Requires="p14">
+      <p:transition spd="slow">
         <p:wipe dir="r"/>
       </p:transition>
     </mc:Choice>
-    <mc:Fallback>
+    <mc:Fallback xmlns="">
       <p:transition spd="slow">
         <p:wipe dir="r"/>
       </p:transition>
     </mc:Fallback>
   </mc:AlternateContent>
-  <p:timing>
-    <p:tnLst>
-      <p:par>
-        <p:cTn id="1" dur="indefinite" restart="never" nodeType="tmRoot"/>
-      </p:par>
-    </p:tnLst>
-    <p:bldLst>
-      <p:bldP spid="3" grpId="1"/>
-    </p:bldLst>
-  </p:timing>
 </p:sld>
 </file>
 
@@ -9780,7 +9285,6 @@
               <a:rPr lang="zh-CN" altLang="en-US" dirty="0"/>
               <a:t>浮点标准  举个栗子</a:t>
             </a:r>
-            <a:endParaRPr lang="zh-CN" altLang="en-US" dirty="0"/>
           </a:p>
         </p:txBody>
       </p:sp>
@@ -9804,12 +9308,12 @@
           <a:bodyPr wrap="square" rtlCol="0" anchor="t">
             <a:spAutoFit/>
           </a:bodyPr>
+          <a:lstStyle/>
           <a:p>
             <a:r>
               <a:rPr lang="zh-CN" altLang="en-US" sz="2400"/>
               <a:t>2023920</a:t>
             </a:r>
-            <a:endParaRPr lang="zh-CN" altLang="en-US" sz="2400"/>
           </a:p>
         </p:txBody>
       </p:sp>
@@ -9833,6 +9337,7 @@
           <a:bodyPr wrap="square" rtlCol="0" anchor="t">
             <a:spAutoFit/>
           </a:bodyPr>
+          <a:lstStyle/>
           <a:p>
             <a:r>
               <a:rPr lang="en-US" altLang="zh-CN" sz="2800"/>
@@ -9858,7 +9363,6 @@
               <a:rPr lang="zh-CN" altLang="en-US" sz="2800"/>
               <a:t>0</a:t>
             </a:r>
-            <a:endParaRPr lang="zh-CN" altLang="en-US" sz="2800"/>
           </a:p>
         </p:txBody>
       </p:sp>
@@ -9882,6 +9386,7 @@
           <a:bodyPr wrap="square" rtlCol="0" anchor="t">
             <a:spAutoFit/>
           </a:bodyPr>
+          <a:lstStyle/>
           <a:p>
             <a:r>
               <a:rPr lang="zh-CN" altLang="en-US" sz="2400"/>
@@ -9927,7 +9432,6 @@
               <a:rPr lang="zh-CN" altLang="en-US" sz="2400"/>
               <a:t>0000</a:t>
             </a:r>
-            <a:endParaRPr lang="zh-CN" altLang="en-US" sz="2400"/>
           </a:p>
         </p:txBody>
       </p:sp>
@@ -9951,6 +9455,7 @@
           <a:bodyPr wrap="square" rtlCol="0" anchor="t">
             <a:spAutoFit/>
           </a:bodyPr>
+          <a:lstStyle/>
           <a:p>
             <a:r>
               <a:rPr lang="en-US" altLang="zh-CN" sz="2400"/>
@@ -9960,7 +9465,6 @@
               <a:rPr lang="zh-CN" altLang="en-US" sz="2400"/>
               <a:t>1001001111101110000111110000000</a:t>
             </a:r>
-            <a:endParaRPr lang="zh-CN" altLang="en-US" sz="2400"/>
           </a:p>
         </p:txBody>
       </p:sp>
@@ -9984,16 +9488,12 @@
           <a:bodyPr wrap="square" rtlCol="0">
             <a:spAutoFit/>
           </a:bodyPr>
+          <a:lstStyle/>
           <a:p>
             <a:r>
               <a:rPr lang="zh-CN" altLang="en-US" sz="2400"/>
-              <a:t>将下列单精度浮点数转换为</a:t>
-            </a:r>
-            <a:r>
-              <a:rPr lang="zh-CN" altLang="en-US" sz="2400"/>
-              <a:t>整数</a:t>
-            </a:r>
-            <a:endParaRPr lang="zh-CN" altLang="en-US" sz="2400"/>
+              <a:t>将下列单精度浮点数转换为整数</a:t>
+            </a:r>
           </a:p>
         </p:txBody>
       </p:sp>
@@ -10050,6 +9550,7 @@
           <a:bodyPr wrap="square" rtlCol="0" anchor="t">
             <a:spAutoFit/>
           </a:bodyPr>
+          <a:lstStyle/>
           <a:p>
             <a:r>
               <a:rPr lang="en-US" altLang="zh-CN" sz="2400"/>
@@ -10107,7 +9608,6 @@
               <a:rPr lang="zh-CN" altLang="en-US" sz="2400"/>
               <a:t>000</a:t>
             </a:r>
-            <a:endParaRPr lang="zh-CN" altLang="en-US" sz="2400"/>
           </a:p>
         </p:txBody>
       </p:sp>
@@ -10131,12 +9631,12 @@
           <a:bodyPr wrap="square" rtlCol="0">
             <a:spAutoFit/>
           </a:bodyPr>
+          <a:lstStyle/>
           <a:p>
             <a:r>
               <a:rPr lang="en-US" altLang="zh-CN" sz="2400"/>
               <a:t>e = 147  </a:t>
             </a:r>
-            <a:endParaRPr lang="en-US" altLang="zh-CN" sz="2400"/>
           </a:p>
         </p:txBody>
       </p:sp>
@@ -10160,6 +9660,7 @@
           <a:bodyPr wrap="square" rtlCol="0">
             <a:spAutoFit/>
           </a:bodyPr>
+          <a:lstStyle/>
           <a:p>
             <a:r>
               <a:rPr lang="en-US" altLang="zh-CN" sz="2400">
@@ -10191,6 +9692,7 @@
           <a:bodyPr wrap="square" rtlCol="0">
             <a:spAutoFit/>
           </a:bodyPr>
+          <a:lstStyle/>
           <a:p>
             <a:r>
               <a:rPr lang="en-US" altLang="zh-CN" sz="2400"/>
@@ -10242,7 +9744,6 @@
               <a:rPr lang="en-US" altLang="zh-CN" sz="2400"/>
               <a:t> </a:t>
             </a:r>
-            <a:endParaRPr lang="en-US" altLang="zh-CN" sz="2400"/>
           </a:p>
         </p:txBody>
       </p:sp>
@@ -10332,6 +9833,7 @@
           <a:bodyPr wrap="square" rtlCol="0">
             <a:spAutoFit/>
           </a:bodyPr>
+          <a:lstStyle/>
           <a:p>
             <a:r>
               <a:rPr lang="en-US" altLang="zh-CN" sz="2400"/>
@@ -10383,7 +9885,6 @@
               <a:rPr lang="en-US" altLang="zh-CN" sz="2400"/>
               <a:t> </a:t>
             </a:r>
-            <a:endParaRPr lang="en-US" altLang="zh-CN" sz="2400"/>
           </a:p>
         </p:txBody>
       </p:sp>
@@ -10440,12 +9941,12 @@
           <a:bodyPr wrap="square" rtlCol="0">
             <a:spAutoFit/>
           </a:bodyPr>
+          <a:lstStyle/>
           <a:p>
             <a:r>
               <a:rPr lang="en-US" altLang="zh-CN" sz="2400"/>
               <a:t>+</a:t>
             </a:r>
-            <a:endParaRPr lang="en-US" altLang="zh-CN" sz="2400"/>
           </a:p>
         </p:txBody>
       </p:sp>
@@ -10469,6 +9970,7 @@
           <a:bodyPr wrap="square" rtlCol="0">
             <a:spAutoFit/>
           </a:bodyPr>
+          <a:lstStyle/>
           <a:p>
             <a:r>
               <a:rPr lang="zh-CN" altLang="en-US" sz="2400"/>
@@ -10478,7 +9980,6 @@
               <a:rPr lang="en-US" altLang="zh-CN" sz="2400"/>
               <a:t>  </a:t>
             </a:r>
-            <a:endParaRPr lang="en-US" altLang="zh-CN" sz="2400"/>
           </a:p>
         </p:txBody>
       </p:sp>
@@ -10619,13 +10120,13 @@
   <p:clrMapOvr>
     <a:masterClrMapping/>
   </p:clrMapOvr>
-  <mc:AlternateContent xmlns:mc="http://schemas.openxmlformats.org/markup-compatibility/2006">
-    <mc:Choice xmlns:p14="http://schemas.microsoft.com/office/powerpoint/2010/main" Requires="p14">
-      <p:transition spd="slow" p14:dur="1000">
+  <mc:AlternateContent xmlns:mc="http://schemas.openxmlformats.org/markup-compatibility/2006" xmlns:p14="http://schemas.microsoft.com/office/powerpoint/2010/main">
+    <mc:Choice Requires="p14">
+      <p:transition spd="slow">
         <p:wipe dir="r"/>
       </p:transition>
     </mc:Choice>
-    <mc:Fallback>
+    <mc:Fallback xmlns="">
       <p:transition spd="slow">
         <p:wipe dir="r"/>
       </p:transition>
@@ -11419,28 +10920,28 @@
       </p:par>
     </p:tnLst>
     <p:bldLst>
+      <p:bldP spid="3" grpId="0"/>
+      <p:bldP spid="3" grpId="1"/>
+      <p:bldP spid="5" grpId="0"/>
+      <p:bldP spid="5" grpId="1"/>
+      <p:bldP spid="6" grpId="0"/>
+      <p:bldP spid="6" grpId="1"/>
       <p:bldP spid="7" grpId="0"/>
       <p:bldP spid="7" grpId="1"/>
       <p:bldP spid="13" grpId="0"/>
       <p:bldP spid="13" grpId="1"/>
+      <p:bldP spid="15" grpId="0"/>
+      <p:bldP spid="15" grpId="1"/>
+      <p:bldP spid="16" grpId="0"/>
+      <p:bldP spid="16" grpId="1"/>
+      <p:bldP spid="17" grpId="0"/>
+      <p:bldP spid="17" grpId="1"/>
+      <p:bldP spid="20" grpId="0" uiExpand="1"/>
+      <p:bldP spid="20" grpId="1"/>
       <p:bldP spid="22" grpId="0"/>
-      <p:bldP spid="17" grpId="0"/>
-      <p:bldP spid="15" grpId="0"/>
       <p:bldP spid="22" grpId="1"/>
-      <p:bldP spid="17" grpId="1"/>
-      <p:bldP spid="15" grpId="1"/>
       <p:bldP spid="23" grpId="0"/>
-      <p:bldP spid="16" grpId="0"/>
-      <p:bldP spid="20" grpId="0" uiExpand="1"/>
       <p:bldP spid="23" grpId="1"/>
-      <p:bldP spid="16" grpId="1"/>
-      <p:bldP spid="20" grpId="1"/>
-      <p:bldP spid="5" grpId="0"/>
-      <p:bldP spid="6" grpId="0"/>
-      <p:bldP spid="3" grpId="0"/>
-      <p:bldP spid="5" grpId="1"/>
-      <p:bldP spid="6" grpId="1"/>
-      <p:bldP spid="3" grpId="1"/>
     </p:bldLst>
   </p:timing>
 </p:sld>
@@ -11484,13 +10985,8 @@
             </a:r>
             <a:r>
               <a:rPr lang="zh-CN" altLang="en-US" dirty="0"/>
-              <a:t>浮点标准  反过来</a:t>
-            </a:r>
-            <a:r>
-              <a:rPr lang="zh-CN" altLang="en-US" dirty="0"/>
-              <a:t>捏</a:t>
-            </a:r>
-            <a:endParaRPr lang="zh-CN" altLang="en-US" dirty="0"/>
+              <a:t>浮点标准  反过来捏</a:t>
+            </a:r>
           </a:p>
         </p:txBody>
       </p:sp>
@@ -11514,6 +11010,7 @@
           <a:bodyPr wrap="square" rtlCol="0" anchor="t">
             <a:spAutoFit/>
           </a:bodyPr>
+          <a:lstStyle/>
           <a:p>
             <a:r>
               <a:rPr lang="en-US" altLang="zh-CN" sz="2400"/>
@@ -11543,6 +11040,7 @@
           <a:bodyPr wrap="square" rtlCol="0" anchor="t">
             <a:spAutoFit/>
           </a:bodyPr>
+          <a:lstStyle/>
           <a:p>
             <a:r>
               <a:rPr sz="2400"/>
@@ -11604,7 +11102,6 @@
               <a:rPr sz="2400"/>
               <a:t>100</a:t>
             </a:r>
-            <a:endParaRPr sz="2400"/>
           </a:p>
         </p:txBody>
       </p:sp>
@@ -11628,14 +11125,11 @@
           <a:bodyPr wrap="square" rtlCol="0">
             <a:spAutoFit/>
           </a:bodyPr>
+          <a:lstStyle/>
           <a:p>
             <a:r>
               <a:rPr lang="zh-CN" altLang="en-US" sz="2400"/>
-              <a:t>将下列</a:t>
-            </a:r>
-            <a:r>
-              <a:rPr lang="zh-CN" altLang="en-US" sz="2400"/>
-              <a:t>数转换为</a:t>
+              <a:t>将下列数转换为</a:t>
             </a:r>
             <a:r>
               <a:rPr lang="zh-CN" altLang="en-US" sz="2400">
@@ -11643,9 +11137,6 @@
               </a:rPr>
               <a:t>单精度浮点数</a:t>
             </a:r>
-            <a:endParaRPr lang="zh-CN" altLang="en-US" sz="2400">
-              <a:sym typeface="+mn-ea"/>
-            </a:endParaRPr>
           </a:p>
         </p:txBody>
       </p:sp>
@@ -11702,12 +11193,12 @@
           <a:bodyPr wrap="square" rtlCol="0">
             <a:spAutoFit/>
           </a:bodyPr>
+          <a:lstStyle/>
           <a:p>
             <a:r>
               <a:rPr lang="en-US" altLang="zh-CN" sz="2400"/>
               <a:t>E = -11  </a:t>
             </a:r>
-            <a:endParaRPr lang="en-US" altLang="zh-CN" sz="2400"/>
           </a:p>
         </p:txBody>
       </p:sp>
@@ -11731,6 +11222,7 @@
           <a:bodyPr wrap="square" rtlCol="0">
             <a:spAutoFit/>
           </a:bodyPr>
+          <a:lstStyle/>
           <a:p>
             <a:r>
               <a:rPr lang="en-US" altLang="zh-CN" sz="2400">
@@ -11738,9 +11230,6 @@
               </a:rPr>
               <a:t>e = E + bias = - 11 + 127 = 116</a:t>
             </a:r>
-            <a:endParaRPr lang="en-US" altLang="zh-CN" sz="2400">
-              <a:sym typeface="+mn-ea"/>
-            </a:endParaRPr>
           </a:p>
         </p:txBody>
       </p:sp>
@@ -11764,6 +11253,7 @@
           <a:bodyPr wrap="square" rtlCol="0">
             <a:spAutoFit/>
           </a:bodyPr>
+          <a:lstStyle/>
           <a:p>
             <a:r>
               <a:rPr lang="en-US" altLang="zh-CN" sz="2400"/>
@@ -11925,6 +11415,7 @@
           <a:bodyPr wrap="square" rtlCol="0">
             <a:spAutoFit/>
           </a:bodyPr>
+          <a:lstStyle/>
           <a:p>
             <a:r>
               <a:rPr lang="en-US" altLang="zh-CN" sz="2400"/>
@@ -12020,20 +11511,16 @@
           <a:bodyPr wrap="square" rtlCol="0">
             <a:spAutoFit/>
           </a:bodyPr>
+          <a:lstStyle/>
           <a:p>
             <a:r>
               <a:rPr lang="zh-CN" altLang="en-US" sz="2400"/>
-              <a:t>规格</a:t>
-            </a:r>
-            <a:r>
-              <a:rPr lang="zh-CN" altLang="en-US" sz="2400"/>
-              <a:t>化的值</a:t>
+              <a:t>规格化的值</a:t>
             </a:r>
             <a:r>
               <a:rPr lang="en-US" altLang="zh-CN" sz="2400"/>
               <a:t>  </a:t>
             </a:r>
-            <a:endParaRPr lang="en-US" altLang="zh-CN" sz="2400"/>
           </a:p>
         </p:txBody>
       </p:sp>
@@ -12123,6 +11610,7 @@
           <a:bodyPr wrap="square" rtlCol="0">
             <a:spAutoFit/>
           </a:bodyPr>
+          <a:lstStyle/>
           <a:p>
             <a:r>
               <a:rPr lang="en-US" sz="2400">
@@ -12745,20 +12233,20 @@
       </p:par>
     </p:tnLst>
     <p:bldLst>
+      <p:bldP spid="6" grpId="0"/>
+      <p:bldP spid="6" grpId="1"/>
+      <p:bldP spid="15" grpId="0"/>
+      <p:bldP spid="15" grpId="1"/>
+      <p:bldP spid="16" grpId="0"/>
+      <p:bldP spid="16" grpId="1"/>
+      <p:bldP spid="17" grpId="0"/>
+      <p:bldP spid="17" grpId="1"/>
+      <p:bldP spid="20" grpId="0"/>
+      <p:bldP spid="20" grpId="1"/>
+      <p:bldP spid="23" grpId="0"/>
+      <p:bldP spid="23" grpId="1"/>
       <p:bldP spid="9" grpId="0"/>
       <p:bldP spid="9" grpId="1"/>
-      <p:bldP spid="17" grpId="0"/>
-      <p:bldP spid="15" grpId="0"/>
-      <p:bldP spid="17" grpId="1"/>
-      <p:bldP spid="15" grpId="1"/>
-      <p:bldP spid="23" grpId="0"/>
-      <p:bldP spid="16" grpId="0"/>
-      <p:bldP spid="20" grpId="0"/>
-      <p:bldP spid="23" grpId="1"/>
-      <p:bldP spid="16" grpId="1"/>
-      <p:bldP spid="20" grpId="1"/>
-      <p:bldP spid="6" grpId="0"/>
-      <p:bldP spid="6" grpId="1"/>
     </p:bldLst>
   </p:timing>
 </p:sld>
@@ -12804,7 +12292,6 @@
               <a:rPr lang="zh-CN" altLang="en-US" dirty="0"/>
               <a:t>浮点标准  条规表述</a:t>
             </a:r>
-            <a:endParaRPr lang="zh-CN" altLang="en-US" dirty="0"/>
           </a:p>
         </p:txBody>
       </p:sp>
@@ -12815,7 +12302,7 @@
           <p:nvPr/>
         </p:nvPicPr>
         <p:blipFill>
-          <a:blip r:embed="rId1"/>
+          <a:blip r:embed="rId5"/>
           <a:stretch>
             <a:fillRect/>
           </a:stretch>
@@ -12854,6 +12341,7 @@
           <a:bodyPr wrap="square" rtlCol="0">
             <a:spAutoFit/>
           </a:bodyPr>
+          <a:lstStyle/>
           <a:p>
             <a:r>
               <a:rPr lang="en-US" altLang="zh-CN" sz="2800"/>
@@ -12871,7 +12359,6 @@
               <a:rPr lang="zh-CN" altLang="en-US" sz="2800"/>
               <a:t>决定正负</a:t>
             </a:r>
-            <a:endParaRPr lang="zh-CN" altLang="en-US" sz="2800"/>
           </a:p>
           <a:p>
             <a:r>
@@ -12890,7 +12377,6 @@
               <a:rPr lang="zh-CN" altLang="en-US" sz="2800"/>
               <a:t>表述权值</a:t>
             </a:r>
-            <a:endParaRPr lang="zh-CN" altLang="en-US" sz="2800"/>
           </a:p>
           <a:p>
             <a:r>
@@ -12909,7 +12395,6 @@
               <a:rPr lang="zh-CN" altLang="en-US" sz="2800"/>
               <a:t>具体数据的值</a:t>
             </a:r>
-            <a:endParaRPr lang="zh-CN" altLang="en-US" sz="2800"/>
           </a:p>
         </p:txBody>
       </p:sp>
@@ -12933,6 +12418,7 @@
           <a:bodyPr wrap="square" rtlCol="0">
             <a:spAutoFit/>
           </a:bodyPr>
+          <a:lstStyle/>
           <a:p>
             <a:r>
               <a:rPr lang="zh-CN" altLang="en-US"/>
@@ -12942,7 +12428,6 @@
               <a:rPr lang="en-US" altLang="zh-CN"/>
               <a:t>(float)</a:t>
             </a:r>
-            <a:endParaRPr lang="en-US" altLang="zh-CN"/>
           </a:p>
         </p:txBody>
       </p:sp>
@@ -12952,7 +12437,7 @@
           <p:cNvSpPr txBox="1"/>
           <p:nvPr>
             <p:custDataLst>
-              <p:tags r:id="rId2"/>
+              <p:tags r:id="rId1"/>
             </p:custDataLst>
           </p:nvPr>
         </p:nvSpPr>
@@ -12970,6 +12455,7 @@
           <a:bodyPr wrap="square" rtlCol="0">
             <a:spAutoFit/>
           </a:bodyPr>
+          <a:lstStyle/>
           <a:p>
             <a:r>
               <a:rPr lang="zh-CN" altLang="en-US"/>
@@ -12979,7 +12465,6 @@
               <a:rPr lang="en-US" altLang="zh-CN"/>
               <a:t>(double)</a:t>
             </a:r>
-            <a:endParaRPr lang="en-US" altLang="zh-CN"/>
           </a:p>
         </p:txBody>
       </p:sp>
@@ -12989,7 +12474,7 @@
           <p:cNvSpPr txBox="1"/>
           <p:nvPr>
             <p:custDataLst>
-              <p:tags r:id="rId3"/>
+              <p:tags r:id="rId2"/>
             </p:custDataLst>
           </p:nvPr>
         </p:nvSpPr>
@@ -13007,6 +12492,7 @@
           <a:bodyPr wrap="square" rtlCol="0">
             <a:spAutoFit/>
           </a:bodyPr>
+          <a:lstStyle/>
           <a:p>
             <a:r>
               <a:rPr lang="en-US" altLang="zh-CN"/>
@@ -13028,7 +12514,6 @@
               <a:rPr lang="en-US" altLang="zh-CN"/>
               <a:t>23</a:t>
             </a:r>
-            <a:endParaRPr lang="en-US" altLang="zh-CN"/>
           </a:p>
         </p:txBody>
       </p:sp>
@@ -13038,7 +12523,7 @@
           <p:cNvSpPr txBox="1"/>
           <p:nvPr>
             <p:custDataLst>
-              <p:tags r:id="rId4"/>
+              <p:tags r:id="rId3"/>
             </p:custDataLst>
           </p:nvPr>
         </p:nvSpPr>
@@ -13056,6 +12541,7 @@
           <a:bodyPr wrap="square" rtlCol="0">
             <a:spAutoFit/>
           </a:bodyPr>
+          <a:lstStyle/>
           <a:p>
             <a:r>
               <a:rPr lang="en-US" altLang="zh-CN"/>
@@ -13077,7 +12563,6 @@
               <a:rPr lang="en-US" altLang="zh-CN"/>
               <a:t>52</a:t>
             </a:r>
-            <a:endParaRPr lang="en-US" altLang="zh-CN"/>
           </a:p>
         </p:txBody>
       </p:sp>
@@ -13086,13 +12571,13 @@
   <p:clrMapOvr>
     <a:masterClrMapping/>
   </p:clrMapOvr>
-  <mc:AlternateContent xmlns:mc="http://schemas.openxmlformats.org/markup-compatibility/2006">
-    <mc:Choice xmlns:p14="http://schemas.microsoft.com/office/powerpoint/2010/main" Requires="p14">
-      <p:transition spd="slow" p14:dur="1000">
+  <mc:AlternateContent xmlns:mc="http://schemas.openxmlformats.org/markup-compatibility/2006" xmlns:p14="http://schemas.microsoft.com/office/powerpoint/2010/main">
+    <mc:Choice Requires="p14">
+      <p:transition spd="slow">
         <p:wipe dir="r"/>
       </p:transition>
     </mc:Choice>
-    <mc:Fallback>
+    <mc:Fallback xmlns="">
       <p:transition spd="slow">
         <p:wipe dir="r"/>
       </p:transition>
@@ -13141,7 +12626,6 @@
               <a:rPr lang="zh-CN" altLang="en-US" dirty="0"/>
               <a:t>浮点标准  条规表述</a:t>
             </a:r>
-            <a:endParaRPr lang="zh-CN" altLang="en-US" dirty="0"/>
           </a:p>
         </p:txBody>
       </p:sp>
@@ -13166,43 +12650,236 @@
                 <a:tableStyleId>{5C22544A-7EE6-4342-B048-85BDC9FD1C3A}</a:tableStyleId>
               </a:tblPr>
               <a:tblGrid>
-                <a:gridCol w="266065"/>
-                <a:gridCol w="266065"/>
-                <a:gridCol w="266065"/>
-                <a:gridCol w="266065"/>
-                <a:gridCol w="266065"/>
-                <a:gridCol w="266065"/>
-                <a:gridCol w="266065"/>
-                <a:gridCol w="266065"/>
-                <a:gridCol w="266065"/>
-                <a:gridCol w="266065"/>
-                <a:gridCol w="266065"/>
-                <a:gridCol w="266065"/>
-                <a:gridCol w="266065"/>
-                <a:gridCol w="266065"/>
-                <a:gridCol w="266065"/>
-                <a:gridCol w="266065"/>
-                <a:gridCol w="266065"/>
-                <a:gridCol w="266065"/>
-                <a:gridCol w="266065"/>
-                <a:gridCol w="266065"/>
-                <a:gridCol w="266065"/>
-                <a:gridCol w="266065"/>
-                <a:gridCol w="266065"/>
-                <a:gridCol w="266065"/>
-                <a:gridCol w="266065"/>
-                <a:gridCol w="266065"/>
-                <a:gridCol w="266065"/>
-                <a:gridCol w="266065"/>
-                <a:gridCol w="266065"/>
-                <a:gridCol w="266065"/>
-                <a:gridCol w="266065"/>
-                <a:gridCol w="266065"/>
+                <a:gridCol w="266065">
+                  <a:extLst>
+                    <a:ext uri="{9D8B030D-6E8A-4147-A177-3AD203B41FA5}">
+                      <a16:colId xmlns:a16="http://schemas.microsoft.com/office/drawing/2014/main" val="20000"/>
+                    </a:ext>
+                  </a:extLst>
+                </a:gridCol>
+                <a:gridCol w="266065">
+                  <a:extLst>
+                    <a:ext uri="{9D8B030D-6E8A-4147-A177-3AD203B41FA5}">
+                      <a16:colId xmlns:a16="http://schemas.microsoft.com/office/drawing/2014/main" val="20001"/>
+                    </a:ext>
+                  </a:extLst>
+                </a:gridCol>
+                <a:gridCol w="266065">
+                  <a:extLst>
+                    <a:ext uri="{9D8B030D-6E8A-4147-A177-3AD203B41FA5}">
+                      <a16:colId xmlns:a16="http://schemas.microsoft.com/office/drawing/2014/main" val="20002"/>
+                    </a:ext>
+                  </a:extLst>
+                </a:gridCol>
+                <a:gridCol w="266065">
+                  <a:extLst>
+                    <a:ext uri="{9D8B030D-6E8A-4147-A177-3AD203B41FA5}">
+                      <a16:colId xmlns:a16="http://schemas.microsoft.com/office/drawing/2014/main" val="20003"/>
+                    </a:ext>
+                  </a:extLst>
+                </a:gridCol>
+                <a:gridCol w="266065">
+                  <a:extLst>
+                    <a:ext uri="{9D8B030D-6E8A-4147-A177-3AD203B41FA5}">
+                      <a16:colId xmlns:a16="http://schemas.microsoft.com/office/drawing/2014/main" val="20004"/>
+                    </a:ext>
+                  </a:extLst>
+                </a:gridCol>
+                <a:gridCol w="266065">
+                  <a:extLst>
+                    <a:ext uri="{9D8B030D-6E8A-4147-A177-3AD203B41FA5}">
+                      <a16:colId xmlns:a16="http://schemas.microsoft.com/office/drawing/2014/main" val="20005"/>
+                    </a:ext>
+                  </a:extLst>
+                </a:gridCol>
+                <a:gridCol w="266065">
+                  <a:extLst>
+                    <a:ext uri="{9D8B030D-6E8A-4147-A177-3AD203B41FA5}">
+                      <a16:colId xmlns:a16="http://schemas.microsoft.com/office/drawing/2014/main" val="20006"/>
+                    </a:ext>
+                  </a:extLst>
+                </a:gridCol>
+                <a:gridCol w="266065">
+                  <a:extLst>
+                    <a:ext uri="{9D8B030D-6E8A-4147-A177-3AD203B41FA5}">
+                      <a16:colId xmlns:a16="http://schemas.microsoft.com/office/drawing/2014/main" val="20007"/>
+                    </a:ext>
+                  </a:extLst>
+                </a:gridCol>
+                <a:gridCol w="266065">
+                  <a:extLst>
+                    <a:ext uri="{9D8B030D-6E8A-4147-A177-3AD203B41FA5}">
+                      <a16:colId xmlns:a16="http://schemas.microsoft.com/office/drawing/2014/main" val="20008"/>
+                    </a:ext>
+                  </a:extLst>
+                </a:gridCol>
+                <a:gridCol w="266065">
+                  <a:extLst>
+                    <a:ext uri="{9D8B030D-6E8A-4147-A177-3AD203B41FA5}">
+                      <a16:colId xmlns:a16="http://schemas.microsoft.com/office/drawing/2014/main" val="20009"/>
+                    </a:ext>
+                  </a:extLst>
+                </a:gridCol>
+                <a:gridCol w="266065">
+                  <a:extLst>
+                    <a:ext uri="{9D8B030D-6E8A-4147-A177-3AD203B41FA5}">
+                      <a16:colId xmlns:a16="http://schemas.microsoft.com/office/drawing/2014/main" val="20010"/>
+                    </a:ext>
+                  </a:extLst>
+                </a:gridCol>
+                <a:gridCol w="266065">
+                  <a:extLst>
+                    <a:ext uri="{9D8B030D-6E8A-4147-A177-3AD203B41FA5}">
+                      <a16:colId xmlns:a16="http://schemas.microsoft.com/office/drawing/2014/main" val="20011"/>
+                    </a:ext>
+                  </a:extLst>
+                </a:gridCol>
+                <a:gridCol w="266065">
+                  <a:extLst>
+                    <a:ext uri="{9D8B030D-6E8A-4147-A177-3AD203B41FA5}">
+                      <a16:colId xmlns:a16="http://schemas.microsoft.com/office/drawing/2014/main" val="20012"/>
+                    </a:ext>
+                  </a:extLst>
+                </a:gridCol>
+                <a:gridCol w="266065">
+                  <a:extLst>
+                    <a:ext uri="{9D8B030D-6E8A-4147-A177-3AD203B41FA5}">
+                      <a16:colId xmlns:a16="http://schemas.microsoft.com/office/drawing/2014/main" val="20013"/>
+                    </a:ext>
+                  </a:extLst>
+                </a:gridCol>
+                <a:gridCol w="266065">
+                  <a:extLst>
+                    <a:ext uri="{9D8B030D-6E8A-4147-A177-3AD203B41FA5}">
+                      <a16:colId xmlns:a16="http://schemas.microsoft.com/office/drawing/2014/main" val="20014"/>
+                    </a:ext>
+                  </a:extLst>
+                </a:gridCol>
+                <a:gridCol w="266065">
+                  <a:extLst>
+                    <a:ext uri="{9D8B030D-6E8A-4147-A177-3AD203B41FA5}">
+                      <a16:colId xmlns:a16="http://schemas.microsoft.com/office/drawing/2014/main" val="20015"/>
+                    </a:ext>
+                  </a:extLst>
+                </a:gridCol>
+                <a:gridCol w="266065">
+                  <a:extLst>
+                    <a:ext uri="{9D8B030D-6E8A-4147-A177-3AD203B41FA5}">
+                      <a16:colId xmlns:a16="http://schemas.microsoft.com/office/drawing/2014/main" val="20016"/>
+                    </a:ext>
+                  </a:extLst>
+                </a:gridCol>
+                <a:gridCol w="266065">
+                  <a:extLst>
+                    <a:ext uri="{9D8B030D-6E8A-4147-A177-3AD203B41FA5}">
+                      <a16:colId xmlns:a16="http://schemas.microsoft.com/office/drawing/2014/main" val="20017"/>
+                    </a:ext>
+                  </a:extLst>
+                </a:gridCol>
+                <a:gridCol w="266065">
+                  <a:extLst>
+                    <a:ext uri="{9D8B030D-6E8A-4147-A177-3AD203B41FA5}">
+                      <a16:colId xmlns:a16="http://schemas.microsoft.com/office/drawing/2014/main" val="20018"/>
+                    </a:ext>
+                  </a:extLst>
+                </a:gridCol>
+                <a:gridCol w="266065">
+                  <a:extLst>
+                    <a:ext uri="{9D8B030D-6E8A-4147-A177-3AD203B41FA5}">
+                      <a16:colId xmlns:a16="http://schemas.microsoft.com/office/drawing/2014/main" val="20019"/>
+                    </a:ext>
+                  </a:extLst>
+                </a:gridCol>
+                <a:gridCol w="266065">
+                  <a:extLst>
+                    <a:ext uri="{9D8B030D-6E8A-4147-A177-3AD203B41FA5}">
+                      <a16:colId xmlns:a16="http://schemas.microsoft.com/office/drawing/2014/main" val="20020"/>
+                    </a:ext>
+                  </a:extLst>
+                </a:gridCol>
+                <a:gridCol w="266065">
+                  <a:extLst>
+                    <a:ext uri="{9D8B030D-6E8A-4147-A177-3AD203B41FA5}">
+                      <a16:colId xmlns:a16="http://schemas.microsoft.com/office/drawing/2014/main" val="20021"/>
+                    </a:ext>
+                  </a:extLst>
+                </a:gridCol>
+                <a:gridCol w="266065">
+                  <a:extLst>
+                    <a:ext uri="{9D8B030D-6E8A-4147-A177-3AD203B41FA5}">
+                      <a16:colId xmlns:a16="http://schemas.microsoft.com/office/drawing/2014/main" val="20022"/>
+                    </a:ext>
+                  </a:extLst>
+                </a:gridCol>
+                <a:gridCol w="266065">
+                  <a:extLst>
+                    <a:ext uri="{9D8B030D-6E8A-4147-A177-3AD203B41FA5}">
+                      <a16:colId xmlns:a16="http://schemas.microsoft.com/office/drawing/2014/main" val="20023"/>
+                    </a:ext>
+                  </a:extLst>
+                </a:gridCol>
+                <a:gridCol w="266065">
+                  <a:extLst>
+                    <a:ext uri="{9D8B030D-6E8A-4147-A177-3AD203B41FA5}">
+                      <a16:colId xmlns:a16="http://schemas.microsoft.com/office/drawing/2014/main" val="20024"/>
+                    </a:ext>
+                  </a:extLst>
+                </a:gridCol>
+                <a:gridCol w="266065">
+                  <a:extLst>
+                    <a:ext uri="{9D8B030D-6E8A-4147-A177-3AD203B41FA5}">
+                      <a16:colId xmlns:a16="http://schemas.microsoft.com/office/drawing/2014/main" val="20025"/>
+                    </a:ext>
+                  </a:extLst>
+                </a:gridCol>
+                <a:gridCol w="266065">
+                  <a:extLst>
+                    <a:ext uri="{9D8B030D-6E8A-4147-A177-3AD203B41FA5}">
+                      <a16:colId xmlns:a16="http://schemas.microsoft.com/office/drawing/2014/main" val="20026"/>
+                    </a:ext>
+                  </a:extLst>
+                </a:gridCol>
+                <a:gridCol w="266065">
+                  <a:extLst>
+                    <a:ext uri="{9D8B030D-6E8A-4147-A177-3AD203B41FA5}">
+                      <a16:colId xmlns:a16="http://schemas.microsoft.com/office/drawing/2014/main" val="20027"/>
+                    </a:ext>
+                  </a:extLst>
+                </a:gridCol>
+                <a:gridCol w="266065">
+                  <a:extLst>
+                    <a:ext uri="{9D8B030D-6E8A-4147-A177-3AD203B41FA5}">
+                      <a16:colId xmlns:a16="http://schemas.microsoft.com/office/drawing/2014/main" val="20028"/>
+                    </a:ext>
+                  </a:extLst>
+                </a:gridCol>
+                <a:gridCol w="266065">
+                  <a:extLst>
+                    <a:ext uri="{9D8B030D-6E8A-4147-A177-3AD203B41FA5}">
+                      <a16:colId xmlns:a16="http://schemas.microsoft.com/office/drawing/2014/main" val="20029"/>
+                    </a:ext>
+                  </a:extLst>
+                </a:gridCol>
+                <a:gridCol w="266065">
+                  <a:extLst>
+                    <a:ext uri="{9D8B030D-6E8A-4147-A177-3AD203B41FA5}">
+                      <a16:colId xmlns:a16="http://schemas.microsoft.com/office/drawing/2014/main" val="20030"/>
+                    </a:ext>
+                  </a:extLst>
+                </a:gridCol>
+                <a:gridCol w="266065">
+                  <a:extLst>
+                    <a:ext uri="{9D8B030D-6E8A-4147-A177-3AD203B41FA5}">
+                      <a16:colId xmlns:a16="http://schemas.microsoft.com/office/drawing/2014/main" val="20031"/>
+                    </a:ext>
+                  </a:extLst>
+                </a:gridCol>
               </a:tblGrid>
               <a:tr h="381000">
                 <a:tc>
                   <a:txBody>
                     <a:bodyPr/>
+                    <a:lstStyle/>
                     <a:p>
                       <a:pPr>
                         <a:buNone/>
@@ -13211,7 +12888,6 @@
                         <a:rPr lang="en-US" altLang="zh-CN"/>
                         <a:t>s</a:t>
                       </a:r>
-                      <a:endParaRPr lang="en-US" altLang="zh-CN"/>
                     </a:p>
                   </a:txBody>
                   <a:tcPr>
@@ -13223,6 +12899,7 @@
                 <a:tc>
                   <a:txBody>
                     <a:bodyPr/>
+                    <a:lstStyle/>
                     <a:p>
                       <a:pPr>
                         <a:buNone/>
@@ -13239,6 +12916,7 @@
                 <a:tc>
                   <a:txBody>
                     <a:bodyPr/>
+                    <a:lstStyle/>
                     <a:p>
                       <a:pPr>
                         <a:buNone/>
@@ -13247,7 +12925,6 @@
                         <a:rPr lang="en-US" altLang="zh-CN"/>
                         <a:t>e</a:t>
                       </a:r>
-                      <a:endParaRPr lang="en-US" altLang="zh-CN"/>
                     </a:p>
                   </a:txBody>
                   <a:tcPr/>
@@ -13255,6 +12932,7 @@
                 <a:tc>
                   <a:txBody>
                     <a:bodyPr/>
+                    <a:lstStyle/>
                     <a:p>
                       <a:pPr>
                         <a:buNone/>
@@ -13263,7 +12941,6 @@
                         <a:rPr lang="en-US" altLang="zh-CN" dirty="0"/>
                         <a:t>e</a:t>
                       </a:r>
-                      <a:endParaRPr lang="en-US" altLang="zh-CN" dirty="0"/>
                     </a:p>
                   </a:txBody>
                   <a:tcPr/>
@@ -13271,6 +12948,7 @@
                 <a:tc>
                   <a:txBody>
                     <a:bodyPr/>
+                    <a:lstStyle/>
                     <a:p>
                       <a:pPr>
                         <a:buNone/>
@@ -13279,7 +12957,6 @@
                         <a:rPr lang="en-US" altLang="zh-CN"/>
                         <a:t>e</a:t>
                       </a:r>
-                      <a:endParaRPr lang="en-US" altLang="zh-CN"/>
                     </a:p>
                   </a:txBody>
                   <a:tcPr/>
@@ -13287,6 +12964,7 @@
                 <a:tc>
                   <a:txBody>
                     <a:bodyPr/>
+                    <a:lstStyle/>
                     <a:p>
                       <a:pPr>
                         <a:buNone/>
@@ -13295,7 +12973,6 @@
                         <a:rPr lang="en-US" altLang="zh-CN"/>
                         <a:t>e</a:t>
                       </a:r>
-                      <a:endParaRPr lang="en-US" altLang="zh-CN"/>
                     </a:p>
                   </a:txBody>
                   <a:tcPr/>
@@ -13303,6 +12980,7 @@
                 <a:tc>
                   <a:txBody>
                     <a:bodyPr/>
+                    <a:lstStyle/>
                     <a:p>
                       <a:pPr>
                         <a:buNone/>
@@ -13311,7 +12989,6 @@
                         <a:rPr lang="en-US" altLang="zh-CN"/>
                         <a:t>e</a:t>
                       </a:r>
-                      <a:endParaRPr lang="en-US" altLang="zh-CN"/>
                     </a:p>
                   </a:txBody>
                   <a:tcPr/>
@@ -13319,6 +12996,7 @@
                 <a:tc>
                   <a:txBody>
                     <a:bodyPr/>
+                    <a:lstStyle/>
                     <a:p>
                       <a:pPr>
                         <a:buNone/>
@@ -13327,7 +13005,6 @@
                         <a:rPr lang="en-US" altLang="zh-CN"/>
                         <a:t>e</a:t>
                       </a:r>
-                      <a:endParaRPr lang="en-US" altLang="zh-CN"/>
                     </a:p>
                   </a:txBody>
                   <a:tcPr/>
@@ -13335,6 +13012,7 @@
                 <a:tc>
                   <a:txBody>
                     <a:bodyPr/>
+                    <a:lstStyle/>
                     <a:p>
                       <a:pPr>
                         <a:buNone/>
@@ -13343,7 +13021,6 @@
                         <a:rPr lang="en-US" altLang="zh-CN"/>
                         <a:t>e</a:t>
                       </a:r>
-                      <a:endParaRPr lang="en-US" altLang="zh-CN"/>
                     </a:p>
                   </a:txBody>
                   <a:tcPr/>
@@ -13351,6 +13028,7 @@
                 <a:tc>
                   <a:txBody>
                     <a:bodyPr/>
+                    <a:lstStyle/>
                     <a:p>
                       <a:pPr>
                         <a:buNone/>
@@ -13359,7 +13037,6 @@
                         <a:rPr lang="en-US" altLang="zh-CN"/>
                         <a:t>f</a:t>
                       </a:r>
-                      <a:endParaRPr lang="en-US" altLang="zh-CN"/>
                     </a:p>
                   </a:txBody>
                   <a:tcPr>
@@ -13371,6 +13048,7 @@
                 <a:tc>
                   <a:txBody>
                     <a:bodyPr/>
+                    <a:lstStyle/>
                     <a:p>
                       <a:pPr>
                         <a:buNone/>
@@ -13379,7 +13057,6 @@
                         <a:rPr lang="en-US" altLang="zh-CN"/>
                         <a:t>f</a:t>
                       </a:r>
-                      <a:endParaRPr lang="en-US" altLang="zh-CN"/>
                     </a:p>
                   </a:txBody>
                   <a:tcPr>
@@ -13391,6 +13068,7 @@
                 <a:tc>
                   <a:txBody>
                     <a:bodyPr/>
+                    <a:lstStyle/>
                     <a:p>
                       <a:pPr>
                         <a:buNone/>
@@ -13399,7 +13077,6 @@
                         <a:rPr lang="en-US" altLang="zh-CN"/>
                         <a:t>f</a:t>
                       </a:r>
-                      <a:endParaRPr lang="en-US" altLang="zh-CN"/>
                     </a:p>
                   </a:txBody>
                   <a:tcPr>
@@ -13411,6 +13088,7 @@
                 <a:tc>
                   <a:txBody>
                     <a:bodyPr/>
+                    <a:lstStyle/>
                     <a:p>
                       <a:pPr>
                         <a:buNone/>
@@ -13419,7 +13097,6 @@
                         <a:rPr lang="en-US" altLang="zh-CN"/>
                         <a:t>f</a:t>
                       </a:r>
-                      <a:endParaRPr lang="en-US" altLang="zh-CN"/>
                     </a:p>
                   </a:txBody>
                   <a:tcPr>
@@ -13431,6 +13108,7 @@
                 <a:tc>
                   <a:txBody>
                     <a:bodyPr/>
+                    <a:lstStyle/>
                     <a:p>
                       <a:pPr>
                         <a:buNone/>
@@ -13439,7 +13117,6 @@
                         <a:rPr lang="en-US" altLang="zh-CN"/>
                         <a:t>f</a:t>
                       </a:r>
-                      <a:endParaRPr lang="en-US" altLang="zh-CN"/>
                     </a:p>
                   </a:txBody>
                   <a:tcPr>
@@ -13451,6 +13128,7 @@
                 <a:tc>
                   <a:txBody>
                     <a:bodyPr/>
+                    <a:lstStyle/>
                     <a:p>
                       <a:pPr>
                         <a:buNone/>
@@ -13459,7 +13137,6 @@
                         <a:rPr lang="en-US" altLang="zh-CN"/>
                         <a:t>f</a:t>
                       </a:r>
-                      <a:endParaRPr lang="en-US" altLang="zh-CN"/>
                     </a:p>
                   </a:txBody>
                   <a:tcPr>
@@ -13471,6 +13148,7 @@
                 <a:tc>
                   <a:txBody>
                     <a:bodyPr/>
+                    <a:lstStyle/>
                     <a:p>
                       <a:pPr>
                         <a:buNone/>
@@ -13479,7 +13157,6 @@
                         <a:rPr lang="en-US" altLang="zh-CN"/>
                         <a:t>f</a:t>
                       </a:r>
-                      <a:endParaRPr lang="en-US" altLang="zh-CN"/>
                     </a:p>
                   </a:txBody>
                   <a:tcPr>
@@ -13491,6 +13168,7 @@
                 <a:tc>
                   <a:txBody>
                     <a:bodyPr/>
+                    <a:lstStyle/>
                     <a:p>
                       <a:pPr>
                         <a:buNone/>
@@ -13499,7 +13177,6 @@
                         <a:rPr lang="en-US" altLang="zh-CN"/>
                         <a:t>f</a:t>
                       </a:r>
-                      <a:endParaRPr lang="en-US" altLang="zh-CN"/>
                     </a:p>
                   </a:txBody>
                   <a:tcPr>
@@ -13511,6 +13188,7 @@
                 <a:tc>
                   <a:txBody>
                     <a:bodyPr/>
+                    <a:lstStyle/>
                     <a:p>
                       <a:pPr>
                         <a:buNone/>
@@ -13519,7 +13197,6 @@
                         <a:rPr lang="en-US" altLang="zh-CN"/>
                         <a:t>f</a:t>
                       </a:r>
-                      <a:endParaRPr lang="en-US" altLang="zh-CN"/>
                     </a:p>
                   </a:txBody>
                   <a:tcPr>
@@ -13531,6 +13208,7 @@
                 <a:tc>
                   <a:txBody>
                     <a:bodyPr/>
+                    <a:lstStyle/>
                     <a:p>
                       <a:pPr>
                         <a:buNone/>
@@ -13539,7 +13217,6 @@
                         <a:rPr lang="en-US" altLang="zh-CN"/>
                         <a:t>f</a:t>
                       </a:r>
-                      <a:endParaRPr lang="en-US" altLang="zh-CN"/>
                     </a:p>
                   </a:txBody>
                   <a:tcPr>
@@ -13551,6 +13228,7 @@
                 <a:tc>
                   <a:txBody>
                     <a:bodyPr/>
+                    <a:lstStyle/>
                     <a:p>
                       <a:pPr>
                         <a:buNone/>
@@ -13559,7 +13237,6 @@
                         <a:rPr lang="en-US" altLang="zh-CN"/>
                         <a:t>f</a:t>
                       </a:r>
-                      <a:endParaRPr lang="en-US" altLang="zh-CN"/>
                     </a:p>
                   </a:txBody>
                   <a:tcPr>
@@ -13571,6 +13248,7 @@
                 <a:tc>
                   <a:txBody>
                     <a:bodyPr/>
+                    <a:lstStyle/>
                     <a:p>
                       <a:pPr>
                         <a:buNone/>
@@ -13579,7 +13257,6 @@
                         <a:rPr lang="en-US" altLang="zh-CN"/>
                         <a:t>f</a:t>
                       </a:r>
-                      <a:endParaRPr lang="en-US" altLang="zh-CN"/>
                     </a:p>
                   </a:txBody>
                   <a:tcPr>
@@ -13591,6 +13268,7 @@
                 <a:tc>
                   <a:txBody>
                     <a:bodyPr/>
+                    <a:lstStyle/>
                     <a:p>
                       <a:pPr>
                         <a:buNone/>
@@ -13599,7 +13277,6 @@
                         <a:rPr lang="en-US" altLang="zh-CN"/>
                         <a:t>f</a:t>
                       </a:r>
-                      <a:endParaRPr lang="en-US" altLang="zh-CN"/>
                     </a:p>
                   </a:txBody>
                   <a:tcPr>
@@ -13611,6 +13288,7 @@
                 <a:tc>
                   <a:txBody>
                     <a:bodyPr/>
+                    <a:lstStyle/>
                     <a:p>
                       <a:pPr>
                         <a:buNone/>
@@ -13619,7 +13297,6 @@
                         <a:rPr lang="en-US" altLang="zh-CN"/>
                         <a:t>f</a:t>
                       </a:r>
-                      <a:endParaRPr lang="en-US" altLang="zh-CN"/>
                     </a:p>
                   </a:txBody>
                   <a:tcPr>
@@ -13631,6 +13308,7 @@
                 <a:tc>
                   <a:txBody>
                     <a:bodyPr/>
+                    <a:lstStyle/>
                     <a:p>
                       <a:pPr>
                         <a:buNone/>
@@ -13639,7 +13317,6 @@
                         <a:rPr lang="en-US" altLang="zh-CN"/>
                         <a:t>f</a:t>
                       </a:r>
-                      <a:endParaRPr lang="en-US" altLang="zh-CN"/>
                     </a:p>
                   </a:txBody>
                   <a:tcPr>
@@ -13651,6 +13328,7 @@
                 <a:tc>
                   <a:txBody>
                     <a:bodyPr/>
+                    <a:lstStyle/>
                     <a:p>
                       <a:pPr>
                         <a:buNone/>
@@ -13659,7 +13337,6 @@
                         <a:rPr lang="en-US" altLang="zh-CN"/>
                         <a:t>f</a:t>
                       </a:r>
-                      <a:endParaRPr lang="en-US" altLang="zh-CN"/>
                     </a:p>
                   </a:txBody>
                   <a:tcPr>
@@ -13671,6 +13348,7 @@
                 <a:tc>
                   <a:txBody>
                     <a:bodyPr/>
+                    <a:lstStyle/>
                     <a:p>
                       <a:pPr>
                         <a:buNone/>
@@ -13679,7 +13357,6 @@
                         <a:rPr lang="en-US" altLang="zh-CN"/>
                         <a:t>f</a:t>
                       </a:r>
-                      <a:endParaRPr lang="en-US" altLang="zh-CN"/>
                     </a:p>
                   </a:txBody>
                   <a:tcPr>
@@ -13691,6 +13368,7 @@
                 <a:tc>
                   <a:txBody>
                     <a:bodyPr/>
+                    <a:lstStyle/>
                     <a:p>
                       <a:pPr>
                         <a:buNone/>
@@ -13699,7 +13377,6 @@
                         <a:rPr lang="en-US" altLang="zh-CN"/>
                         <a:t>f</a:t>
                       </a:r>
-                      <a:endParaRPr lang="en-US" altLang="zh-CN"/>
                     </a:p>
                   </a:txBody>
                   <a:tcPr>
@@ -13711,6 +13388,7 @@
                 <a:tc>
                   <a:txBody>
                     <a:bodyPr/>
+                    <a:lstStyle/>
                     <a:p>
                       <a:pPr>
                         <a:buNone/>
@@ -13719,7 +13397,6 @@
                         <a:rPr lang="en-US" altLang="zh-CN"/>
                         <a:t>f</a:t>
                       </a:r>
-                      <a:endParaRPr lang="en-US" altLang="zh-CN"/>
                     </a:p>
                   </a:txBody>
                   <a:tcPr>
@@ -13731,6 +13408,7 @@
                 <a:tc>
                   <a:txBody>
                     <a:bodyPr/>
+                    <a:lstStyle/>
                     <a:p>
                       <a:pPr>
                         <a:buNone/>
@@ -13739,7 +13417,6 @@
                         <a:rPr lang="en-US" altLang="zh-CN"/>
                         <a:t>f</a:t>
                       </a:r>
-                      <a:endParaRPr lang="en-US" altLang="zh-CN"/>
                     </a:p>
                   </a:txBody>
                   <a:tcPr>
@@ -13751,6 +13428,7 @@
                 <a:tc>
                   <a:txBody>
                     <a:bodyPr/>
+                    <a:lstStyle/>
                     <a:p>
                       <a:pPr>
                         <a:buNone/>
@@ -13759,7 +13437,6 @@
                         <a:rPr lang="en-US" altLang="zh-CN"/>
                         <a:t>f</a:t>
                       </a:r>
-                      <a:endParaRPr lang="en-US" altLang="zh-CN"/>
                     </a:p>
                   </a:txBody>
                   <a:tcPr>
@@ -13771,6 +13448,7 @@
                 <a:tc>
                   <a:txBody>
                     <a:bodyPr/>
+                    <a:lstStyle/>
                     <a:p>
                       <a:pPr>
                         <a:buNone/>
@@ -13779,7 +13457,6 @@
                         <a:rPr lang="en-US" altLang="zh-CN"/>
                         <a:t>f</a:t>
                       </a:r>
-                      <a:endParaRPr lang="en-US" altLang="zh-CN"/>
                     </a:p>
                   </a:txBody>
                   <a:tcPr>
@@ -13791,6 +13468,7 @@
                 <a:tc>
                   <a:txBody>
                     <a:bodyPr/>
+                    <a:lstStyle/>
                     <a:p>
                       <a:pPr>
                         <a:buNone/>
@@ -13799,7 +13477,6 @@
                         <a:rPr lang="en-US" altLang="zh-CN" dirty="0"/>
                         <a:t>f</a:t>
                       </a:r>
-                      <a:endParaRPr lang="en-US" altLang="zh-CN" dirty="0"/>
                     </a:p>
                   </a:txBody>
                   <a:tcPr>
@@ -13808,13 +13485,18 @@
                     </a:solidFill>
                   </a:tcPr>
                 </a:tc>
+                <a:extLst>
+                  <a:ext uri="{0D108BD9-81ED-4DB2-BD59-A6C34878D82A}">
+                    <a16:rowId xmlns:a16="http://schemas.microsoft.com/office/drawing/2014/main" val="10000"/>
+                  </a:ext>
+                </a:extLst>
               </a:tr>
             </a:tbl>
           </a:graphicData>
         </a:graphic>
       </p:graphicFrame>
-      <mc:AlternateContent xmlns:mc="http://schemas.openxmlformats.org/markup-compatibility/2006">
-        <mc:Choice xmlns:a14="http://schemas.microsoft.com/office/drawing/2010/main" Requires="a14">
+      <mc:AlternateContent xmlns:mc="http://schemas.openxmlformats.org/markup-compatibility/2006" xmlns:a14="http://schemas.microsoft.com/office/drawing/2010/main">
+        <mc:Choice Requires="a14">
           <p:sp>
             <p:nvSpPr>
               <p:cNvPr id="15" name="文本框 14"/>
@@ -13839,6 +13521,7 @@
               <a:bodyPr wrap="square" rtlCol="0">
                 <a:spAutoFit/>
               </a:bodyPr>
+              <a:lstStyle/>
               <a:p>
                 <a:r>
                   <a:rPr lang="zh-CN" altLang="en-US" sz="2400"/>
@@ -13851,21 +13534,7 @@
                         <a:latin typeface="Cambria Math" panose="02040503050406030204" pitchFamily="18" charset="0"/>
                         <a:cs typeface="Cambria Math" panose="02040503050406030204" pitchFamily="18" charset="0"/>
                       </a:rPr>
-                      <m:t>(−</m:t>
-                    </m:r>
-                    <m:r>
-                      <a:rPr lang="en-US" altLang="zh-CN" sz="2400">
-                        <a:latin typeface="Cambria Math" panose="02040503050406030204" pitchFamily="18" charset="0"/>
-                        <a:cs typeface="Cambria Math" panose="02040503050406030204" pitchFamily="18" charset="0"/>
-                      </a:rPr>
-                      <m:t>1</m:t>
-                    </m:r>
-                    <m:r>
-                      <a:rPr lang="en-US" altLang="zh-CN" sz="2400">
-                        <a:latin typeface="Cambria Math" panose="02040503050406030204" pitchFamily="18" charset="0"/>
-                        <a:cs typeface="Cambria Math" panose="02040503050406030204" pitchFamily="18" charset="0"/>
-                      </a:rPr>
-                      <m:t>)</m:t>
+                      <m:t>(−1)</m:t>
                     </m:r>
                     <m:r>
                       <m:rPr>
@@ -13882,14 +13551,7 @@
                         <a:latin typeface="Cambria Math" panose="02040503050406030204" pitchFamily="18" charset="0"/>
                         <a:cs typeface="Cambria Math" panose="02040503050406030204" pitchFamily="18" charset="0"/>
                       </a:rPr>
-                      <m:t>∗</m:t>
-                    </m:r>
-                    <m:r>
-                      <a:rPr lang="en-US" altLang="zh-CN" sz="2400">
-                        <a:latin typeface="Cambria Math" panose="02040503050406030204" pitchFamily="18" charset="0"/>
-                        <a:cs typeface="Cambria Math" panose="02040503050406030204" pitchFamily="18" charset="0"/>
-                      </a:rPr>
-                      <m:t>2</m:t>
+                      <m:t>∗2</m:t>
                     </m:r>
                     <m:r>
                       <m:rPr>
@@ -13930,7 +13592,6 @@
                   <a:rPr lang="zh-CN" altLang="en-US" sz="2400"/>
                   <a:t>分类（按阶码位）：非规格化，特殊值和规格化</a:t>
                 </a:r>
-                <a:endParaRPr lang="zh-CN" altLang="en-US" sz="2400"/>
               </a:p>
               <a:p>
                 <a:endParaRPr lang="zh-CN" altLang="en-US" sz="2400"/>
@@ -13973,14 +13634,7 @@
                         <a:latin typeface="Cambria Math" panose="02040503050406030204" pitchFamily="18" charset="0"/>
                         <a:cs typeface="Cambria Math" panose="02040503050406030204" pitchFamily="18" charset="0"/>
                       </a:rPr>
-                      <m:t>=</m:t>
-                    </m:r>
-                    <m:r>
-                      <a:rPr lang="en-US" altLang="zh-CN" sz="2400">
-                        <a:latin typeface="Cambria Math" panose="02040503050406030204" pitchFamily="18" charset="0"/>
-                        <a:cs typeface="Cambria Math" panose="02040503050406030204" pitchFamily="18" charset="0"/>
-                      </a:rPr>
-                      <m:t>2</m:t>
+                      <m:t>=2</m:t>
                     </m:r>
                     <m:r>
                       <m:rPr>
@@ -13997,28 +13651,7 @@
                         <a:latin typeface="Cambria Math" panose="02040503050406030204" pitchFamily="18" charset="0"/>
                         <a:cs typeface="Cambria Math" panose="02040503050406030204" pitchFamily="18" charset="0"/>
                       </a:rPr>
-                      <m:t>−</m:t>
-                    </m:r>
-                    <m:r>
-                      <a:rPr lang="en-US" altLang="zh-CN" sz="2400" baseline="30000">
-                        <a:latin typeface="Cambria Math" panose="02040503050406030204" pitchFamily="18" charset="0"/>
-                        <a:cs typeface="Cambria Math" panose="02040503050406030204" pitchFamily="18" charset="0"/>
-                      </a:rPr>
-                      <m:t>1</m:t>
-                    </m:r>
-                    <m:r>
-                      <a:rPr lang="en-US" altLang="zh-CN" sz="2400">
-                        <a:latin typeface="Cambria Math" panose="02040503050406030204" pitchFamily="18" charset="0"/>
-                        <a:cs typeface="Cambria Math" panose="02040503050406030204" pitchFamily="18" charset="0"/>
-                      </a:rPr>
-                      <m:t>−</m:t>
-                    </m:r>
-                    <m:r>
-                      <a:rPr lang="en-US" altLang="zh-CN" sz="2400">
-                        <a:latin typeface="Cambria Math" panose="02040503050406030204" pitchFamily="18" charset="0"/>
-                        <a:cs typeface="Cambria Math" panose="02040503050406030204" pitchFamily="18" charset="0"/>
-                      </a:rPr>
-                      <m:t>1</m:t>
+                      <m:t>−1−1</m:t>
                     </m:r>
                   </m:oMath>
                 </a14:m>
@@ -14028,6 +13661,7 @@
                 </a:endParaRPr>
               </a:p>
               <a:p>
+                <a:pPr/>
                 <a14:m>
                   <m:oMathPara xmlns:m="http://schemas.openxmlformats.org/officeDocument/2006/math">
                     <m:oMathParaPr>
@@ -14049,21 +13683,24 @@
                           <a:latin typeface="Cambria Math" panose="02040503050406030204" pitchFamily="18" charset="0"/>
                           <a:cs typeface="Cambria Math" panose="02040503050406030204" pitchFamily="18" charset="0"/>
                         </a:rPr>
-                        <m:t>=</m:t>
+                        <m:t>=0.</m:t>
                       </m:r>
                       <m:r>
+                        <m:rPr>
+                          <m:sty m:val="p"/>
+                        </m:rPr>
                         <a:rPr lang="en-US" altLang="zh-CN" sz="2400">
                           <a:latin typeface="Cambria Math" panose="02040503050406030204" pitchFamily="18" charset="0"/>
                           <a:cs typeface="Cambria Math" panose="02040503050406030204" pitchFamily="18" charset="0"/>
                         </a:rPr>
-                        <m:t>0</m:t>
+                        <m:t>fw</m:t>
                       </m:r>
                       <m:r>
-                        <a:rPr lang="en-US" altLang="zh-CN" sz="2400">
+                        <a:rPr lang="en-US" altLang="zh-CN" sz="2400" baseline="-25000">
                           <a:latin typeface="Cambria Math" panose="02040503050406030204" pitchFamily="18" charset="0"/>
                           <a:cs typeface="Cambria Math" panose="02040503050406030204" pitchFamily="18" charset="0"/>
                         </a:rPr>
-                        <m:t>.</m:t>
+                        <m:t>−1</m:t>
                       </m:r>
                       <m:r>
                         <m:rPr>
@@ -14090,55 +13727,14 @@
                           <a:latin typeface="Cambria Math" panose="02040503050406030204" pitchFamily="18" charset="0"/>
                           <a:cs typeface="Cambria Math" panose="02040503050406030204" pitchFamily="18" charset="0"/>
                         </a:rPr>
-                        <m:t>−</m:t>
-                      </m:r>
-                      <m:r>
-                        <a:rPr lang="en-US" altLang="zh-CN" sz="2400" baseline="-25000">
-                          <a:latin typeface="Cambria Math" panose="02040503050406030204" pitchFamily="18" charset="0"/>
-                          <a:cs typeface="Cambria Math" panose="02040503050406030204" pitchFamily="18" charset="0"/>
-                        </a:rPr>
-                        <m:t>1</m:t>
-                      </m:r>
-                      <m:r>
-                        <m:rPr>
-                          <m:sty m:val="p"/>
-                        </m:rPr>
-                        <a:rPr lang="en-US" altLang="zh-CN" sz="2400">
-                          <a:latin typeface="Cambria Math" panose="02040503050406030204" pitchFamily="18" charset="0"/>
-                          <a:cs typeface="Cambria Math" panose="02040503050406030204" pitchFamily="18" charset="0"/>
-                        </a:rPr>
-                        <m:t>f</m:t>
-                      </m:r>
-                      <m:r>
-                        <m:rPr>
-                          <m:sty m:val="p"/>
-                        </m:rPr>
-                        <a:rPr lang="en-US" altLang="zh-CN" sz="2400" baseline="-25000">
-                          <a:latin typeface="Cambria Math" panose="02040503050406030204" pitchFamily="18" charset="0"/>
-                          <a:cs typeface="Cambria Math" panose="02040503050406030204" pitchFamily="18" charset="0"/>
-                        </a:rPr>
-                        <m:t>w</m:t>
-                      </m:r>
-                      <m:r>
-                        <a:rPr lang="en-US" altLang="zh-CN" sz="2400" baseline="-25000">
-                          <a:latin typeface="Cambria Math" panose="02040503050406030204" pitchFamily="18" charset="0"/>
-                          <a:cs typeface="Cambria Math" panose="02040503050406030204" pitchFamily="18" charset="0"/>
-                        </a:rPr>
-                        <m:t>−</m:t>
-                      </m:r>
-                      <m:r>
-                        <a:rPr lang="en-US" altLang="zh-CN" sz="2400" baseline="-25000">
-                          <a:latin typeface="Cambria Math" panose="02040503050406030204" pitchFamily="18" charset="0"/>
-                          <a:cs typeface="Cambria Math" panose="02040503050406030204" pitchFamily="18" charset="0"/>
-                        </a:rPr>
-                        <m:t>2</m:t>
+                        <m:t>−2..</m:t>
                       </m:r>
                       <m:r>
                         <a:rPr lang="en-US" altLang="zh-CN" sz="2400">
                           <a:latin typeface="Cambria Math" panose="02040503050406030204" pitchFamily="18" charset="0"/>
                           <a:cs typeface="Cambria Math" panose="02040503050406030204" pitchFamily="18" charset="0"/>
                         </a:rPr>
-                        <m:t>....</m:t>
+                        <m:t>..</m:t>
                       </m:r>
                       <m:r>
                         <m:rPr>
@@ -14189,31 +13785,14 @@
                           <a:latin typeface="Cambria Math" panose="02040503050406030204" pitchFamily="18" charset="0"/>
                           <a:cs typeface="Cambria Math" panose="02040503050406030204" pitchFamily="18" charset="0"/>
                         </a:rPr>
-                        <m:t>e</m:t>
-                      </m:r>
-                      <m:r>
-                        <m:rPr>
-                          <m:sty m:val="p"/>
-                        </m:rPr>
-                        <a:rPr lang="en-US" altLang="zh-CN" sz="2400" baseline="-25000">
-                          <a:latin typeface="Cambria Math" panose="02040503050406030204" pitchFamily="18" charset="0"/>
-                          <a:cs typeface="Cambria Math" panose="02040503050406030204" pitchFamily="18" charset="0"/>
-                        </a:rPr>
-                        <m:t>k</m:t>
+                        <m:t>ek</m:t>
                       </m:r>
                       <m:r>
                         <a:rPr lang="en-US" altLang="zh-CN" sz="2400" baseline="-25000">
                           <a:latin typeface="Cambria Math" panose="02040503050406030204" pitchFamily="18" charset="0"/>
                           <a:cs typeface="Cambria Math" panose="02040503050406030204" pitchFamily="18" charset="0"/>
                         </a:rPr>
-                        <m:t>−</m:t>
-                      </m:r>
-                      <m:r>
-                        <a:rPr lang="en-US" altLang="zh-CN" sz="2400" baseline="-25000">
-                          <a:latin typeface="Cambria Math" panose="02040503050406030204" pitchFamily="18" charset="0"/>
-                          <a:cs typeface="Cambria Math" panose="02040503050406030204" pitchFamily="18" charset="0"/>
-                        </a:rPr>
-                        <m:t>1</m:t>
+                        <m:t>−1</m:t>
                       </m:r>
                       <m:r>
                         <m:rPr>
@@ -14240,21 +13819,14 @@
                           <a:latin typeface="Cambria Math" panose="02040503050406030204" pitchFamily="18" charset="0"/>
                           <a:cs typeface="Cambria Math" panose="02040503050406030204" pitchFamily="18" charset="0"/>
                         </a:rPr>
-                        <m:t>−</m:t>
-                      </m:r>
-                      <m:r>
-                        <a:rPr lang="en-US" altLang="zh-CN" sz="2400" baseline="-25000">
-                          <a:latin typeface="Cambria Math" panose="02040503050406030204" pitchFamily="18" charset="0"/>
-                          <a:cs typeface="Cambria Math" panose="02040503050406030204" pitchFamily="18" charset="0"/>
-                        </a:rPr>
-                        <m:t>2</m:t>
+                        <m:t>−2..</m:t>
                       </m:r>
                       <m:r>
                         <a:rPr lang="en-US" altLang="zh-CN" sz="2400">
                           <a:latin typeface="Cambria Math" panose="02040503050406030204" pitchFamily="18" charset="0"/>
                           <a:cs typeface="Cambria Math" panose="02040503050406030204" pitchFamily="18" charset="0"/>
                         </a:rPr>
-                        <m:t>...</m:t>
+                        <m:t>.</m:t>
                       </m:r>
                       <m:r>
                         <m:rPr>
@@ -14313,7 +13885,6 @@
                   <a:rPr lang="en-US" altLang="zh-CN" sz="2400"/>
                   <a:t>M = f</a:t>
                 </a:r>
-                <a:endParaRPr lang="en-US" altLang="zh-CN" sz="2400"/>
               </a:p>
               <a:p>
                 <a:r>
@@ -14328,7 +13899,6 @@
                   <a:rPr lang="zh-CN" altLang="en-US" sz="2400"/>
                   <a:t>，特殊值</a:t>
                 </a:r>
-                <a:endParaRPr lang="zh-CN" altLang="en-US" sz="2400"/>
               </a:p>
               <a:p>
                 <a:pPr indent="457200"/>
@@ -14376,7 +13946,6 @@
                   <a:rPr lang="zh-CN" altLang="en-US" sz="2400"/>
                   <a:t>；</a:t>
                 </a:r>
-                <a:endParaRPr lang="zh-CN" altLang="en-US" sz="2400"/>
               </a:p>
               <a:p>
                 <a:pPr indent="457200"/>
@@ -14404,7 +13973,6 @@
                   <a:rPr lang="en-US" altLang="zh-CN" sz="2400"/>
                   <a:t>;</a:t>
                 </a:r>
-                <a:endParaRPr lang="en-US" altLang="zh-CN" sz="2400"/>
               </a:p>
               <a:p>
                 <a:r>
@@ -14439,7 +14007,6 @@
                   <a:rPr lang="en-US" altLang="zh-CN" sz="2400"/>
                   <a:t>M = 1 + f;</a:t>
                 </a:r>
-                <a:endParaRPr lang="en-US" altLang="zh-CN" sz="2400"/>
               </a:p>
               <a:p>
                 <a:endParaRPr lang="en-US" altLang="zh-CN" sz="2400" baseline="30000"/>
@@ -14447,7 +14014,7 @@
             </p:txBody>
           </p:sp>
         </mc:Choice>
-        <mc:Fallback>
+        <mc:Fallback xmlns="">
           <p:sp>
             <p:nvSpPr>
               <p:cNvPr id="15" name="文本框 14"/>
@@ -14456,7 +14023,7 @@
               </p:cNvSpPr>
               <p:nvPr>
                 <p:custDataLst>
-                  <p:tags r:id="rId3"/>
+                  <p:tags r:id="rId5"/>
                 </p:custDataLst>
               </p:nvPr>
             </p:nvSpPr>
@@ -14469,7 +14036,7 @@
                 <a:avLst/>
               </a:prstGeom>
               <a:blipFill rotWithShape="1">
-                <a:blip r:embed="rId4"/>
+                <a:blip r:embed="rId6"/>
                 <a:stretch>
                   <a:fillRect t="-1404"/>
                 </a:stretch>
@@ -14490,8 +14057,8 @@
           </p:sp>
         </mc:Fallback>
       </mc:AlternateContent>
-      <mc:AlternateContent xmlns:mc="http://schemas.openxmlformats.org/markup-compatibility/2006">
-        <mc:Choice xmlns:a14="http://schemas.microsoft.com/office/drawing/2010/main" Requires="a14">
+      <mc:AlternateContent xmlns:mc="http://schemas.openxmlformats.org/markup-compatibility/2006" xmlns:a14="http://schemas.microsoft.com/office/drawing/2010/main">
+        <mc:Choice Requires="a14">
           <p:sp>
             <p:nvSpPr>
               <p:cNvPr id="3" name="文本框 2"/>
@@ -14512,7 +14079,9 @@
               <a:bodyPr wrap="square" rtlCol="0" anchor="t">
                 <a:spAutoFit/>
               </a:bodyPr>
+              <a:lstStyle/>
               <a:p>
+                <a:pPr/>
                 <a14:m>
                   <m:oMathPara xmlns:m="http://schemas.openxmlformats.org/officeDocument/2006/math">
                     <m:oMathParaPr>
@@ -14552,6 +14121,7 @@
                 </a:endParaRPr>
               </a:p>
               <a:p>
+                <a:pPr/>
                 <a14:m>
                   <m:oMathPara xmlns:m="http://schemas.openxmlformats.org/officeDocument/2006/math">
                     <m:oMathParaPr>
@@ -14593,7 +14163,7 @@
             </p:txBody>
           </p:sp>
         </mc:Choice>
-        <mc:Fallback>
+        <mc:Fallback xmlns="">
           <p:sp>
             <p:nvSpPr>
               <p:cNvPr id="3" name="文本框 2"/>
@@ -14611,7 +14181,7 @@
                 <a:avLst/>
               </a:prstGeom>
               <a:blipFill rotWithShape="1">
-                <a:blip r:embed="rId5"/>
+                <a:blip r:embed="rId7"/>
                 <a:stretch>
                   <a:fillRect/>
                 </a:stretch>
@@ -14632,15 +14202,15 @@
           </p:sp>
         </mc:Fallback>
       </mc:AlternateContent>
-      <mc:AlternateContent xmlns:mc="http://schemas.openxmlformats.org/markup-compatibility/2006">
-        <mc:Choice xmlns:a14="http://schemas.microsoft.com/office/drawing/2010/main" Requires="a14">
+      <mc:AlternateContent xmlns:mc="http://schemas.openxmlformats.org/markup-compatibility/2006" xmlns:a14="http://schemas.microsoft.com/office/drawing/2010/main">
+        <mc:Choice Requires="a14">
           <p:sp>
             <p:nvSpPr>
               <p:cNvPr id="4" name="文本框 3"/>
               <p:cNvSpPr txBox="1"/>
               <p:nvPr>
                 <p:custDataLst>
-                  <p:tags r:id="rId6"/>
+                  <p:tags r:id="rId3"/>
                 </p:custDataLst>
               </p:nvPr>
             </p:nvSpPr>
@@ -14658,7 +14228,9 @@
               <a:bodyPr wrap="square" rtlCol="0" anchor="t">
                 <a:spAutoFit/>
               </a:bodyPr>
+              <a:lstStyle/>
               <a:p>
+                <a:pPr/>
                 <a14:m>
                   <m:oMathPara xmlns:m="http://schemas.openxmlformats.org/officeDocument/2006/math">
                     <m:oMathParaPr>
@@ -14686,31 +14258,7 @@
                           <a:ea typeface="MS Mincho" charset="0"/>
                           <a:cs typeface="Cambria Math" panose="02040503050406030204" pitchFamily="18" charset="0"/>
                         </a:rPr>
-                        <m:t>−</m:t>
-                      </m:r>
-                      <m:r>
-                        <a:rPr lang="en-US" altLang="zh-CN" sz="2400">
-                          <a:latin typeface="Cambria Math" panose="02040503050406030204" pitchFamily="18" charset="0"/>
-                          <a:ea typeface="MS Mincho" charset="0"/>
-                          <a:cs typeface="Cambria Math" panose="02040503050406030204" pitchFamily="18" charset="0"/>
-                        </a:rPr>
-                        <m:t>126</m:t>
-                      </m:r>
-                      <m:r>
-                        <a:rPr lang="en-US" altLang="zh-CN" sz="2400">
-                          <a:latin typeface="Cambria Math" panose="02040503050406030204" pitchFamily="18" charset="0"/>
-                          <a:ea typeface="MS Mincho" charset="0"/>
-                          <a:cs typeface="Cambria Math" panose="02040503050406030204" pitchFamily="18" charset="0"/>
-                        </a:rPr>
-                        <m:t>~+</m:t>
-                      </m:r>
-                      <m:r>
-                        <a:rPr lang="en-US" altLang="zh-CN" sz="2400">
-                          <a:latin typeface="Cambria Math" panose="02040503050406030204" pitchFamily="18" charset="0"/>
-                          <a:ea typeface="MS Mincho" charset="0"/>
-                          <a:cs typeface="Cambria Math" panose="02040503050406030204" pitchFamily="18" charset="0"/>
-                        </a:rPr>
-                        <m:t>127</m:t>
+                        <m:t>−126~+127</m:t>
                       </m:r>
                     </m:oMath>
                   </m:oMathPara>
@@ -14722,6 +14270,7 @@
                 </a:endParaRPr>
               </a:p>
               <a:p>
+                <a:pPr/>
                 <a14:m>
                   <m:oMathPara xmlns:m="http://schemas.openxmlformats.org/officeDocument/2006/math">
                     <m:oMathParaPr>
@@ -14750,31 +14299,7 @@
                           <a:ea typeface="MS Mincho" charset="0"/>
                           <a:cs typeface="Cambria Math" panose="02040503050406030204" pitchFamily="18" charset="0"/>
                         </a:rPr>
-                        <m:t>−</m:t>
-                      </m:r>
-                      <m:r>
-                        <a:rPr lang="en-US" altLang="zh-CN" sz="2400">
-                          <a:latin typeface="Cambria Math" panose="02040503050406030204" pitchFamily="18" charset="0"/>
-                          <a:ea typeface="MS Mincho" charset="0"/>
-                          <a:cs typeface="Cambria Math" panose="02040503050406030204" pitchFamily="18" charset="0"/>
-                        </a:rPr>
-                        <m:t>1022</m:t>
-                      </m:r>
-                      <m:r>
-                        <a:rPr lang="en-US" altLang="zh-CN" sz="2400">
-                          <a:latin typeface="Cambria Math" panose="02040503050406030204" pitchFamily="18" charset="0"/>
-                          <a:ea typeface="MS Mincho" charset="0"/>
-                          <a:cs typeface="Cambria Math" panose="02040503050406030204" pitchFamily="18" charset="0"/>
-                        </a:rPr>
-                        <m:t>~+</m:t>
-                      </m:r>
-                      <m:r>
-                        <a:rPr lang="en-US" altLang="zh-CN" sz="2400">
-                          <a:latin typeface="Cambria Math" panose="02040503050406030204" pitchFamily="18" charset="0"/>
-                          <a:ea typeface="MS Mincho" charset="0"/>
-                          <a:cs typeface="Cambria Math" panose="02040503050406030204" pitchFamily="18" charset="0"/>
-                        </a:rPr>
-                        <m:t>1023</m:t>
+                        <m:t>−1022~+1023</m:t>
                       </m:r>
                     </m:oMath>
                   </m:oMathPara>
@@ -14787,7 +14312,7 @@
             </p:txBody>
           </p:sp>
         </mc:Choice>
-        <mc:Fallback>
+        <mc:Fallback xmlns="">
           <p:sp>
             <p:nvSpPr>
               <p:cNvPr id="4" name="文本框 3"/>
@@ -14796,7 +14321,7 @@
               </p:cNvSpPr>
               <p:nvPr>
                 <p:custDataLst>
-                  <p:tags r:id="rId7"/>
+                  <p:tags r:id="rId8"/>
                 </p:custDataLst>
               </p:nvPr>
             </p:nvSpPr>
@@ -14809,7 +14334,7 @@
                 <a:avLst/>
               </a:prstGeom>
               <a:blipFill rotWithShape="1">
-                <a:blip r:embed="rId8"/>
+                <a:blip r:embed="rId9"/>
                 <a:stretch>
                   <a:fillRect/>
                 </a:stretch>
@@ -14878,7 +14403,6 @@
               <a:rPr lang="zh-CN" altLang="en-US" dirty="0"/>
               <a:t>浮点标准  极限值</a:t>
             </a:r>
-            <a:endParaRPr lang="zh-CN" altLang="en-US" dirty="0"/>
           </a:p>
         </p:txBody>
       </p:sp>
@@ -14895,7 +14419,7 @@
           </p:nvPr>
         </p:nvPicPr>
         <p:blipFill>
-          <a:blip r:embed="rId2"/>
+          <a:blip r:embed="rId3"/>
           <a:srcRect b="64176"/>
           <a:stretch>
             <a:fillRect/>
@@ -14931,6 +14455,7 @@
           <a:bodyPr wrap="square" rtlCol="0">
             <a:spAutoFit/>
           </a:bodyPr>
+          <a:lstStyle/>
           <a:p>
             <a:pPr marL="457200" indent="-457200">
               <a:buFont typeface="Arial" panose="020B0604020202020204" pitchFamily="34" charset="0"/>
@@ -14944,7 +14469,6 @@
               <a:rPr lang="zh-CN" altLang="en-US" sz="2800"/>
               <a:t>全零</a:t>
             </a:r>
-            <a:endParaRPr lang="zh-CN" altLang="en-US" sz="2800"/>
           </a:p>
           <a:p>
             <a:pPr marL="457200" indent="-457200">
@@ -14963,7 +14487,6 @@
               <a:rPr lang="en-US" altLang="zh-CN" sz="2800"/>
               <a:t>0 01…1 00…0</a:t>
             </a:r>
-            <a:endParaRPr lang="en-US" altLang="zh-CN" sz="2800"/>
           </a:p>
         </p:txBody>
       </p:sp>
@@ -14972,13 +14495,13 @@
   <p:clrMapOvr>
     <a:masterClrMapping/>
   </p:clrMapOvr>
-  <mc:AlternateContent xmlns:mc="http://schemas.openxmlformats.org/markup-compatibility/2006">
-    <mc:Choice xmlns:p14="http://schemas.microsoft.com/office/powerpoint/2010/main" Requires="p14">
-      <p:transition spd="slow" p14:dur="1000">
+  <mc:AlternateContent xmlns:mc="http://schemas.openxmlformats.org/markup-compatibility/2006" xmlns:p14="http://schemas.microsoft.com/office/powerpoint/2010/main">
+    <mc:Choice Requires="p14">
+      <p:transition spd="slow">
         <p:wipe dir="r"/>
       </p:transition>
     </mc:Choice>
-    <mc:Fallback>
+    <mc:Fallback xmlns="">
       <p:transition spd="slow">
         <p:wipe dir="r"/>
       </p:transition>
@@ -15027,12 +14550,11 @@
               <a:rPr lang="zh-CN" altLang="en-US" dirty="0"/>
               <a:t>浮点标准  极限值</a:t>
             </a:r>
-            <a:endParaRPr lang="zh-CN" altLang="en-US" dirty="0"/>
           </a:p>
         </p:txBody>
       </p:sp>
-      <mc:AlternateContent xmlns:mc="http://schemas.openxmlformats.org/markup-compatibility/2006">
-        <mc:Choice xmlns:a14="http://schemas.microsoft.com/office/drawing/2010/main" Requires="a14">
+      <mc:AlternateContent xmlns:mc="http://schemas.openxmlformats.org/markup-compatibility/2006" xmlns:a14="http://schemas.microsoft.com/office/drawing/2010/main">
+        <mc:Choice Requires="a14">
           <p:sp>
             <p:nvSpPr>
               <p:cNvPr id="4" name="文本框 3"/>
@@ -15053,6 +14575,7 @@
               <a:bodyPr wrap="square" rtlCol="0">
                 <a:spAutoFit/>
               </a:bodyPr>
+              <a:lstStyle/>
               <a:p>
                 <a:r>
                   <a:rPr lang="en-US" altLang="zh-CN" sz="2800"/>
@@ -15068,13 +14591,8 @@
                 </a:r>
                 <a:r>
                   <a:rPr lang="zh-CN" altLang="en-US" sz="2800"/>
-                  <a:t>位小数（由于正负对称，仅考虑</a:t>
+                  <a:t>位小数（由于正负对称，仅考虑正数）</a:t>
                 </a:r>
-                <a:r>
-                  <a:rPr lang="zh-CN" altLang="en-US" sz="2800"/>
-                  <a:t>正数）</a:t>
-                </a:r>
-                <a:endParaRPr lang="zh-CN" altLang="en-US" sz="2800"/>
               </a:p>
               <a:p>
                 <a:pPr marL="457200" indent="-457200">
@@ -15129,14 +14647,7 @@
                             <a:latin typeface="Cambria Math" panose="02040503050406030204" pitchFamily="18" charset="0"/>
                             <a:cs typeface="Cambria Math" panose="02040503050406030204" pitchFamily="18" charset="0"/>
                           </a:rPr>
-                          <m:t>2</m:t>
-                        </m:r>
-                        <m:r>
-                          <a:rPr lang="en-US" altLang="zh-CN" sz="2800" i="1">
-                            <a:latin typeface="Cambria Math" panose="02040503050406030204" pitchFamily="18" charset="0"/>
-                            <a:cs typeface="Cambria Math" panose="02040503050406030204" pitchFamily="18" charset="0"/>
-                          </a:rPr>
-                          <m:t>−</m:t>
+                          <m:t>2−</m:t>
                         </m:r>
                         <m:sSup>
                           <m:sSupPr>
@@ -15169,14 +14680,7 @@
                                 <a:latin typeface="Cambria Math" panose="02040503050406030204" pitchFamily="18" charset="0"/>
                                 <a:cs typeface="Cambria Math" panose="02040503050406030204" pitchFamily="18" charset="0"/>
                               </a:rPr>
-                              <m:t>−</m:t>
-                            </m:r>
-                            <m:r>
-                              <a:rPr lang="en-US" altLang="zh-CN" sz="2800" i="1">
-                                <a:latin typeface="Cambria Math" panose="02040503050406030204" pitchFamily="18" charset="0"/>
-                                <a:cs typeface="Cambria Math" panose="02040503050406030204" pitchFamily="18" charset="0"/>
-                              </a:rPr>
-                              <m:t>1</m:t>
+                              <m:t>−1</m:t>
                             </m:r>
                           </m:sup>
                         </m:sSup>
@@ -15255,7 +14759,7 @@
                         <a:latin typeface="Cambria Math" panose="02040503050406030204" pitchFamily="18" charset="0"/>
                         <a:cs typeface="Cambria Math" panose="02040503050406030204" pitchFamily="18" charset="0"/>
                       </a:rPr>
-                      <m:t> </m:t>
+                      <m:t> </m:t>
                     </m:r>
                     <m:r>
                       <a:rPr lang="en-US" altLang="zh-CN" sz="2800" i="1">
@@ -15295,14 +14799,7 @@
                             <a:latin typeface="Cambria Math" panose="02040503050406030204" pitchFamily="18" charset="0"/>
                             <a:cs typeface="Cambria Math" panose="02040503050406030204" pitchFamily="18" charset="0"/>
                           </a:rPr>
-                          <m:t>2</m:t>
-                        </m:r>
-                        <m:r>
-                          <a:rPr lang="en-US" altLang="zh-CN" sz="2800" i="1">
-                            <a:latin typeface="Cambria Math" panose="02040503050406030204" pitchFamily="18" charset="0"/>
-                            <a:cs typeface="Cambria Math" panose="02040503050406030204" pitchFamily="18" charset="0"/>
-                          </a:rPr>
-                          <m:t>−</m:t>
+                          <m:t>2−</m:t>
                         </m:r>
                         <m:sSup>
                           <m:sSupPr>
@@ -15335,14 +14832,7 @@
                                 <a:latin typeface="Cambria Math" panose="02040503050406030204" pitchFamily="18" charset="0"/>
                                 <a:cs typeface="Cambria Math" panose="02040503050406030204" pitchFamily="18" charset="0"/>
                               </a:rPr>
-                              <m:t>−</m:t>
-                            </m:r>
-                            <m:r>
-                              <a:rPr lang="en-US" altLang="zh-CN" sz="2800" i="1">
-                                <a:latin typeface="Cambria Math" panose="02040503050406030204" pitchFamily="18" charset="0"/>
-                                <a:cs typeface="Cambria Math" panose="02040503050406030204" pitchFamily="18" charset="0"/>
-                              </a:rPr>
-                              <m:t>1</m:t>
+                              <m:t>−1</m:t>
                             </m:r>
                           </m:sup>
                         </m:sSup>
@@ -15353,21 +14843,7 @@
                         <a:latin typeface="Cambria Math" panose="02040503050406030204" pitchFamily="18" charset="0"/>
                         <a:cs typeface="Cambria Math" panose="02040503050406030204" pitchFamily="18" charset="0"/>
                       </a:rPr>
-                      <m:t>∗（</m:t>
-                    </m:r>
-                    <m:r>
-                      <a:rPr lang="en-US" altLang="zh-CN" sz="2800" i="1">
-                        <a:latin typeface="Cambria Math" panose="02040503050406030204" pitchFamily="18" charset="0"/>
-                        <a:cs typeface="Cambria Math" panose="02040503050406030204" pitchFamily="18" charset="0"/>
-                      </a:rPr>
-                      <m:t>1</m:t>
-                    </m:r>
-                    <m:r>
-                      <a:rPr lang="en-US" altLang="zh-CN" sz="2800" i="1">
-                        <a:latin typeface="Cambria Math" panose="02040503050406030204" pitchFamily="18" charset="0"/>
-                        <a:cs typeface="Cambria Math" panose="02040503050406030204" pitchFamily="18" charset="0"/>
-                      </a:rPr>
-                      <m:t>−</m:t>
+                      <m:t>∗（1−</m:t>
                     </m:r>
                     <m:sSup>
                       <m:sSupPr>
@@ -15475,14 +14951,7 @@
                             <a:latin typeface="Cambria Math" panose="02040503050406030204" pitchFamily="18" charset="0"/>
                             <a:cs typeface="Cambria Math" panose="02040503050406030204" pitchFamily="18" charset="0"/>
                           </a:rPr>
-                          <m:t>2</m:t>
-                        </m:r>
-                        <m:r>
-                          <a:rPr lang="en-US" altLang="zh-CN" sz="2800" i="1">
-                            <a:latin typeface="Cambria Math" panose="02040503050406030204" pitchFamily="18" charset="0"/>
-                            <a:cs typeface="Cambria Math" panose="02040503050406030204" pitchFamily="18" charset="0"/>
-                          </a:rPr>
-                          <m:t>−</m:t>
+                          <m:t>2−</m:t>
                         </m:r>
                         <m:sSup>
                           <m:sSupPr>
@@ -15515,14 +14984,7 @@
                                 <a:latin typeface="Cambria Math" panose="02040503050406030204" pitchFamily="18" charset="0"/>
                                 <a:cs typeface="Cambria Math" panose="02040503050406030204" pitchFamily="18" charset="0"/>
                               </a:rPr>
-                              <m:t>−</m:t>
-                            </m:r>
-                            <m:r>
-                              <a:rPr lang="en-US" altLang="zh-CN" sz="2800" i="1">
-                                <a:latin typeface="Cambria Math" panose="02040503050406030204" pitchFamily="18" charset="0"/>
-                                <a:cs typeface="Cambria Math" panose="02040503050406030204" pitchFamily="18" charset="0"/>
-                              </a:rPr>
-                              <m:t>1</m:t>
+                              <m:t>−1</m:t>
                             </m:r>
                           </m:sup>
                         </m:sSup>
@@ -15533,14 +14995,7 @@
                         <a:latin typeface="Cambria Math" panose="02040503050406030204" pitchFamily="18" charset="0"/>
                         <a:cs typeface="Cambria Math" panose="02040503050406030204" pitchFamily="18" charset="0"/>
                       </a:rPr>
-                      <m:t>∗</m:t>
-                    </m:r>
-                    <m:r>
-                      <a:rPr lang="en-US" altLang="zh-CN" sz="2800" i="1">
-                        <a:latin typeface="Cambria Math" panose="02040503050406030204" pitchFamily="18" charset="0"/>
-                        <a:cs typeface="Cambria Math" panose="02040503050406030204" pitchFamily="18" charset="0"/>
-                      </a:rPr>
-                      <m:t>1</m:t>
+                      <m:t>∗1</m:t>
                     </m:r>
                   </m:oMath>
                 </a14:m>
@@ -15605,21 +15060,7 @@
                             <a:latin typeface="Cambria Math" panose="02040503050406030204" pitchFamily="18" charset="0"/>
                             <a:cs typeface="Cambria Math" panose="02040503050406030204" pitchFamily="18" charset="0"/>
                           </a:rPr>
-                          <m:t>−</m:t>
-                        </m:r>
-                        <m:r>
-                          <a:rPr lang="en-US" altLang="zh-CN" sz="2800" i="1">
-                            <a:latin typeface="Cambria Math" panose="02040503050406030204" pitchFamily="18" charset="0"/>
-                            <a:cs typeface="Cambria Math" panose="02040503050406030204" pitchFamily="18" charset="0"/>
-                          </a:rPr>
-                          <m:t>1</m:t>
-                        </m:r>
-                        <m:r>
-                          <a:rPr lang="en-US" altLang="zh-CN" sz="2800" i="1">
-                            <a:latin typeface="Cambria Math" panose="02040503050406030204" pitchFamily="18" charset="0"/>
-                            <a:cs typeface="Cambria Math" panose="02040503050406030204" pitchFamily="18" charset="0"/>
-                          </a:rPr>
-                          <m:t>+</m:t>
+                          <m:t>−1+</m:t>
                         </m:r>
                         <m:sSup>
                           <m:sSupPr>
@@ -15652,14 +15093,7 @@
                                 <a:latin typeface="Cambria Math" panose="02040503050406030204" pitchFamily="18" charset="0"/>
                                 <a:cs typeface="Cambria Math" panose="02040503050406030204" pitchFamily="18" charset="0"/>
                               </a:rPr>
-                              <m:t>−</m:t>
-                            </m:r>
-                            <m:r>
-                              <a:rPr lang="en-US" altLang="zh-CN" sz="2800" i="1">
-                                <a:latin typeface="Cambria Math" panose="02040503050406030204" pitchFamily="18" charset="0"/>
-                                <a:cs typeface="Cambria Math" panose="02040503050406030204" pitchFamily="18" charset="0"/>
-                              </a:rPr>
-                              <m:t>1</m:t>
+                              <m:t>−1</m:t>
                             </m:r>
                           </m:sup>
                         </m:sSup>
@@ -15670,21 +15104,7 @@
                         <a:latin typeface="Cambria Math" panose="02040503050406030204" pitchFamily="18" charset="0"/>
                         <a:cs typeface="Cambria Math" panose="02040503050406030204" pitchFamily="18" charset="0"/>
                       </a:rPr>
-                      <m:t>∗（</m:t>
-                    </m:r>
-                    <m:r>
-                      <a:rPr lang="en-US" altLang="zh-CN" sz="2800" i="1">
-                        <a:latin typeface="Cambria Math" panose="02040503050406030204" pitchFamily="18" charset="0"/>
-                        <a:cs typeface="Cambria Math" panose="02040503050406030204" pitchFamily="18" charset="0"/>
-                      </a:rPr>
-                      <m:t>2</m:t>
-                    </m:r>
-                    <m:r>
-                      <a:rPr lang="en-US" altLang="zh-CN" sz="2800" i="1">
-                        <a:latin typeface="Cambria Math" panose="02040503050406030204" pitchFamily="18" charset="0"/>
-                        <a:cs typeface="Cambria Math" panose="02040503050406030204" pitchFamily="18" charset="0"/>
-                      </a:rPr>
-                      <m:t>−</m:t>
+                      <m:t>∗（2−</m:t>
                     </m:r>
                     <m:sSup>
                       <m:sSupPr>
@@ -15769,15 +15189,7 @@
                         <a:cs typeface="Cambria Math" panose="02040503050406030204" pitchFamily="18" charset="0"/>
                         <a:sym typeface="+mn-ea"/>
                       </a:rPr>
-                      <m:t>[</m:t>
-                    </m:r>
-                    <m:r>
-                      <a:rPr lang="en-US" altLang="zh-CN" sz="2800" i="1">
-                        <a:latin typeface="Cambria Math" panose="02040503050406030204" pitchFamily="18" charset="0"/>
-                        <a:cs typeface="Cambria Math" panose="02040503050406030204" pitchFamily="18" charset="0"/>
-                        <a:sym typeface="+mn-ea"/>
-                      </a:rPr>
-                      <m:t>−</m:t>
+                      <m:t>[−</m:t>
                     </m:r>
                     <m:sSup>
                       <m:sSupPr>
@@ -15803,14 +15215,7 @@
                             <a:latin typeface="Cambria Math" panose="02040503050406030204" pitchFamily="18" charset="0"/>
                             <a:cs typeface="Cambria Math" panose="02040503050406030204" pitchFamily="18" charset="0"/>
                           </a:rPr>
-                          <m:t>2</m:t>
-                        </m:r>
-                        <m:r>
-                          <a:rPr lang="en-US" altLang="zh-CN" sz="2800" i="1">
-                            <a:latin typeface="Cambria Math" panose="02040503050406030204" pitchFamily="18" charset="0"/>
-                            <a:cs typeface="Cambria Math" panose="02040503050406030204" pitchFamily="18" charset="0"/>
-                          </a:rPr>
-                          <m:t>−</m:t>
+                          <m:t>2−</m:t>
                         </m:r>
                         <m:sSup>
                           <m:sSupPr>
@@ -15843,14 +15248,7 @@
                                 <a:latin typeface="Cambria Math" panose="02040503050406030204" pitchFamily="18" charset="0"/>
                                 <a:cs typeface="Cambria Math" panose="02040503050406030204" pitchFamily="18" charset="0"/>
                               </a:rPr>
-                              <m:t>−</m:t>
-                            </m:r>
-                            <m:r>
-                              <a:rPr lang="en-US" altLang="zh-CN" sz="2800" i="1">
-                                <a:latin typeface="Cambria Math" panose="02040503050406030204" pitchFamily="18" charset="0"/>
-                                <a:cs typeface="Cambria Math" panose="02040503050406030204" pitchFamily="18" charset="0"/>
-                              </a:rPr>
-                              <m:t>1</m:t>
+                              <m:t>−1</m:t>
                             </m:r>
                           </m:sup>
                         </m:sSup>
@@ -15861,21 +15259,7 @@
                         <a:latin typeface="Cambria Math" panose="02040503050406030204" pitchFamily="18" charset="0"/>
                         <a:cs typeface="Cambria Math" panose="02040503050406030204" pitchFamily="18" charset="0"/>
                       </a:rPr>
-                      <m:t>∗（</m:t>
-                    </m:r>
-                    <m:r>
-                      <a:rPr lang="en-US" altLang="zh-CN" sz="2800" i="1">
-                        <a:latin typeface="Cambria Math" panose="02040503050406030204" pitchFamily="18" charset="0"/>
-                        <a:cs typeface="Cambria Math" panose="02040503050406030204" pitchFamily="18" charset="0"/>
-                      </a:rPr>
-                      <m:t>1</m:t>
-                    </m:r>
-                    <m:r>
-                      <a:rPr lang="en-US" altLang="zh-CN" sz="2800" i="1">
-                        <a:latin typeface="Cambria Math" panose="02040503050406030204" pitchFamily="18" charset="0"/>
-                        <a:cs typeface="Cambria Math" panose="02040503050406030204" pitchFamily="18" charset="0"/>
-                      </a:rPr>
-                      <m:t>−</m:t>
+                      <m:t>∗（1−</m:t>
                     </m:r>
                     <m:sSup>
                       <m:sSupPr>
@@ -15951,14 +15335,7 @@
                             <a:latin typeface="Cambria Math" panose="02040503050406030204" pitchFamily="18" charset="0"/>
                             <a:cs typeface="Cambria Math" panose="02040503050406030204" pitchFamily="18" charset="0"/>
                           </a:rPr>
-                          <m:t>2</m:t>
-                        </m:r>
-                        <m:r>
-                          <a:rPr lang="en-US" altLang="zh-CN" sz="2800" i="1">
-                            <a:latin typeface="Cambria Math" panose="02040503050406030204" pitchFamily="18" charset="0"/>
-                            <a:cs typeface="Cambria Math" panose="02040503050406030204" pitchFamily="18" charset="0"/>
-                          </a:rPr>
-                          <m:t>−</m:t>
+                          <m:t>2−</m:t>
                         </m:r>
                         <m:sSup>
                           <m:sSupPr>
@@ -15991,14 +15368,7 @@
                                 <a:latin typeface="Cambria Math" panose="02040503050406030204" pitchFamily="18" charset="0"/>
                                 <a:cs typeface="Cambria Math" panose="02040503050406030204" pitchFamily="18" charset="0"/>
                               </a:rPr>
-                              <m:t>−</m:t>
-                            </m:r>
-                            <m:r>
-                              <a:rPr lang="en-US" altLang="zh-CN" sz="2800" i="1">
-                                <a:latin typeface="Cambria Math" panose="02040503050406030204" pitchFamily="18" charset="0"/>
-                                <a:cs typeface="Cambria Math" panose="02040503050406030204" pitchFamily="18" charset="0"/>
-                              </a:rPr>
-                              <m:t>1</m:t>
+                              <m:t>−1</m:t>
                             </m:r>
                           </m:sup>
                         </m:sSup>
@@ -16009,21 +15379,7 @@
                         <a:latin typeface="Cambria Math" panose="02040503050406030204" pitchFamily="18" charset="0"/>
                         <a:cs typeface="Cambria Math" panose="02040503050406030204" pitchFamily="18" charset="0"/>
                       </a:rPr>
-                      <m:t>∗（</m:t>
-                    </m:r>
-                    <m:r>
-                      <a:rPr lang="en-US" altLang="zh-CN" sz="2800" i="1">
-                        <a:latin typeface="Cambria Math" panose="02040503050406030204" pitchFamily="18" charset="0"/>
-                        <a:cs typeface="Cambria Math" panose="02040503050406030204" pitchFamily="18" charset="0"/>
-                      </a:rPr>
-                      <m:t>1</m:t>
-                    </m:r>
-                    <m:r>
-                      <a:rPr lang="en-US" altLang="zh-CN" sz="2800" i="1">
-                        <a:latin typeface="Cambria Math" panose="02040503050406030204" pitchFamily="18" charset="0"/>
-                        <a:cs typeface="Cambria Math" panose="02040503050406030204" pitchFamily="18" charset="0"/>
-                      </a:rPr>
-                      <m:t>−</m:t>
+                      <m:t>∗（1−</m:t>
                     </m:r>
                     <m:sSup>
                       <m:sSupPr>
@@ -16148,21 +15504,7 @@
                                 <a:latin typeface="Cambria Math" panose="02040503050406030204" pitchFamily="18" charset="0"/>
                                 <a:cs typeface="Cambria Math" panose="02040503050406030204" pitchFamily="18" charset="0"/>
                               </a:rPr>
-                              <m:t>−</m:t>
-                            </m:r>
-                            <m:r>
-                              <a:rPr lang="en-US" altLang="zh-CN" sz="2800" i="1">
-                                <a:latin typeface="Cambria Math" panose="02040503050406030204" pitchFamily="18" charset="0"/>
-                                <a:cs typeface="Cambria Math" panose="02040503050406030204" pitchFamily="18" charset="0"/>
-                              </a:rPr>
-                              <m:t>1</m:t>
-                            </m:r>
-                            <m:r>
-                              <a:rPr lang="en-US" altLang="zh-CN" sz="2800" i="1">
-                                <a:latin typeface="Cambria Math" panose="02040503050406030204" pitchFamily="18" charset="0"/>
-                                <a:cs typeface="Cambria Math" panose="02040503050406030204" pitchFamily="18" charset="0"/>
-                              </a:rPr>
-                              <m:t>+</m:t>
+                              <m:t>−1+</m:t>
                             </m:r>
                             <m:sSup>
                               <m:sSupPr>
@@ -16195,14 +15537,7 @@
                                     <a:latin typeface="Cambria Math" panose="02040503050406030204" pitchFamily="18" charset="0"/>
                                     <a:cs typeface="Cambria Math" panose="02040503050406030204" pitchFamily="18" charset="0"/>
                                   </a:rPr>
-                                  <m:t>−</m:t>
-                                </m:r>
-                                <m:r>
-                                  <a:rPr lang="en-US" altLang="zh-CN" sz="2800" i="1">
-                                    <a:latin typeface="Cambria Math" panose="02040503050406030204" pitchFamily="18" charset="0"/>
-                                    <a:cs typeface="Cambria Math" panose="02040503050406030204" pitchFamily="18" charset="0"/>
-                                  </a:rPr>
-                                  <m:t>1</m:t>
+                                  <m:t>−1</m:t>
                                 </m:r>
                               </m:sup>
                             </m:sSup>
@@ -16213,21 +15548,7 @@
                             <a:latin typeface="Cambria Math" panose="02040503050406030204" pitchFamily="18" charset="0"/>
                             <a:cs typeface="Cambria Math" panose="02040503050406030204" pitchFamily="18" charset="0"/>
                           </a:rPr>
-                          <m:t>∗（</m:t>
-                        </m:r>
-                        <m:r>
-                          <a:rPr lang="en-US" altLang="zh-CN" sz="2800" i="1">
-                            <a:latin typeface="Cambria Math" panose="02040503050406030204" pitchFamily="18" charset="0"/>
-                            <a:cs typeface="Cambria Math" panose="02040503050406030204" pitchFamily="18" charset="0"/>
-                          </a:rPr>
-                          <m:t>2</m:t>
-                        </m:r>
-                        <m:r>
-                          <a:rPr lang="en-US" altLang="zh-CN" sz="2800" i="1">
-                            <a:latin typeface="Cambria Math" panose="02040503050406030204" pitchFamily="18" charset="0"/>
-                            <a:cs typeface="Cambria Math" panose="02040503050406030204" pitchFamily="18" charset="0"/>
-                          </a:rPr>
-                          <m:t>−</m:t>
+                          <m:t>∗（2−</m:t>
                         </m:r>
                         <m:sSup>
                           <m:sSupPr>
@@ -16269,21 +15590,7 @@
                             <a:latin typeface="Cambria Math" panose="02040503050406030204" pitchFamily="18" charset="0"/>
                             <a:cs typeface="Cambria Math" panose="02040503050406030204" pitchFamily="18" charset="0"/>
                           </a:rPr>
-                          <m:t>）,</m:t>
-                        </m:r>
-                        <m:r>
-                          <a:rPr lang="en-US" altLang="zh-CN" sz="2800" i="1">
-                            <a:latin typeface="Cambria Math" panose="02040503050406030204" pitchFamily="18" charset="0"/>
-                            <a:cs typeface="Cambria Math" panose="02040503050406030204" pitchFamily="18" charset="0"/>
-                          </a:rPr>
-                          <m:t>−</m:t>
-                        </m:r>
-                        <m:r>
-                          <a:rPr lang="en-US" altLang="zh-CN" sz="2800" i="1">
-                            <a:latin typeface="Cambria Math" panose="02040503050406030204" pitchFamily="18" charset="0"/>
-                            <a:cs typeface="Cambria Math" panose="02040503050406030204" pitchFamily="18" charset="0"/>
-                          </a:rPr>
-                          <m:t>2</m:t>
+                          <m:t>）,−2</m:t>
                         </m:r>
                       </m:e>
                       <m:sup>
@@ -16292,14 +15599,7 @@
                             <a:latin typeface="Cambria Math" panose="02040503050406030204" pitchFamily="18" charset="0"/>
                             <a:cs typeface="Cambria Math" panose="02040503050406030204" pitchFamily="18" charset="0"/>
                           </a:rPr>
-                          <m:t>2</m:t>
-                        </m:r>
-                        <m:r>
-                          <a:rPr lang="en-US" altLang="zh-CN" sz="2800" i="1">
-                            <a:latin typeface="Cambria Math" panose="02040503050406030204" pitchFamily="18" charset="0"/>
-                            <a:cs typeface="Cambria Math" panose="02040503050406030204" pitchFamily="18" charset="0"/>
-                          </a:rPr>
-                          <m:t>−</m:t>
+                          <m:t>2−</m:t>
                         </m:r>
                         <m:sSup>
                           <m:sSupPr>
@@ -16332,14 +15632,7 @@
                                 <a:latin typeface="Cambria Math" panose="02040503050406030204" pitchFamily="18" charset="0"/>
                                 <a:cs typeface="Cambria Math" panose="02040503050406030204" pitchFamily="18" charset="0"/>
                               </a:rPr>
-                              <m:t>−</m:t>
-                            </m:r>
-                            <m:r>
-                              <a:rPr lang="en-US" altLang="zh-CN" sz="2800" i="1">
-                                <a:latin typeface="Cambria Math" panose="02040503050406030204" pitchFamily="18" charset="0"/>
-                                <a:cs typeface="Cambria Math" panose="02040503050406030204" pitchFamily="18" charset="0"/>
-                              </a:rPr>
-                              <m:t>1</m:t>
+                              <m:t>−1</m:t>
                             </m:r>
                           </m:sup>
                         </m:sSup>
@@ -16358,7 +15651,7 @@
                         <a:cs typeface="Cambria Math" panose="02040503050406030204" pitchFamily="18" charset="0"/>
                         <a:sym typeface="+mn-ea"/>
                       </a:rPr>
-                      <m:t>∪                             [</m:t>
+                      <m:t>∪                             [</m:t>
                     </m:r>
                     <m:sSup>
                       <m:sSupPr>
@@ -16384,14 +15677,7 @@
                             <a:latin typeface="Cambria Math" panose="02040503050406030204" pitchFamily="18" charset="0"/>
                             <a:cs typeface="Cambria Math" panose="02040503050406030204" pitchFamily="18" charset="0"/>
                           </a:rPr>
-                          <m:t>2</m:t>
-                        </m:r>
-                        <m:r>
-                          <a:rPr lang="en-US" altLang="zh-CN" sz="2800" i="1">
-                            <a:latin typeface="Cambria Math" panose="02040503050406030204" pitchFamily="18" charset="0"/>
-                            <a:cs typeface="Cambria Math" panose="02040503050406030204" pitchFamily="18" charset="0"/>
-                          </a:rPr>
-                          <m:t>−</m:t>
+                          <m:t>2−</m:t>
                         </m:r>
                         <m:sSup>
                           <m:sSupPr>
@@ -16424,14 +15710,7 @@
                                 <a:latin typeface="Cambria Math" panose="02040503050406030204" pitchFamily="18" charset="0"/>
                                 <a:cs typeface="Cambria Math" panose="02040503050406030204" pitchFamily="18" charset="0"/>
                               </a:rPr>
-                              <m:t>−</m:t>
-                            </m:r>
-                            <m:r>
-                              <a:rPr lang="en-US" altLang="zh-CN" sz="2800" i="1">
-                                <a:latin typeface="Cambria Math" panose="02040503050406030204" pitchFamily="18" charset="0"/>
-                                <a:cs typeface="Cambria Math" panose="02040503050406030204" pitchFamily="18" charset="0"/>
-                              </a:rPr>
-                              <m:t>1</m:t>
+                              <m:t>−1</m:t>
                             </m:r>
                           </m:sup>
                         </m:sSup>
@@ -16469,21 +15748,7 @@
                             <a:latin typeface="Cambria Math" panose="02040503050406030204" pitchFamily="18" charset="0"/>
                             <a:cs typeface="Cambria Math" panose="02040503050406030204" pitchFamily="18" charset="0"/>
                           </a:rPr>
-                          <m:t>−</m:t>
-                        </m:r>
-                        <m:r>
-                          <a:rPr lang="en-US" altLang="zh-CN" sz="2800" i="1">
-                            <a:latin typeface="Cambria Math" panose="02040503050406030204" pitchFamily="18" charset="0"/>
-                            <a:cs typeface="Cambria Math" panose="02040503050406030204" pitchFamily="18" charset="0"/>
-                          </a:rPr>
-                          <m:t>1</m:t>
-                        </m:r>
-                        <m:r>
-                          <a:rPr lang="en-US" altLang="zh-CN" sz="2800" i="1">
-                            <a:latin typeface="Cambria Math" panose="02040503050406030204" pitchFamily="18" charset="0"/>
-                            <a:cs typeface="Cambria Math" panose="02040503050406030204" pitchFamily="18" charset="0"/>
-                          </a:rPr>
-                          <m:t>+</m:t>
+                          <m:t>−1+</m:t>
                         </m:r>
                         <m:sSup>
                           <m:sSupPr>
@@ -16516,14 +15781,7 @@
                                 <a:latin typeface="Cambria Math" panose="02040503050406030204" pitchFamily="18" charset="0"/>
                                 <a:cs typeface="Cambria Math" panose="02040503050406030204" pitchFamily="18" charset="0"/>
                               </a:rPr>
-                              <m:t>−</m:t>
-                            </m:r>
-                            <m:r>
-                              <a:rPr lang="en-US" altLang="zh-CN" sz="2800" i="1">
-                                <a:latin typeface="Cambria Math" panose="02040503050406030204" pitchFamily="18" charset="0"/>
-                                <a:cs typeface="Cambria Math" panose="02040503050406030204" pitchFamily="18" charset="0"/>
-                              </a:rPr>
-                              <m:t>1</m:t>
+                              <m:t>−1</m:t>
                             </m:r>
                           </m:sup>
                         </m:sSup>
@@ -16534,21 +15792,7 @@
                         <a:latin typeface="Cambria Math" panose="02040503050406030204" pitchFamily="18" charset="0"/>
                         <a:cs typeface="Cambria Math" panose="02040503050406030204" pitchFamily="18" charset="0"/>
                       </a:rPr>
-                      <m:t>∗（</m:t>
-                    </m:r>
-                    <m:r>
-                      <a:rPr lang="en-US" altLang="zh-CN" sz="2800" i="1">
-                        <a:latin typeface="Cambria Math" panose="02040503050406030204" pitchFamily="18" charset="0"/>
-                        <a:cs typeface="Cambria Math" panose="02040503050406030204" pitchFamily="18" charset="0"/>
-                      </a:rPr>
-                      <m:t>2</m:t>
-                    </m:r>
-                    <m:r>
-                      <a:rPr lang="en-US" altLang="zh-CN" sz="2800" i="1">
-                        <a:latin typeface="Cambria Math" panose="02040503050406030204" pitchFamily="18" charset="0"/>
-                        <a:cs typeface="Cambria Math" panose="02040503050406030204" pitchFamily="18" charset="0"/>
-                      </a:rPr>
-                      <m:t>−</m:t>
+                      <m:t>∗（2−</m:t>
                     </m:r>
                     <m:sSup>
                       <m:sSupPr>
@@ -16609,7 +15853,7 @@
             </p:txBody>
           </p:sp>
         </mc:Choice>
-        <mc:Fallback>
+        <mc:Fallback xmlns="">
           <p:sp>
             <p:nvSpPr>
               <p:cNvPr id="4" name="文本框 3"/>
@@ -16627,7 +15871,7 @@
                 <a:avLst/>
               </a:prstGeom>
               <a:blipFill rotWithShape="1">
-                <a:blip r:embed="rId1"/>
+                <a:blip r:embed="rId2"/>
                 <a:stretch>
                   <a:fillRect/>
                 </a:stretch>
@@ -16657,13 +15901,14 @@
 </file>
 
 <file path=ppt/tags/tag1.xml><?xml version="1.0" encoding="utf-8"?>
-<p:tagLst xmlns:p="http://schemas.openxmlformats.org/presentationml/2006/main">
-  <p:tag name="KSO_WM_BEAUTIFY_FLAG" val=""/>
+<p:tagLst xmlns:a="http://schemas.openxmlformats.org/drawingml/2006/main" xmlns:r="http://schemas.openxmlformats.org/officeDocument/2006/relationships" xmlns:p="http://schemas.openxmlformats.org/presentationml/2006/main">
+  <p:tag name="COMMONDATA" val="eyJoZGlkIjoiYzQ3OWM0MzIxMDkyMzUzMjYxZTg3ZjYwNjUyZDVkMjAifQ=="/>
+  <p:tag name="KSO_WPP_MARK_KEY" val="29aca11b-be56-4c15-82e7-d16f329d6a09"/>
 </p:tagLst>
 </file>
 
 <file path=ppt/tags/tag10.xml><?xml version="1.0" encoding="utf-8"?>
-<p:tagLst xmlns:p="http://schemas.openxmlformats.org/presentationml/2006/main">
+<p:tagLst xmlns:a="http://schemas.openxmlformats.org/drawingml/2006/main" xmlns:r="http://schemas.openxmlformats.org/officeDocument/2006/relationships" xmlns:p="http://schemas.openxmlformats.org/presentationml/2006/main">
   <p:tag name="KSO_WM_BEAUTIFY_FLAG" val=""/>
 </p:tagLst>
 </file>
@@ -16675,37 +15920,37 @@
 </file>
 
 <file path=ppt/tags/tag12.xml><?xml version="1.0" encoding="utf-8"?>
-<p:tagLst xmlns:p="http://schemas.openxmlformats.org/presentationml/2006/main">
+<p:tagLst xmlns:a="http://schemas.openxmlformats.org/drawingml/2006/main" xmlns:r="http://schemas.openxmlformats.org/officeDocument/2006/relationships" xmlns:p="http://schemas.openxmlformats.org/presentationml/2006/main">
   <p:tag name="KSO_WM_BEAUTIFY_FLAG" val=""/>
 </p:tagLst>
 </file>
 
 <file path=ppt/tags/tag13.xml><?xml version="1.0" encoding="utf-8"?>
-<p:tagLst xmlns:p="http://schemas.openxmlformats.org/presentationml/2006/main">
+<p:tagLst xmlns:a="http://schemas.openxmlformats.org/drawingml/2006/main" xmlns:r="http://schemas.openxmlformats.org/officeDocument/2006/relationships" xmlns:p="http://schemas.openxmlformats.org/presentationml/2006/main">
   <p:tag name="KSO_WM_BEAUTIFY_FLAG" val=""/>
 </p:tagLst>
 </file>
 
 <file path=ppt/tags/tag14.xml><?xml version="1.0" encoding="utf-8"?>
-<p:tagLst xmlns:p="http://schemas.openxmlformats.org/presentationml/2006/main">
+<p:tagLst xmlns:a="http://schemas.openxmlformats.org/drawingml/2006/main" xmlns:r="http://schemas.openxmlformats.org/officeDocument/2006/relationships" xmlns:p="http://schemas.openxmlformats.org/presentationml/2006/main">
   <p:tag name="KSO_WM_BEAUTIFY_FLAG" val=""/>
 </p:tagLst>
 </file>
 
 <file path=ppt/tags/tag15.xml><?xml version="1.0" encoding="utf-8"?>
-<p:tagLst xmlns:p="http://schemas.openxmlformats.org/presentationml/2006/main">
+<p:tagLst xmlns:a="http://schemas.openxmlformats.org/drawingml/2006/main" xmlns:r="http://schemas.openxmlformats.org/officeDocument/2006/relationships" xmlns:p="http://schemas.openxmlformats.org/presentationml/2006/main">
   <p:tag name="KSO_WM_BEAUTIFY_FLAG" val=""/>
 </p:tagLst>
 </file>
 
 <file path=ppt/tags/tag16.xml><?xml version="1.0" encoding="utf-8"?>
-<p:tagLst xmlns:p="http://schemas.openxmlformats.org/presentationml/2006/main">
+<p:tagLst xmlns:a="http://schemas.openxmlformats.org/drawingml/2006/main" xmlns:r="http://schemas.openxmlformats.org/officeDocument/2006/relationships" xmlns:p="http://schemas.openxmlformats.org/presentationml/2006/main">
   <p:tag name="KSO_WM_BEAUTIFY_FLAG" val=""/>
 </p:tagLst>
 </file>
 
 <file path=ppt/tags/tag17.xml><?xml version="1.0" encoding="utf-8"?>
-<p:tagLst xmlns:p="http://schemas.openxmlformats.org/presentationml/2006/main">
+<p:tagLst xmlns:a="http://schemas.openxmlformats.org/drawingml/2006/main" xmlns:r="http://schemas.openxmlformats.org/officeDocument/2006/relationships" xmlns:p="http://schemas.openxmlformats.org/presentationml/2006/main">
   <p:tag name="KSO_WM_BEAUTIFY_FLAG" val=""/>
 </p:tagLst>
 </file>
@@ -16717,13 +15962,13 @@
 </file>
 
 <file path=ppt/tags/tag19.xml><?xml version="1.0" encoding="utf-8"?>
-<p:tagLst xmlns:p="http://schemas.openxmlformats.org/presentationml/2006/main">
+<p:tagLst xmlns:a="http://schemas.openxmlformats.org/drawingml/2006/main" xmlns:r="http://schemas.openxmlformats.org/officeDocument/2006/relationships" xmlns:p="http://schemas.openxmlformats.org/presentationml/2006/main">
   <p:tag name="KSO_WM_BEAUTIFY_FLAG" val=""/>
 </p:tagLst>
 </file>
 
 <file path=ppt/tags/tag2.xml><?xml version="1.0" encoding="utf-8"?>
-<p:tagLst xmlns:p="http://schemas.openxmlformats.org/presentationml/2006/main">
+<p:tagLst xmlns:a="http://schemas.openxmlformats.org/drawingml/2006/main" xmlns:r="http://schemas.openxmlformats.org/officeDocument/2006/relationships" xmlns:p="http://schemas.openxmlformats.org/presentationml/2006/main">
   <p:tag name="KSO_WM_BEAUTIFY_FLAG" val=""/>
 </p:tagLst>
 </file>
@@ -16734,50 +15979,49 @@
 </p:tagLst>
 </file>
 
-<file path=ppt/tags/tag21.xml><?xml version="1.0" encoding="utf-8"?>
-<p:tagLst xmlns:p="http://schemas.openxmlformats.org/presentationml/2006/main">
-  <p:tag name="COMMONDATA" val="eyJoZGlkIjoiYzQ3OWM0MzIxMDkyMzUzMjYxZTg3ZjYwNjUyZDVkMjAifQ=="/>
-  <p:tag name="KSO_WPP_MARK_KEY" val="29aca11b-be56-4c15-82e7-d16f329d6a09"/>
-</p:tagLst>
-</file>
-
 <file path=ppt/tags/tag3.xml><?xml version="1.0" encoding="utf-8"?>
-<p:tagLst xmlns:p="http://schemas.openxmlformats.org/presentationml/2006/main">
+<p:tagLst xmlns:a="http://schemas.openxmlformats.org/drawingml/2006/main" xmlns:r="http://schemas.openxmlformats.org/officeDocument/2006/relationships" xmlns:p="http://schemas.openxmlformats.org/presentationml/2006/main">
   <p:tag name="KSO_WM_BEAUTIFY_FLAG" val=""/>
 </p:tagLst>
 </file>
 
 <file path=ppt/tags/tag4.xml><?xml version="1.0" encoding="utf-8"?>
-<p:tagLst xmlns:p="http://schemas.openxmlformats.org/presentationml/2006/main">
+<p:tagLst xmlns:a="http://schemas.openxmlformats.org/drawingml/2006/main" xmlns:r="http://schemas.openxmlformats.org/officeDocument/2006/relationships" xmlns:p="http://schemas.openxmlformats.org/presentationml/2006/main">
   <p:tag name="KSO_WM_BEAUTIFY_FLAG" val=""/>
 </p:tagLst>
 </file>
 
 <file path=ppt/tags/tag5.xml><?xml version="1.0" encoding="utf-8"?>
-<p:tagLst xmlns:p="http://schemas.openxmlformats.org/presentationml/2006/main">
+<p:tagLst xmlns:a="http://schemas.openxmlformats.org/drawingml/2006/main" xmlns:r="http://schemas.openxmlformats.org/officeDocument/2006/relationships" xmlns:p="http://schemas.openxmlformats.org/presentationml/2006/main">
   <p:tag name="KSO_WM_BEAUTIFY_FLAG" val=""/>
 </p:tagLst>
 </file>
 
 <file path=ppt/tags/tag6.xml><?xml version="1.0" encoding="utf-8"?>
-<p:tagLst xmlns:p="http://schemas.openxmlformats.org/presentationml/2006/main">
+<p:tagLst xmlns:a="http://schemas.openxmlformats.org/drawingml/2006/main" xmlns:r="http://schemas.openxmlformats.org/officeDocument/2006/relationships" xmlns:p="http://schemas.openxmlformats.org/presentationml/2006/main">
   <p:tag name="KSO_WM_BEAUTIFY_FLAG" val=""/>
 </p:tagLst>
 </file>
 
 <file path=ppt/tags/tag7.xml><?xml version="1.0" encoding="utf-8"?>
-<p:tagLst xmlns:p="http://schemas.openxmlformats.org/presentationml/2006/main">
+<p:tagLst xmlns:a="http://schemas.openxmlformats.org/drawingml/2006/main" xmlns:r="http://schemas.openxmlformats.org/officeDocument/2006/relationships" xmlns:p="http://schemas.openxmlformats.org/presentationml/2006/main">
   <p:tag name="KSO_WM_BEAUTIFY_FLAG" val=""/>
 </p:tagLst>
 </file>
 
 <file path=ppt/tags/tag8.xml><?xml version="1.0" encoding="utf-8"?>
-<p:tagLst xmlns:p="http://schemas.openxmlformats.org/presentationml/2006/main">
+<p:tagLst xmlns:a="http://schemas.openxmlformats.org/drawingml/2006/main" xmlns:r="http://schemas.openxmlformats.org/officeDocument/2006/relationships" xmlns:p="http://schemas.openxmlformats.org/presentationml/2006/main">
   <p:tag name="KSO_WM_BEAUTIFY_FLAG" val=""/>
 </p:tagLst>
 </file>
 
 <file path=ppt/tags/tag9.xml><?xml version="1.0" encoding="utf-8"?>
+<p:tagLst xmlns:a="http://schemas.openxmlformats.org/drawingml/2006/main" xmlns:r="http://schemas.openxmlformats.org/officeDocument/2006/relationships" xmlns:p="http://schemas.openxmlformats.org/presentationml/2006/main">
+  <p:tag name="KSO_WM_BEAUTIFY_FLAG" val=""/>
+</p:tagLst>
+</file>
+
+<file path=ppt/tags/tag90.xml><?xml version="1.0" encoding="utf-8"?>
 <p:tagLst xmlns:p="http://schemas.openxmlformats.org/presentationml/2006/main">
   <p:tag name="KSO_WM_BEAUTIFY_FLAG" val=""/>
 </p:tagLst>
@@ -17034,6 +16278,8 @@
       </a:bgFillStyleLst>
     </a:fmtScheme>
   </a:themeElements>
+  <a:objectDefaults/>
+  <a:extraClrSchemeLst/>
   <a:extLst>
     <a:ext uri="{05A4C25C-085E-4340-85A3-A5531E510DB2}">
       <thm15:themeFamily xmlns:thm15="http://schemas.microsoft.com/office/thememl/2012/main" name="Office Theme" id="{62F939B6-93AF-4DB8-9C6B-D6C7DFDC589F}" vid="{4A3C46E8-61CC-4603-A589-7422A47A8E4A}"/>
